--- a/Docs/DPR_Store_Sales_Prediction.pptx
+++ b/Docs/DPR_Store_Sales_Prediction.pptx
@@ -20,17 +20,16 @@
     <p:sldId id="265" r:id="rId15"/>
     <p:sldId id="266" r:id="rId16"/>
     <p:sldId id="267" r:id="rId17"/>
-    <p:sldId id="268" r:id="rId18"/>
   </p:sldIdLst>
   <p:sldSz cy="6858000" cx="12192000"/>
   <p:notesSz cx="6858000" cy="9144000"/>
   <p:embeddedFontLst>
     <p:embeddedFont>
       <p:font typeface="Century Gothic"/>
-      <p:regular r:id="rId19"/>
-      <p:bold r:id="rId20"/>
-      <p:italic r:id="rId21"/>
-      <p:boldItalic r:id="rId22"/>
+      <p:regular r:id="rId18"/>
+      <p:bold r:id="rId19"/>
+      <p:italic r:id="rId20"/>
+      <p:boldItalic r:id="rId21"/>
     </p:embeddedFont>
   </p:embeddedFontLst>
   <p:defaultTextStyle>
@@ -969,7 +968,7 @@
       </p:grpSpPr>
       <p:sp>
         <p:nvSpPr>
-          <p:cNvPr id="183" name="Google Shape;183;p10:notes"/>
+          <p:cNvPr id="183" name="Google Shape;183;geee155b9f7_0_7:notes"/>
           <p:cNvSpPr txBox="1"/>
           <p:nvPr>
             <p:ph idx="1" type="body"/>
@@ -983,6 +982,10 @@
           <a:prstGeom prst="rect">
             <a:avLst/>
           </a:prstGeom>
+          <a:noFill/>
+          <a:ln>
+            <a:noFill/>
+          </a:ln>
         </p:spPr>
         <p:txBody>
           <a:bodyPr anchorCtr="0" anchor="t" bIns="91425" lIns="91425" spcFirstLastPara="1" rIns="91425" wrap="square" tIns="91425">
@@ -991,12 +994,16 @@
           <a:lstStyle/>
           <a:p>
             <a:pPr indent="0" lvl="0" marL="0" rtl="0" algn="l">
-              <a:spcBef>
-                <a:spcPts val="0"/>
-              </a:spcBef>
-              <a:spcAft>
-                <a:spcPts val="0"/>
-              </a:spcAft>
+              <a:lnSpc>
+                <a:spcPct val="100000"/>
+              </a:lnSpc>
+              <a:spcBef>
+                <a:spcPts val="0"/>
+              </a:spcBef>
+              <a:spcAft>
+                <a:spcPts val="0"/>
+              </a:spcAft>
+              <a:buSzPts val="1100"/>
               <a:buNone/>
             </a:pPr>
             <a:r>
@@ -1008,7 +1015,7 @@
       </p:sp>
       <p:sp>
         <p:nvSpPr>
-          <p:cNvPr id="184" name="Google Shape;184;p10:notes"/>
+          <p:cNvPr id="184" name="Google Shape;184;geee155b9f7_0_7:notes"/>
           <p:cNvSpPr/>
           <p:nvPr>
             <p:ph idx="2" type="sldImg"/>
@@ -1016,8 +1023,8 @@
         </p:nvSpPr>
         <p:spPr>
           <a:xfrm>
-            <a:off x="1143225" y="685800"/>
-            <a:ext cx="4572225" cy="3429000"/>
+            <a:off x="381000" y="685800"/>
+            <a:ext cx="6096000" cy="3429000"/>
           </a:xfrm>
           <a:custGeom>
             <a:rect b="b" l="l" r="r" t="t"/>
@@ -1039,6 +1046,16 @@
               </a:path>
             </a:pathLst>
           </a:custGeom>
+          <a:noFill/>
+          <a:ln cap="flat" cmpd="sng" w="9525">
+            <a:solidFill>
+              <a:srgbClr val="000000"/>
+            </a:solidFill>
+            <a:prstDash val="solid"/>
+            <a:round/>
+            <a:headEnd len="sm" w="sm" type="none"/>
+            <a:tailEnd len="sm" w="sm" type="none"/>
+          </a:ln>
         </p:spPr>
       </p:sp>
     </p:spTree>
@@ -1068,7 +1085,7 @@
       </p:grpSpPr>
       <p:sp>
         <p:nvSpPr>
-          <p:cNvPr id="188" name="Google Shape;188;p11:notes"/>
+          <p:cNvPr id="188" name="Google Shape;188;geee155b9f7_0_11:notes"/>
           <p:cNvSpPr txBox="1"/>
           <p:nvPr>
             <p:ph idx="1" type="body"/>
@@ -1082,6 +1099,10 @@
           <a:prstGeom prst="rect">
             <a:avLst/>
           </a:prstGeom>
+          <a:noFill/>
+          <a:ln>
+            <a:noFill/>
+          </a:ln>
         </p:spPr>
         <p:txBody>
           <a:bodyPr anchorCtr="0" anchor="t" bIns="91425" lIns="91425" spcFirstLastPara="1" rIns="91425" wrap="square" tIns="91425">
@@ -1090,12 +1111,16 @@
           <a:lstStyle/>
           <a:p>
             <a:pPr indent="0" lvl="0" marL="0" rtl="0" algn="l">
-              <a:spcBef>
-                <a:spcPts val="0"/>
-              </a:spcBef>
-              <a:spcAft>
-                <a:spcPts val="0"/>
-              </a:spcAft>
+              <a:lnSpc>
+                <a:spcPct val="100000"/>
+              </a:lnSpc>
+              <a:spcBef>
+                <a:spcPts val="0"/>
+              </a:spcBef>
+              <a:spcAft>
+                <a:spcPts val="0"/>
+              </a:spcAft>
+              <a:buSzPts val="1100"/>
               <a:buNone/>
             </a:pPr>
             <a:r>
@@ -1107,7 +1132,7 @@
       </p:sp>
       <p:sp>
         <p:nvSpPr>
-          <p:cNvPr id="189" name="Google Shape;189;p11:notes"/>
+          <p:cNvPr id="189" name="Google Shape;189;geee155b9f7_0_11:notes"/>
           <p:cNvSpPr/>
           <p:nvPr>
             <p:ph idx="2" type="sldImg"/>
@@ -1115,8 +1140,8 @@
         </p:nvSpPr>
         <p:spPr>
           <a:xfrm>
-            <a:off x="1143225" y="685800"/>
-            <a:ext cx="4572225" cy="3429000"/>
+            <a:off x="381000" y="685800"/>
+            <a:ext cx="6096000" cy="3429000"/>
           </a:xfrm>
           <a:custGeom>
             <a:rect b="b" l="l" r="r" t="t"/>
@@ -1138,6 +1163,16 @@
               </a:path>
             </a:pathLst>
           </a:custGeom>
+          <a:noFill/>
+          <a:ln cap="flat" cmpd="sng" w="9525">
+            <a:solidFill>
+              <a:srgbClr val="000000"/>
+            </a:solidFill>
+            <a:prstDash val="solid"/>
+            <a:round/>
+            <a:headEnd len="sm" w="sm" type="none"/>
+            <a:tailEnd len="sm" w="sm" type="none"/>
+          </a:ln>
         </p:spPr>
       </p:sp>
     </p:spTree>
@@ -1167,7 +1202,7 @@
       </p:grpSpPr>
       <p:sp>
         <p:nvSpPr>
-          <p:cNvPr id="193" name="Google Shape;193;p12:notes"/>
+          <p:cNvPr id="193" name="Google Shape;193;geee155b9f7_0_15:notes"/>
           <p:cNvSpPr txBox="1"/>
           <p:nvPr>
             <p:ph idx="1" type="body"/>
@@ -1181,6 +1216,10 @@
           <a:prstGeom prst="rect">
             <a:avLst/>
           </a:prstGeom>
+          <a:noFill/>
+          <a:ln>
+            <a:noFill/>
+          </a:ln>
         </p:spPr>
         <p:txBody>
           <a:bodyPr anchorCtr="0" anchor="t" bIns="91425" lIns="91425" spcFirstLastPara="1" rIns="91425" wrap="square" tIns="91425">
@@ -1189,12 +1228,16 @@
           <a:lstStyle/>
           <a:p>
             <a:pPr indent="0" lvl="0" marL="0" rtl="0" algn="l">
-              <a:spcBef>
-                <a:spcPts val="0"/>
-              </a:spcBef>
-              <a:spcAft>
-                <a:spcPts val="0"/>
-              </a:spcAft>
+              <a:lnSpc>
+                <a:spcPct val="100000"/>
+              </a:lnSpc>
+              <a:spcBef>
+                <a:spcPts val="0"/>
+              </a:spcBef>
+              <a:spcAft>
+                <a:spcPts val="0"/>
+              </a:spcAft>
+              <a:buSzPts val="1100"/>
               <a:buNone/>
             </a:pPr>
             <a:r>
@@ -1206,7 +1249,7 @@
       </p:sp>
       <p:sp>
         <p:nvSpPr>
-          <p:cNvPr id="194" name="Google Shape;194;p12:notes"/>
+          <p:cNvPr id="194" name="Google Shape;194;geee155b9f7_0_15:notes"/>
           <p:cNvSpPr/>
           <p:nvPr>
             <p:ph idx="2" type="sldImg"/>
@@ -1214,8 +1257,8 @@
         </p:nvSpPr>
         <p:spPr>
           <a:xfrm>
-            <a:off x="1143225" y="685800"/>
-            <a:ext cx="4572225" cy="3429000"/>
+            <a:off x="381000" y="685800"/>
+            <a:ext cx="6096000" cy="3429000"/>
           </a:xfrm>
           <a:custGeom>
             <a:rect b="b" l="l" r="r" t="t"/>
@@ -1237,105 +1280,16 @@
               </a:path>
             </a:pathLst>
           </a:custGeom>
-        </p:spPr>
-      </p:sp>
-    </p:spTree>
-  </p:cSld>
-  <p:clrMapOvr>
-    <a:masterClrMapping/>
-  </p:clrMapOvr>
-</p:notes>
-</file>
-
-<file path=ppt/notesSlides/notesSlide13.xml><?xml version="1.0" encoding="utf-8"?>
-<p:notes xmlns:a="http://schemas.openxmlformats.org/drawingml/2006/main" xmlns:r="http://schemas.openxmlformats.org/officeDocument/2006/relationships" xmlns:mc="http://schemas.openxmlformats.org/markup-compatibility/2006" xmlns:mv="urn:schemas-microsoft-com:mac:vml" xmlns:p="http://schemas.openxmlformats.org/presentationml/2006/main" xmlns:c="http://schemas.openxmlformats.org/drawingml/2006/chart" xmlns:dgm="http://schemas.openxmlformats.org/drawingml/2006/diagram" xmlns:o="urn:schemas-microsoft-com:office:office" xmlns:v="urn:schemas-microsoft-com:vml" xmlns:pvml="urn:schemas-microsoft-com:office:powerpoint" xmlns:com="http://schemas.openxmlformats.org/drawingml/2006/compatibility" xmlns:p14="http://schemas.microsoft.com/office/powerpoint/2010/main" xmlns:p15="http://schemas.microsoft.com/office/powerpoint/2012/main" xmlns:ahyp="http://schemas.microsoft.com/office/drawing/2018/hyperlinkcolor" showMasterPhAnim="0" showMasterSp="0">
-  <p:cSld>
-    <p:spTree>
-      <p:nvGrpSpPr>
-        <p:cNvPr id="199" name="Shape 199"/>
-        <p:cNvGrpSpPr/>
-        <p:nvPr/>
-      </p:nvGrpSpPr>
-      <p:grpSpPr>
-        <a:xfrm>
-          <a:off x="0" y="0"/>
-          <a:ext cx="0" cy="0"/>
-          <a:chOff x="0" y="0"/>
-          <a:chExt cx="0" cy="0"/>
-        </a:xfrm>
-      </p:grpSpPr>
-      <p:sp>
-        <p:nvSpPr>
-          <p:cNvPr id="200" name="Google Shape;200;p13:notes"/>
-          <p:cNvSpPr txBox="1"/>
-          <p:nvPr>
-            <p:ph idx="1" type="body"/>
-          </p:nvPr>
-        </p:nvSpPr>
-        <p:spPr>
-          <a:xfrm>
-            <a:off x="685800" y="4343400"/>
-            <a:ext cx="5486400" cy="4114800"/>
-          </a:xfrm>
-          <a:prstGeom prst="rect">
-            <a:avLst/>
-          </a:prstGeom>
-        </p:spPr>
-        <p:txBody>
-          <a:bodyPr anchorCtr="0" anchor="t" bIns="91425" lIns="91425" spcFirstLastPara="1" rIns="91425" wrap="square" tIns="91425">
-            <a:noAutofit/>
-          </a:bodyPr>
-          <a:lstStyle/>
-          <a:p>
-            <a:pPr indent="0" lvl="0" marL="0" rtl="0" algn="l">
-              <a:spcBef>
-                <a:spcPts val="0"/>
-              </a:spcBef>
-              <a:spcAft>
-                <a:spcPts val="0"/>
-              </a:spcAft>
-              <a:buNone/>
-            </a:pPr>
-            <a:r>
-              <a:t/>
-            </a:r>
-            <a:endParaRPr/>
-          </a:p>
-        </p:txBody>
-      </p:sp>
-      <p:sp>
-        <p:nvSpPr>
-          <p:cNvPr id="201" name="Google Shape;201;p13:notes"/>
-          <p:cNvSpPr/>
-          <p:nvPr>
-            <p:ph idx="2" type="sldImg"/>
-          </p:nvPr>
-        </p:nvSpPr>
-        <p:spPr>
-          <a:xfrm>
-            <a:off x="1143225" y="685800"/>
-            <a:ext cx="4572225" cy="3429000"/>
-          </a:xfrm>
-          <a:custGeom>
-            <a:rect b="b" l="l" r="r" t="t"/>
-            <a:pathLst>
-              <a:path extrusionOk="0" h="120000" w="120000">
-                <a:moveTo>
-                  <a:pt x="0" y="0"/>
-                </a:moveTo>
-                <a:lnTo>
-                  <a:pt x="120000" y="0"/>
-                </a:lnTo>
-                <a:lnTo>
-                  <a:pt x="120000" y="120000"/>
-                </a:lnTo>
-                <a:lnTo>
-                  <a:pt x="0" y="120000"/>
-                </a:lnTo>
-                <a:close/>
-              </a:path>
-            </a:pathLst>
-          </a:custGeom>
+          <a:noFill/>
+          <a:ln cap="flat" cmpd="sng" w="9525">
+            <a:solidFill>
+              <a:srgbClr val="000000"/>
+            </a:solidFill>
+            <a:prstDash val="solid"/>
+            <a:round/>
+            <a:headEnd len="sm" w="sm" type="none"/>
+            <a:tailEnd len="sm" w="sm" type="none"/>
+          </a:ln>
         </p:spPr>
       </p:sp>
     </p:spTree>
@@ -2184,7 +2138,7 @@
       </p:grpSpPr>
       <p:sp>
         <p:nvSpPr>
-          <p:cNvPr id="178" name="Google Shape;178;p9:notes"/>
+          <p:cNvPr id="178" name="Google Shape;178;geee155b9f7_0_3:notes"/>
           <p:cNvSpPr txBox="1"/>
           <p:nvPr>
             <p:ph idx="1" type="body"/>
@@ -2198,6 +2152,10 @@
           <a:prstGeom prst="rect">
             <a:avLst/>
           </a:prstGeom>
+          <a:noFill/>
+          <a:ln>
+            <a:noFill/>
+          </a:ln>
         </p:spPr>
         <p:txBody>
           <a:bodyPr anchorCtr="0" anchor="t" bIns="91425" lIns="91425" spcFirstLastPara="1" rIns="91425" wrap="square" tIns="91425">
@@ -2206,12 +2164,16 @@
           <a:lstStyle/>
           <a:p>
             <a:pPr indent="0" lvl="0" marL="0" rtl="0" algn="l">
-              <a:spcBef>
-                <a:spcPts val="0"/>
-              </a:spcBef>
-              <a:spcAft>
-                <a:spcPts val="0"/>
-              </a:spcAft>
+              <a:lnSpc>
+                <a:spcPct val="100000"/>
+              </a:lnSpc>
+              <a:spcBef>
+                <a:spcPts val="0"/>
+              </a:spcBef>
+              <a:spcAft>
+                <a:spcPts val="0"/>
+              </a:spcAft>
+              <a:buSzPts val="1100"/>
               <a:buNone/>
             </a:pPr>
             <a:r>
@@ -2223,7 +2185,7 @@
       </p:sp>
       <p:sp>
         <p:nvSpPr>
-          <p:cNvPr id="179" name="Google Shape;179;p9:notes"/>
+          <p:cNvPr id="179" name="Google Shape;179;geee155b9f7_0_3:notes"/>
           <p:cNvSpPr/>
           <p:nvPr>
             <p:ph idx="2" type="sldImg"/>
@@ -2231,8 +2193,8 @@
         </p:nvSpPr>
         <p:spPr>
           <a:xfrm>
-            <a:off x="1143225" y="685800"/>
-            <a:ext cx="4572225" cy="3429000"/>
+            <a:off x="381000" y="685800"/>
+            <a:ext cx="6096000" cy="3429000"/>
           </a:xfrm>
           <a:custGeom>
             <a:rect b="b" l="l" r="r" t="t"/>
@@ -2254,6 +2216,16 @@
               </a:path>
             </a:pathLst>
           </a:custGeom>
+          <a:noFill/>
+          <a:ln cap="flat" cmpd="sng" w="9525">
+            <a:solidFill>
+              <a:srgbClr val="000000"/>
+            </a:solidFill>
+            <a:prstDash val="solid"/>
+            <a:round/>
+            <a:headEnd len="sm" w="sm" type="none"/>
+            <a:tailEnd len="sm" w="sm" type="none"/>
+          </a:ln>
         </p:spPr>
       </p:sp>
     </p:spTree>
@@ -21882,8 +21854,8 @@
         </p:nvSpPr>
         <p:spPr>
           <a:xfrm>
-            <a:off x="684212" y="2537138"/>
-            <a:ext cx="6400800" cy="3254062"/>
+            <a:off x="-100" y="0"/>
+            <a:ext cx="12192000" cy="6858000"/>
           </a:xfrm>
           <a:prstGeom prst="rect">
             <a:avLst/>
@@ -21924,8 +21896,194 @@
               </a:rPr>
               <a:t>		</a:t>
             </a:r>
+            <a:endParaRPr>
+              <a:solidFill>
+                <a:schemeClr val="lt1"/>
+              </a:solidFill>
+              <a:latin typeface="Times New Roman"/>
+              <a:ea typeface="Times New Roman"/>
+              <a:cs typeface="Times New Roman"/>
+              <a:sym typeface="Times New Roman"/>
+            </a:endParaRPr>
+          </a:p>
+          <a:p>
+            <a:pPr indent="0" lvl="0" marL="0" rtl="0" algn="l">
+              <a:lnSpc>
+                <a:spcPct val="100000"/>
+              </a:lnSpc>
+              <a:spcBef>
+                <a:spcPts val="0"/>
+              </a:spcBef>
+              <a:spcAft>
+                <a:spcPts val="0"/>
+              </a:spcAft>
+              <a:buSzPts val="1680"/>
+              <a:buNone/>
+            </a:pPr>
             <a:r>
-              <a:rPr lang="en-US" sz="3000">
+              <a:t/>
+            </a:r>
+            <a:endParaRPr sz="3000">
+              <a:solidFill>
+                <a:schemeClr val="lt1"/>
+              </a:solidFill>
+              <a:latin typeface="Times New Roman"/>
+              <a:ea typeface="Times New Roman"/>
+              <a:cs typeface="Times New Roman"/>
+              <a:sym typeface="Times New Roman"/>
+            </a:endParaRPr>
+          </a:p>
+          <a:p>
+            <a:pPr indent="0" lvl="0" marL="0" rtl="0" algn="l">
+              <a:lnSpc>
+                <a:spcPct val="100000"/>
+              </a:lnSpc>
+              <a:spcBef>
+                <a:spcPts val="0"/>
+              </a:spcBef>
+              <a:spcAft>
+                <a:spcPts val="0"/>
+              </a:spcAft>
+              <a:buSzPts val="1680"/>
+              <a:buNone/>
+            </a:pPr>
+            <a:r>
+              <a:t/>
+            </a:r>
+            <a:endParaRPr sz="3000">
+              <a:solidFill>
+                <a:schemeClr val="lt1"/>
+              </a:solidFill>
+              <a:latin typeface="Times New Roman"/>
+              <a:ea typeface="Times New Roman"/>
+              <a:cs typeface="Times New Roman"/>
+              <a:sym typeface="Times New Roman"/>
+            </a:endParaRPr>
+          </a:p>
+          <a:p>
+            <a:pPr indent="0" lvl="0" marL="0" rtl="0" algn="l">
+              <a:lnSpc>
+                <a:spcPct val="100000"/>
+              </a:lnSpc>
+              <a:spcBef>
+                <a:spcPts val="0"/>
+              </a:spcBef>
+              <a:spcAft>
+                <a:spcPts val="0"/>
+              </a:spcAft>
+              <a:buSzPts val="1680"/>
+              <a:buNone/>
+            </a:pPr>
+            <a:r>
+              <a:t/>
+            </a:r>
+            <a:endParaRPr sz="3000">
+              <a:solidFill>
+                <a:schemeClr val="lt1"/>
+              </a:solidFill>
+              <a:latin typeface="Times New Roman"/>
+              <a:ea typeface="Times New Roman"/>
+              <a:cs typeface="Times New Roman"/>
+              <a:sym typeface="Times New Roman"/>
+            </a:endParaRPr>
+          </a:p>
+          <a:p>
+            <a:pPr indent="0" lvl="0" marL="0" rtl="0" algn="l">
+              <a:lnSpc>
+                <a:spcPct val="100000"/>
+              </a:lnSpc>
+              <a:spcBef>
+                <a:spcPts val="0"/>
+              </a:spcBef>
+              <a:spcAft>
+                <a:spcPts val="0"/>
+              </a:spcAft>
+              <a:buSzPts val="1680"/>
+              <a:buNone/>
+            </a:pPr>
+            <a:r>
+              <a:t/>
+            </a:r>
+            <a:endParaRPr sz="3000">
+              <a:solidFill>
+                <a:schemeClr val="lt1"/>
+              </a:solidFill>
+              <a:latin typeface="Times New Roman"/>
+              <a:ea typeface="Times New Roman"/>
+              <a:cs typeface="Times New Roman"/>
+              <a:sym typeface="Times New Roman"/>
+            </a:endParaRPr>
+          </a:p>
+          <a:p>
+            <a:pPr indent="0" lvl="0" marL="0" rtl="0" algn="l">
+              <a:lnSpc>
+                <a:spcPct val="100000"/>
+              </a:lnSpc>
+              <a:spcBef>
+                <a:spcPts val="0"/>
+              </a:spcBef>
+              <a:spcAft>
+                <a:spcPts val="0"/>
+              </a:spcAft>
+              <a:buSzPts val="1680"/>
+              <a:buNone/>
+            </a:pPr>
+            <a:r>
+              <a:t/>
+            </a:r>
+            <a:endParaRPr sz="3000">
+              <a:solidFill>
+                <a:schemeClr val="lt1"/>
+              </a:solidFill>
+              <a:latin typeface="Times New Roman"/>
+              <a:ea typeface="Times New Roman"/>
+              <a:cs typeface="Times New Roman"/>
+              <a:sym typeface="Times New Roman"/>
+            </a:endParaRPr>
+          </a:p>
+          <a:p>
+            <a:pPr indent="0" lvl="0" marL="0" rtl="0" algn="l">
+              <a:lnSpc>
+                <a:spcPct val="100000"/>
+              </a:lnSpc>
+              <a:spcBef>
+                <a:spcPts val="0"/>
+              </a:spcBef>
+              <a:spcAft>
+                <a:spcPts val="0"/>
+              </a:spcAft>
+              <a:buSzPts val="1680"/>
+              <a:buNone/>
+            </a:pPr>
+            <a:r>
+              <a:t/>
+            </a:r>
+            <a:endParaRPr sz="3000">
+              <a:solidFill>
+                <a:schemeClr val="lt1"/>
+              </a:solidFill>
+              <a:latin typeface="Times New Roman"/>
+              <a:ea typeface="Times New Roman"/>
+              <a:cs typeface="Times New Roman"/>
+              <a:sym typeface="Times New Roman"/>
+            </a:endParaRPr>
+          </a:p>
+          <a:p>
+            <a:pPr indent="0" lvl="0" marL="0" rtl="0" algn="ctr">
+              <a:lnSpc>
+                <a:spcPct val="100000"/>
+              </a:lnSpc>
+              <a:spcBef>
+                <a:spcPts val="0"/>
+              </a:spcBef>
+              <a:spcAft>
+                <a:spcPts val="0"/>
+              </a:spcAft>
+              <a:buSzPts val="1680"/>
+              <a:buNone/>
+            </a:pPr>
+            <a:r>
+              <a:rPr b="1" lang="en-US" sz="3000">
                 <a:solidFill>
                   <a:schemeClr val="lt1"/>
                 </a:solidFill>
@@ -21936,7 +22094,7 @@
               </a:rPr>
               <a:t>Stores Sales Prediction</a:t>
             </a:r>
-            <a:endParaRPr sz="3000">
+            <a:endParaRPr b="1" sz="3000">
               <a:solidFill>
                 <a:schemeClr val="lt1"/>
               </a:solidFill>
@@ -21976,15 +22134,13 @@
       <p:sp>
         <p:nvSpPr>
           <p:cNvPr id="186" name="Google Shape;186;p28"/>
-          <p:cNvSpPr txBox="1"/>
-          <p:nvPr>
-            <p:ph idx="1" type="body"/>
-          </p:nvPr>
+          <p:cNvSpPr/>
+          <p:nvPr/>
         </p:nvSpPr>
         <p:spPr>
           <a:xfrm>
-            <a:off x="261130" y="126242"/>
-            <a:ext cx="11074199" cy="6307428"/>
+            <a:off x="75" y="0"/>
+            <a:ext cx="12192000" cy="6858000"/>
           </a:xfrm>
           <a:prstGeom prst="rect">
             <a:avLst/>
@@ -21995,329 +22151,32 @@
           </a:ln>
         </p:spPr>
         <p:txBody>
-          <a:bodyPr anchorCtr="0" anchor="ctr" bIns="45700" lIns="91425" spcFirstLastPara="1" rIns="91425" wrap="square" tIns="45700">
-            <a:normAutofit/>
+          <a:bodyPr anchorCtr="0" anchor="t" bIns="45700" lIns="91425" spcFirstLastPara="1" rIns="91425" wrap="square" tIns="45700">
+            <a:noAutofit/>
           </a:bodyPr>
           <a:lstStyle/>
           <a:p>
-            <a:pPr indent="0" lvl="0" marL="0" rtl="0" algn="l">
-              <a:lnSpc>
-                <a:spcPct val="100000"/>
-              </a:lnSpc>
-              <a:spcBef>
-                <a:spcPts val="0"/>
-              </a:spcBef>
-              <a:spcAft>
-                <a:spcPts val="0"/>
-              </a:spcAft>
-              <a:buSzPts val="1600"/>
+            <a:pPr indent="0" lvl="0" marL="457200" marR="0" rtl="0" algn="l">
+              <a:lnSpc>
+                <a:spcPct val="100000"/>
+              </a:lnSpc>
+              <a:spcBef>
+                <a:spcPts val="0"/>
+              </a:spcBef>
+              <a:spcAft>
+                <a:spcPts val="0"/>
+              </a:spcAft>
+              <a:buClr>
+                <a:srgbClr val="000000"/>
+              </a:buClr>
+              <a:buSzPts val="2200"/>
+              <a:buFont typeface="Arial"/>
               <a:buNone/>
             </a:pPr>
             <a:r>
-              <a:rPr lang="en-US">
-                <a:solidFill>
-                  <a:schemeClr val="lt1"/>
-                </a:solidFill>
-                <a:latin typeface="Times New Roman"/>
-                <a:ea typeface="Times New Roman"/>
-                <a:cs typeface="Times New Roman"/>
-                <a:sym typeface="Times New Roman"/>
-              </a:rPr>
-              <a:t>Q 4) </a:t>
+              <a:t/>
             </a:r>
-            <a:r>
-              <a:rPr lang="en-US" sz="1800">
-                <a:solidFill>
-                  <a:schemeClr val="lt1"/>
-                </a:solidFill>
-                <a:latin typeface="Times New Roman"/>
-                <a:ea typeface="Times New Roman"/>
-                <a:cs typeface="Times New Roman"/>
-                <a:sym typeface="Times New Roman"/>
-              </a:rPr>
-              <a:t>How logs are managed?</a:t>
-            </a:r>
-            <a:endParaRPr/>
-          </a:p>
-          <a:p>
-            <a:pPr indent="0" lvl="0" marL="0" rtl="0" algn="l">
-              <a:lnSpc>
-                <a:spcPct val="100000"/>
-              </a:lnSpc>
-              <a:spcBef>
-                <a:spcPts val="960"/>
-              </a:spcBef>
-              <a:spcAft>
-                <a:spcPts val="0"/>
-              </a:spcAft>
-              <a:buSzPts val="1440"/>
-              <a:buNone/>
-            </a:pPr>
-            <a:r>
-              <a:rPr lang="en-US" sz="1800">
-                <a:solidFill>
-                  <a:schemeClr val="lt1"/>
-                </a:solidFill>
-                <a:latin typeface="Times New Roman"/>
-                <a:ea typeface="Times New Roman"/>
-                <a:cs typeface="Times New Roman"/>
-                <a:sym typeface="Times New Roman"/>
-              </a:rPr>
-              <a:t>	We are using different logs as per the steps that we follow in  validation and  </a:t>
-            </a:r>
-            <a:endParaRPr/>
-          </a:p>
-          <a:p>
-            <a:pPr indent="0" lvl="0" marL="0" rtl="0" algn="l">
-              <a:lnSpc>
-                <a:spcPct val="100000"/>
-              </a:lnSpc>
-              <a:spcBef>
-                <a:spcPts val="960"/>
-              </a:spcBef>
-              <a:spcAft>
-                <a:spcPts val="0"/>
-              </a:spcAft>
-              <a:buSzPts val="1440"/>
-              <a:buNone/>
-            </a:pPr>
-            <a:r>
-              <a:rPr lang="en-US" sz="1800">
-                <a:solidFill>
-                  <a:schemeClr val="lt1"/>
-                </a:solidFill>
-                <a:latin typeface="Times New Roman"/>
-                <a:ea typeface="Times New Roman"/>
-                <a:cs typeface="Times New Roman"/>
-                <a:sym typeface="Times New Roman"/>
-              </a:rPr>
-              <a:t>       modeling like  Data Validation log ,Info log, Error log , Data Insertion ,Model Training log , prediction log    </a:t>
-            </a:r>
-            <a:endParaRPr/>
-          </a:p>
-          <a:p>
-            <a:pPr indent="0" lvl="0" marL="0" rtl="0" algn="l">
-              <a:lnSpc>
-                <a:spcPct val="100000"/>
-              </a:lnSpc>
-              <a:spcBef>
-                <a:spcPts val="960"/>
-              </a:spcBef>
-              <a:spcAft>
-                <a:spcPts val="0"/>
-              </a:spcAft>
-              <a:buSzPts val="1440"/>
-              <a:buNone/>
-            </a:pPr>
-            <a:r>
-              <a:rPr lang="en-US" sz="1800">
-                <a:solidFill>
-                  <a:schemeClr val="lt1"/>
-                </a:solidFill>
-                <a:latin typeface="Times New Roman"/>
-                <a:ea typeface="Times New Roman"/>
-                <a:cs typeface="Times New Roman"/>
-                <a:sym typeface="Times New Roman"/>
-              </a:rPr>
-              <a:t>       etc.</a:t>
-            </a:r>
-            <a:endParaRPr/>
-          </a:p>
-          <a:p>
-            <a:pPr indent="0" lvl="0" marL="0" rtl="0" algn="l">
-              <a:lnSpc>
-                <a:spcPct val="100000"/>
-              </a:lnSpc>
-              <a:spcBef>
-                <a:spcPts val="960"/>
-              </a:spcBef>
-              <a:spcAft>
-                <a:spcPts val="0"/>
-              </a:spcAft>
-              <a:buSzPts val="1440"/>
-              <a:buNone/>
-            </a:pPr>
-            <a:r>
-              <a:rPr lang="en-US" sz="1800">
-                <a:solidFill>
-                  <a:schemeClr val="lt1"/>
-                </a:solidFill>
-                <a:latin typeface="Times New Roman"/>
-                <a:ea typeface="Times New Roman"/>
-                <a:cs typeface="Times New Roman"/>
-                <a:sym typeface="Times New Roman"/>
-              </a:rPr>
-              <a:t>Q 5) What techniques were you using for data pre-processing?</a:t>
-            </a:r>
-            <a:endParaRPr/>
-          </a:p>
-          <a:p>
-            <a:pPr indent="-285750" lvl="1" marL="742950" rtl="0" algn="l">
-              <a:lnSpc>
-                <a:spcPct val="100000"/>
-              </a:lnSpc>
-              <a:spcBef>
-                <a:spcPts val="960"/>
-              </a:spcBef>
-              <a:spcAft>
-                <a:spcPts val="0"/>
-              </a:spcAft>
-              <a:buSzPts val="1440"/>
-              <a:buChar char="▶"/>
-            </a:pPr>
-            <a:r>
-              <a:rPr lang="en-US">
-                <a:solidFill>
-                  <a:schemeClr val="lt1"/>
-                </a:solidFill>
-                <a:latin typeface="Times New Roman"/>
-                <a:ea typeface="Times New Roman"/>
-                <a:cs typeface="Times New Roman"/>
-                <a:sym typeface="Times New Roman"/>
-              </a:rPr>
-              <a:t>Removing unwanted attributes</a:t>
-            </a:r>
-            <a:endParaRPr/>
-          </a:p>
-          <a:p>
-            <a:pPr indent="-285750" lvl="1" marL="742950" rtl="0" algn="l">
-              <a:lnSpc>
-                <a:spcPct val="100000"/>
-              </a:lnSpc>
-              <a:spcBef>
-                <a:spcPts val="960"/>
-              </a:spcBef>
-              <a:spcAft>
-                <a:spcPts val="0"/>
-              </a:spcAft>
-              <a:buSzPts val="1440"/>
-              <a:buChar char="▶"/>
-            </a:pPr>
-            <a:r>
-              <a:rPr lang="en-US">
-                <a:solidFill>
-                  <a:schemeClr val="lt1"/>
-                </a:solidFill>
-                <a:latin typeface="Times New Roman"/>
-                <a:ea typeface="Times New Roman"/>
-                <a:cs typeface="Times New Roman"/>
-                <a:sym typeface="Times New Roman"/>
-              </a:rPr>
-              <a:t>Visualizing  relation of independent variables with each other and output variables</a:t>
-            </a:r>
-            <a:endParaRPr/>
-          </a:p>
-          <a:p>
-            <a:pPr indent="-285750" lvl="1" marL="742950" rtl="0" algn="l">
-              <a:lnSpc>
-                <a:spcPct val="100000"/>
-              </a:lnSpc>
-              <a:spcBef>
-                <a:spcPts val="960"/>
-              </a:spcBef>
-              <a:spcAft>
-                <a:spcPts val="0"/>
-              </a:spcAft>
-              <a:buSzPts val="1440"/>
-              <a:buChar char="▶"/>
-            </a:pPr>
-            <a:r>
-              <a:rPr lang="en-US">
-                <a:solidFill>
-                  <a:schemeClr val="lt1"/>
-                </a:solidFill>
-                <a:latin typeface="Times New Roman"/>
-                <a:ea typeface="Times New Roman"/>
-                <a:cs typeface="Times New Roman"/>
-                <a:sym typeface="Times New Roman"/>
-              </a:rPr>
-              <a:t>Checking and changing Distribution of continuous values</a:t>
-            </a:r>
-            <a:endParaRPr/>
-          </a:p>
-          <a:p>
-            <a:pPr indent="-285750" lvl="1" marL="742950" rtl="0" algn="l">
-              <a:lnSpc>
-                <a:spcPct val="100000"/>
-              </a:lnSpc>
-              <a:spcBef>
-                <a:spcPts val="960"/>
-              </a:spcBef>
-              <a:spcAft>
-                <a:spcPts val="0"/>
-              </a:spcAft>
-              <a:buSzPts val="1440"/>
-              <a:buChar char="▶"/>
-            </a:pPr>
-            <a:r>
-              <a:rPr lang="en-US">
-                <a:solidFill>
-                  <a:schemeClr val="lt1"/>
-                </a:solidFill>
-                <a:latin typeface="Times New Roman"/>
-                <a:ea typeface="Times New Roman"/>
-                <a:cs typeface="Times New Roman"/>
-                <a:sym typeface="Times New Roman"/>
-              </a:rPr>
-              <a:t>Cleaning data and imputing if null values are present. </a:t>
-            </a:r>
-            <a:endParaRPr/>
-          </a:p>
-          <a:p>
-            <a:pPr indent="-285750" lvl="1" marL="742950" rtl="0" algn="l">
-              <a:lnSpc>
-                <a:spcPct val="100000"/>
-              </a:lnSpc>
-              <a:spcBef>
-                <a:spcPts val="960"/>
-              </a:spcBef>
-              <a:spcAft>
-                <a:spcPts val="0"/>
-              </a:spcAft>
-              <a:buSzPts val="1440"/>
-              <a:buChar char="▶"/>
-            </a:pPr>
-            <a:r>
-              <a:rPr lang="en-US">
-                <a:solidFill>
-                  <a:schemeClr val="lt1"/>
-                </a:solidFill>
-                <a:latin typeface="Times New Roman"/>
-                <a:ea typeface="Times New Roman"/>
-                <a:cs typeface="Times New Roman"/>
-                <a:sym typeface="Times New Roman"/>
-              </a:rPr>
-              <a:t>Converting categorical data into numeric values.</a:t>
-            </a:r>
-            <a:endParaRPr/>
-          </a:p>
-          <a:p>
-            <a:pPr indent="-285750" lvl="1" marL="742950" rtl="0" algn="l">
-              <a:lnSpc>
-                <a:spcPct val="100000"/>
-              </a:lnSpc>
-              <a:spcBef>
-                <a:spcPts val="960"/>
-              </a:spcBef>
-              <a:spcAft>
-                <a:spcPts val="0"/>
-              </a:spcAft>
-              <a:buSzPts val="1440"/>
-              <a:buChar char="▶"/>
-            </a:pPr>
-            <a:r>
-              <a:rPr lang="en-US">
-                <a:solidFill>
-                  <a:schemeClr val="lt1"/>
-                </a:solidFill>
-                <a:latin typeface="Times New Roman"/>
-                <a:ea typeface="Times New Roman"/>
-                <a:cs typeface="Times New Roman"/>
-                <a:sym typeface="Times New Roman"/>
-              </a:rPr>
-              <a:t>Transforming the data based on the program requirements.</a:t>
-            </a:r>
-            <a:endParaRPr>
+            <a:endParaRPr b="1" sz="1800">
               <a:solidFill>
                 <a:schemeClr val="lt1"/>
               </a:solidFill>
@@ -22328,23 +22187,255 @@
             </a:endParaRPr>
           </a:p>
           <a:p>
-            <a:pPr indent="-194309" lvl="1" marL="742950" rtl="0" algn="l">
-              <a:lnSpc>
-                <a:spcPct val="100000"/>
-              </a:lnSpc>
+            <a:pPr indent="0" lvl="0" marL="457200" marR="579474" rtl="0" algn="l">
               <a:spcBef>
                 <a:spcPts val="960"/>
               </a:spcBef>
               <a:spcAft>
                 <a:spcPts val="0"/>
               </a:spcAft>
+              <a:buClr>
+                <a:schemeClr val="dk1"/>
+              </a:buClr>
               <a:buSzPts val="1440"/>
+              <a:buFont typeface="Arial"/>
               <a:buNone/>
             </a:pPr>
             <a:r>
-              <a:t/>
+              <a:rPr lang="en-US" sz="1800">
+                <a:solidFill>
+                  <a:schemeClr val="lt1"/>
+                </a:solidFill>
+                <a:latin typeface="Times New Roman"/>
+                <a:ea typeface="Times New Roman"/>
+                <a:cs typeface="Times New Roman"/>
+                <a:sym typeface="Times New Roman"/>
+              </a:rPr>
+              <a:t>Q 5) What techniques were you using for data pre-processing?</a:t>
             </a:r>
-            <a:endParaRPr>
+            <a:endParaRPr sz="1800">
+              <a:solidFill>
+                <a:srgbClr val="0F486F"/>
+              </a:solidFill>
+              <a:latin typeface="Times New Roman"/>
+              <a:ea typeface="Times New Roman"/>
+              <a:cs typeface="Times New Roman"/>
+              <a:sym typeface="Times New Roman"/>
+            </a:endParaRPr>
+          </a:p>
+          <a:p>
+            <a:pPr indent="-304800" lvl="1" marL="914400" marR="579474" rtl="0" algn="l">
+              <a:spcBef>
+                <a:spcPts val="960"/>
+              </a:spcBef>
+              <a:spcAft>
+                <a:spcPts val="0"/>
+              </a:spcAft>
+              <a:buClr>
+                <a:schemeClr val="lt1"/>
+              </a:buClr>
+              <a:buSzPts val="1800"/>
+              <a:buFont typeface="Times New Roman"/>
+              <a:buChar char="▶"/>
+            </a:pPr>
+            <a:r>
+              <a:rPr lang="en-US" sz="1800">
+                <a:solidFill>
+                  <a:schemeClr val="lt1"/>
+                </a:solidFill>
+                <a:latin typeface="Times New Roman"/>
+                <a:ea typeface="Times New Roman"/>
+                <a:cs typeface="Times New Roman"/>
+                <a:sym typeface="Times New Roman"/>
+              </a:rPr>
+              <a:t>Removing unwanted attributes</a:t>
+            </a:r>
+            <a:endParaRPr sz="1800">
+              <a:solidFill>
+                <a:srgbClr val="0F486F"/>
+              </a:solidFill>
+              <a:latin typeface="Times New Roman"/>
+              <a:ea typeface="Times New Roman"/>
+              <a:cs typeface="Times New Roman"/>
+              <a:sym typeface="Times New Roman"/>
+            </a:endParaRPr>
+          </a:p>
+          <a:p>
+            <a:pPr indent="-304800" lvl="1" marL="914400" marR="579474" rtl="0" algn="l">
+              <a:spcBef>
+                <a:spcPts val="960"/>
+              </a:spcBef>
+              <a:spcAft>
+                <a:spcPts val="0"/>
+              </a:spcAft>
+              <a:buClr>
+                <a:schemeClr val="lt1"/>
+              </a:buClr>
+              <a:buSzPts val="1800"/>
+              <a:buFont typeface="Times New Roman"/>
+              <a:buChar char="▶"/>
+            </a:pPr>
+            <a:r>
+              <a:rPr lang="en-US" sz="1800">
+                <a:solidFill>
+                  <a:schemeClr val="lt1"/>
+                </a:solidFill>
+                <a:latin typeface="Times New Roman"/>
+                <a:ea typeface="Times New Roman"/>
+                <a:cs typeface="Times New Roman"/>
+                <a:sym typeface="Times New Roman"/>
+              </a:rPr>
+              <a:t>Visualizing  relation of independent variables with each other and output variables</a:t>
+            </a:r>
+            <a:endParaRPr sz="1800">
+              <a:solidFill>
+                <a:srgbClr val="0F486F"/>
+              </a:solidFill>
+              <a:latin typeface="Times New Roman"/>
+              <a:ea typeface="Times New Roman"/>
+              <a:cs typeface="Times New Roman"/>
+              <a:sym typeface="Times New Roman"/>
+            </a:endParaRPr>
+          </a:p>
+          <a:p>
+            <a:pPr indent="-304800" lvl="1" marL="914400" marR="579474" rtl="0" algn="l">
+              <a:spcBef>
+                <a:spcPts val="960"/>
+              </a:spcBef>
+              <a:spcAft>
+                <a:spcPts val="0"/>
+              </a:spcAft>
+              <a:buClr>
+                <a:schemeClr val="lt1"/>
+              </a:buClr>
+              <a:buSzPts val="1800"/>
+              <a:buFont typeface="Times New Roman"/>
+              <a:buChar char="▶"/>
+            </a:pPr>
+            <a:r>
+              <a:rPr lang="en-US" sz="1800">
+                <a:solidFill>
+                  <a:schemeClr val="lt1"/>
+                </a:solidFill>
+                <a:latin typeface="Times New Roman"/>
+                <a:ea typeface="Times New Roman"/>
+                <a:cs typeface="Times New Roman"/>
+                <a:sym typeface="Times New Roman"/>
+              </a:rPr>
+              <a:t>Checking and changing Distribution of continuous values</a:t>
+            </a:r>
+            <a:endParaRPr sz="1800">
+              <a:solidFill>
+                <a:srgbClr val="0F486F"/>
+              </a:solidFill>
+              <a:latin typeface="Times New Roman"/>
+              <a:ea typeface="Times New Roman"/>
+              <a:cs typeface="Times New Roman"/>
+              <a:sym typeface="Times New Roman"/>
+            </a:endParaRPr>
+          </a:p>
+          <a:p>
+            <a:pPr indent="-304800" lvl="1" marL="914400" marR="579474" rtl="0" algn="l">
+              <a:spcBef>
+                <a:spcPts val="960"/>
+              </a:spcBef>
+              <a:spcAft>
+                <a:spcPts val="0"/>
+              </a:spcAft>
+              <a:buClr>
+                <a:schemeClr val="lt1"/>
+              </a:buClr>
+              <a:buSzPts val="1800"/>
+              <a:buFont typeface="Times New Roman"/>
+              <a:buChar char="▶"/>
+            </a:pPr>
+            <a:r>
+              <a:rPr lang="en-US" sz="1800">
+                <a:solidFill>
+                  <a:schemeClr val="lt1"/>
+                </a:solidFill>
+                <a:latin typeface="Times New Roman"/>
+                <a:ea typeface="Times New Roman"/>
+                <a:cs typeface="Times New Roman"/>
+                <a:sym typeface="Times New Roman"/>
+              </a:rPr>
+              <a:t>Cleaning data and imputing if null values are present. </a:t>
+            </a:r>
+            <a:endParaRPr sz="1800">
+              <a:solidFill>
+                <a:srgbClr val="0F486F"/>
+              </a:solidFill>
+              <a:latin typeface="Times New Roman"/>
+              <a:ea typeface="Times New Roman"/>
+              <a:cs typeface="Times New Roman"/>
+              <a:sym typeface="Times New Roman"/>
+            </a:endParaRPr>
+          </a:p>
+          <a:p>
+            <a:pPr indent="-304800" lvl="1" marL="914400" marR="579474" rtl="0" algn="l">
+              <a:spcBef>
+                <a:spcPts val="960"/>
+              </a:spcBef>
+              <a:spcAft>
+                <a:spcPts val="0"/>
+              </a:spcAft>
+              <a:buClr>
+                <a:schemeClr val="lt1"/>
+              </a:buClr>
+              <a:buSzPts val="1800"/>
+              <a:buFont typeface="Times New Roman"/>
+              <a:buChar char="▶"/>
+            </a:pPr>
+            <a:r>
+              <a:rPr lang="en-US" sz="1800">
+                <a:solidFill>
+                  <a:schemeClr val="lt1"/>
+                </a:solidFill>
+                <a:latin typeface="Times New Roman"/>
+                <a:ea typeface="Times New Roman"/>
+                <a:cs typeface="Times New Roman"/>
+                <a:sym typeface="Times New Roman"/>
+              </a:rPr>
+              <a:t>Converting categorical data into numeric values.</a:t>
+            </a:r>
+            <a:endParaRPr sz="1800">
+              <a:solidFill>
+                <a:srgbClr val="0F486F"/>
+              </a:solidFill>
+              <a:latin typeface="Times New Roman"/>
+              <a:ea typeface="Times New Roman"/>
+              <a:cs typeface="Times New Roman"/>
+              <a:sym typeface="Times New Roman"/>
+            </a:endParaRPr>
+          </a:p>
+          <a:p>
+            <a:pPr indent="-304800" lvl="1" marL="914400" marR="579474" rtl="0" algn="l">
+              <a:spcBef>
+                <a:spcPts val="960"/>
+              </a:spcBef>
+              <a:spcAft>
+                <a:spcPts val="0"/>
+              </a:spcAft>
+              <a:buClr>
+                <a:schemeClr val="lt1"/>
+              </a:buClr>
+              <a:buSzPts val="1800"/>
+              <a:buFont typeface="Times New Roman"/>
+              <a:buChar char="▶"/>
+            </a:pPr>
+            <a:r>
+              <a:rPr lang="en-US" sz="1800">
+                <a:solidFill>
+                  <a:schemeClr val="lt1"/>
+                </a:solidFill>
+                <a:latin typeface="Times New Roman"/>
+                <a:ea typeface="Times New Roman"/>
+                <a:cs typeface="Times New Roman"/>
+                <a:sym typeface="Times New Roman"/>
+              </a:rPr>
+              <a:t>Transforming the data based on the program requirements.</a:t>
+            </a:r>
+            <a:endParaRPr sz="1800">
               <a:solidFill>
                 <a:schemeClr val="lt1"/>
               </a:solidFill>
@@ -22355,23 +22446,19 @@
             </a:endParaRPr>
           </a:p>
           <a:p>
-            <a:pPr indent="0" lvl="0" marL="0" rtl="0" algn="l">
-              <a:lnSpc>
-                <a:spcPct val="100000"/>
-              </a:lnSpc>
-              <a:spcBef>
-                <a:spcPts val="1000"/>
-              </a:spcBef>
-              <a:spcAft>
-                <a:spcPts val="0"/>
-              </a:spcAft>
-              <a:buSzPts val="1600"/>
+            <a:pPr indent="0" lvl="0" marL="0" marR="579474" rtl="0" algn="l">
+              <a:spcBef>
+                <a:spcPts val="960"/>
+              </a:spcBef>
+              <a:spcAft>
+                <a:spcPts val="0"/>
+              </a:spcAft>
               <a:buNone/>
             </a:pPr>
             <a:r>
               <a:t/>
             </a:r>
-            <a:endParaRPr>
+            <a:endParaRPr sz="1800">
               <a:solidFill>
                 <a:schemeClr val="lt1"/>
               </a:solidFill>
@@ -22382,23 +22469,240 @@
             </a:endParaRPr>
           </a:p>
           <a:p>
+            <a:pPr indent="0" lvl="0" marL="457200" marR="579474" rtl="0" algn="l">
+              <a:spcBef>
+                <a:spcPts val="0"/>
+              </a:spcBef>
+              <a:spcAft>
+                <a:spcPts val="0"/>
+              </a:spcAft>
+              <a:buClr>
+                <a:schemeClr val="dk1"/>
+              </a:buClr>
+              <a:buSzPts val="1440"/>
+              <a:buFont typeface="Arial"/>
+              <a:buNone/>
+            </a:pPr>
+            <a:r>
+              <a:rPr lang="en-US" sz="1800">
+                <a:solidFill>
+                  <a:schemeClr val="lt1"/>
+                </a:solidFill>
+                <a:latin typeface="Times New Roman"/>
+                <a:ea typeface="Times New Roman"/>
+                <a:cs typeface="Times New Roman"/>
+                <a:sym typeface="Times New Roman"/>
+              </a:rPr>
+              <a:t>Q 6) How training was done or what models were used?</a:t>
+            </a:r>
+            <a:endParaRPr sz="1800">
+              <a:solidFill>
+                <a:srgbClr val="0F486F"/>
+              </a:solidFill>
+              <a:latin typeface="Times New Roman"/>
+              <a:ea typeface="Times New Roman"/>
+              <a:cs typeface="Times New Roman"/>
+              <a:sym typeface="Times New Roman"/>
+            </a:endParaRPr>
+          </a:p>
+          <a:p>
+            <a:pPr indent="-342900" lvl="0" marL="914400" marR="579474" rtl="0" algn="l">
+              <a:spcBef>
+                <a:spcPts val="960"/>
+              </a:spcBef>
+              <a:spcAft>
+                <a:spcPts val="0"/>
+              </a:spcAft>
+              <a:buClr>
+                <a:schemeClr val="lt1"/>
+              </a:buClr>
+              <a:buSzPts val="1800"/>
+              <a:buFont typeface="Times New Roman"/>
+              <a:buChar char="▶"/>
+            </a:pPr>
+            <a:r>
+              <a:rPr lang="en-US" sz="1800">
+                <a:solidFill>
+                  <a:schemeClr val="lt1"/>
+                </a:solidFill>
+                <a:latin typeface="Times New Roman"/>
+                <a:ea typeface="Times New Roman"/>
+                <a:cs typeface="Times New Roman"/>
+                <a:sym typeface="Times New Roman"/>
+              </a:rPr>
+              <a:t>Before diving the data in training and validation set we performed data pre-processing, exploratory data analysis and feature selection.</a:t>
+            </a:r>
+            <a:endParaRPr sz="1800">
+              <a:solidFill>
+                <a:srgbClr val="0F486F"/>
+              </a:solidFill>
+              <a:latin typeface="Times New Roman"/>
+              <a:ea typeface="Times New Roman"/>
+              <a:cs typeface="Times New Roman"/>
+              <a:sym typeface="Times New Roman"/>
+            </a:endParaRPr>
+          </a:p>
+          <a:p>
+            <a:pPr indent="-342900" lvl="0" marL="914400" marR="579474" rtl="0" algn="l">
+              <a:spcBef>
+                <a:spcPts val="960"/>
+              </a:spcBef>
+              <a:spcAft>
+                <a:spcPts val="0"/>
+              </a:spcAft>
+              <a:buClr>
+                <a:schemeClr val="lt1"/>
+              </a:buClr>
+              <a:buSzPts val="1800"/>
+              <a:buFont typeface="Times New Roman"/>
+              <a:buChar char="▶"/>
+            </a:pPr>
+            <a:r>
+              <a:rPr lang="en-US" sz="1800">
+                <a:solidFill>
+                  <a:schemeClr val="lt1"/>
+                </a:solidFill>
+                <a:latin typeface="Times New Roman"/>
+                <a:ea typeface="Times New Roman"/>
+                <a:cs typeface="Times New Roman"/>
+                <a:sym typeface="Times New Roman"/>
+              </a:rPr>
+              <a:t>Based on the client given dataset, the training and validation data were divided.</a:t>
+            </a:r>
+            <a:endParaRPr sz="1800">
+              <a:solidFill>
+                <a:srgbClr val="0F486F"/>
+              </a:solidFill>
+              <a:latin typeface="Times New Roman"/>
+              <a:ea typeface="Times New Roman"/>
+              <a:cs typeface="Times New Roman"/>
+              <a:sym typeface="Times New Roman"/>
+            </a:endParaRPr>
+          </a:p>
+          <a:p>
+            <a:pPr indent="-342900" lvl="0" marL="914400" marR="579474" rtl="0" algn="l">
+              <a:spcBef>
+                <a:spcPts val="960"/>
+              </a:spcBef>
+              <a:spcAft>
+                <a:spcPts val="0"/>
+              </a:spcAft>
+              <a:buClr>
+                <a:schemeClr val="lt1"/>
+              </a:buClr>
+              <a:buSzPts val="1800"/>
+              <a:buFont typeface="Times New Roman"/>
+              <a:buChar char="▶"/>
+            </a:pPr>
+            <a:r>
+              <a:rPr lang="en-US" sz="1800">
+                <a:solidFill>
+                  <a:schemeClr val="lt1"/>
+                </a:solidFill>
+                <a:latin typeface="Times New Roman"/>
+                <a:ea typeface="Times New Roman"/>
+                <a:cs typeface="Times New Roman"/>
+                <a:sym typeface="Times New Roman"/>
+              </a:rPr>
+              <a:t>The label encoder and one hot encoding was performed over training and validation data</a:t>
+            </a:r>
+            <a:endParaRPr sz="1800">
+              <a:solidFill>
+                <a:srgbClr val="0F486F"/>
+              </a:solidFill>
+              <a:latin typeface="Times New Roman"/>
+              <a:ea typeface="Times New Roman"/>
+              <a:cs typeface="Times New Roman"/>
+              <a:sym typeface="Times New Roman"/>
+            </a:endParaRPr>
+          </a:p>
+          <a:p>
+            <a:pPr indent="-342900" lvl="0" marL="914400" marR="579474" rtl="0" algn="l">
+              <a:spcBef>
+                <a:spcPts val="960"/>
+              </a:spcBef>
+              <a:spcAft>
+                <a:spcPts val="0"/>
+              </a:spcAft>
+              <a:buClr>
+                <a:schemeClr val="lt1"/>
+              </a:buClr>
+              <a:buSzPts val="1800"/>
+              <a:buFont typeface="Times New Roman"/>
+              <a:buChar char="▶"/>
+            </a:pPr>
+            <a:r>
+              <a:rPr lang="en-US" sz="1800">
+                <a:solidFill>
+                  <a:schemeClr val="lt1"/>
+                </a:solidFill>
+                <a:latin typeface="Times New Roman"/>
+                <a:ea typeface="Times New Roman"/>
+                <a:cs typeface="Times New Roman"/>
+                <a:sym typeface="Times New Roman"/>
+              </a:rPr>
+              <a:t>Algorithms like Linear Regression,  Extra Tree Regression, Gradient Boosting Regression, Random Forest Regression, XGBoost Regression and K-neighbours Regression were used and we saved that model .</a:t>
+            </a:r>
+            <a:endParaRPr sz="1800">
+              <a:solidFill>
+                <a:srgbClr val="0F486F"/>
+              </a:solidFill>
+              <a:latin typeface="Times New Roman"/>
+              <a:ea typeface="Times New Roman"/>
+              <a:cs typeface="Times New Roman"/>
+              <a:sym typeface="Times New Roman"/>
+            </a:endParaRPr>
+          </a:p>
+          <a:p>
             <a:pPr indent="0" lvl="0" marL="0" rtl="0" algn="l">
-              <a:lnSpc>
-                <a:spcPct val="100000"/>
-              </a:lnSpc>
-              <a:spcBef>
-                <a:spcPts val="1000"/>
-              </a:spcBef>
-              <a:spcAft>
-                <a:spcPts val="0"/>
-              </a:spcAft>
-              <a:buSzPts val="1600"/>
+              <a:spcBef>
+                <a:spcPts val="960"/>
+              </a:spcBef>
+              <a:spcAft>
+                <a:spcPts val="0"/>
+              </a:spcAft>
+              <a:buClr>
+                <a:schemeClr val="dk1"/>
+              </a:buClr>
+              <a:buSzPts val="1440"/>
+              <a:buFont typeface="Arial"/>
               <a:buNone/>
             </a:pPr>
             <a:r>
               <a:t/>
             </a:r>
-            <a:endParaRPr>
+            <a:endParaRPr sz="1800">
+              <a:solidFill>
+                <a:schemeClr val="lt1"/>
+              </a:solidFill>
+              <a:latin typeface="Times New Roman"/>
+              <a:ea typeface="Times New Roman"/>
+              <a:cs typeface="Times New Roman"/>
+              <a:sym typeface="Times New Roman"/>
+            </a:endParaRPr>
+          </a:p>
+          <a:p>
+            <a:pPr indent="0" lvl="0" marL="914400" marR="0" rtl="0" algn="l">
+              <a:lnSpc>
+                <a:spcPct val="100000"/>
+              </a:lnSpc>
+              <a:spcBef>
+                <a:spcPts val="0"/>
+              </a:spcBef>
+              <a:spcAft>
+                <a:spcPts val="0"/>
+              </a:spcAft>
+              <a:buClr>
+                <a:srgbClr val="000000"/>
+              </a:buClr>
+              <a:buSzPts val="1800"/>
+              <a:buFont typeface="Arial"/>
+              <a:buNone/>
+            </a:pPr>
+            <a:r>
+              <a:t/>
+            </a:r>
+            <a:endParaRPr b="1" sz="1800">
               <a:solidFill>
                 <a:schemeClr val="lt1"/>
               </a:solidFill>
@@ -22438,15 +22742,13 @@
       <p:sp>
         <p:nvSpPr>
           <p:cNvPr id="191" name="Google Shape;191;p29"/>
-          <p:cNvSpPr txBox="1"/>
-          <p:nvPr>
-            <p:ph idx="1" type="body"/>
-          </p:nvPr>
+          <p:cNvSpPr/>
+          <p:nvPr/>
         </p:nvSpPr>
         <p:spPr>
           <a:xfrm>
-            <a:off x="367742" y="0"/>
-            <a:ext cx="10765106" cy="5933941"/>
+            <a:off x="75" y="0"/>
+            <a:ext cx="12192000" cy="6858000"/>
           </a:xfrm>
           <a:prstGeom prst="rect">
             <a:avLst/>
@@ -22457,162 +22759,23 @@
           </a:ln>
         </p:spPr>
         <p:txBody>
-          <a:bodyPr anchorCtr="0" anchor="ctr" bIns="45700" lIns="91425" spcFirstLastPara="1" rIns="91425" wrap="square" tIns="45700">
-            <a:normAutofit/>
+          <a:bodyPr anchorCtr="0" anchor="t" bIns="45700" lIns="91425" spcFirstLastPara="1" rIns="91425" wrap="square" tIns="45700">
+            <a:noAutofit/>
           </a:bodyPr>
           <a:lstStyle/>
           <a:p>
             <a:pPr indent="0" lvl="0" marL="0" rtl="0" algn="l">
-              <a:lnSpc>
-                <a:spcPct val="100000"/>
-              </a:lnSpc>
-              <a:spcBef>
-                <a:spcPts val="0"/>
-              </a:spcBef>
-              <a:spcAft>
-                <a:spcPts val="0"/>
-              </a:spcAft>
+              <a:spcBef>
+                <a:spcPts val="960"/>
+              </a:spcBef>
+              <a:spcAft>
+                <a:spcPts val="0"/>
+              </a:spcAft>
+              <a:buClr>
+                <a:schemeClr val="dk1"/>
+              </a:buClr>
               <a:buSzPts val="1440"/>
-              <a:buNone/>
-            </a:pPr>
-            <a:r>
-              <a:rPr lang="en-US" sz="1800">
-                <a:solidFill>
-                  <a:schemeClr val="lt1"/>
-                </a:solidFill>
-                <a:latin typeface="Times New Roman"/>
-                <a:ea typeface="Times New Roman"/>
-                <a:cs typeface="Times New Roman"/>
-                <a:sym typeface="Times New Roman"/>
-              </a:rPr>
-              <a:t>Q 6) How training was done or what models were used?</a:t>
-            </a:r>
-            <a:endParaRPr/>
-          </a:p>
-          <a:p>
-            <a:pPr indent="-285750" lvl="0" marL="285750" rtl="0" algn="l">
-              <a:lnSpc>
-                <a:spcPct val="100000"/>
-              </a:lnSpc>
-              <a:spcBef>
-                <a:spcPts val="960"/>
-              </a:spcBef>
-              <a:spcAft>
-                <a:spcPts val="0"/>
-              </a:spcAft>
-              <a:buSzPts val="1440"/>
-              <a:buChar char="▶"/>
-            </a:pPr>
-            <a:r>
-              <a:rPr lang="en-US" sz="1800">
-                <a:solidFill>
-                  <a:schemeClr val="lt1"/>
-                </a:solidFill>
-                <a:latin typeface="Times New Roman"/>
-                <a:ea typeface="Times New Roman"/>
-                <a:cs typeface="Times New Roman"/>
-                <a:sym typeface="Times New Roman"/>
-              </a:rPr>
-              <a:t>Before diving the data in training and validation set we performed data pre-processing, exploratory data analysis and feature selection.</a:t>
-            </a:r>
-            <a:endParaRPr/>
-          </a:p>
-          <a:p>
-            <a:pPr indent="-285750" lvl="0" marL="285750" rtl="0" algn="l">
-              <a:lnSpc>
-                <a:spcPct val="100000"/>
-              </a:lnSpc>
-              <a:spcBef>
-                <a:spcPts val="960"/>
-              </a:spcBef>
-              <a:spcAft>
-                <a:spcPts val="0"/>
-              </a:spcAft>
-              <a:buSzPts val="1440"/>
-              <a:buChar char="▶"/>
-            </a:pPr>
-            <a:r>
-              <a:rPr lang="en-US" sz="1800">
-                <a:solidFill>
-                  <a:schemeClr val="lt1"/>
-                </a:solidFill>
-                <a:latin typeface="Times New Roman"/>
-                <a:ea typeface="Times New Roman"/>
-                <a:cs typeface="Times New Roman"/>
-                <a:sym typeface="Times New Roman"/>
-              </a:rPr>
-              <a:t>Based on the client given dataset, the training and validation data were divided.</a:t>
-            </a:r>
-            <a:endParaRPr/>
-          </a:p>
-          <a:p>
-            <a:pPr indent="-285750" lvl="0" marL="285750" rtl="0" algn="l">
-              <a:lnSpc>
-                <a:spcPct val="100000"/>
-              </a:lnSpc>
-              <a:spcBef>
-                <a:spcPts val="960"/>
-              </a:spcBef>
-              <a:spcAft>
-                <a:spcPts val="0"/>
-              </a:spcAft>
-              <a:buSzPts val="1440"/>
-              <a:buChar char="▶"/>
-            </a:pPr>
-            <a:r>
-              <a:rPr lang="en-US" sz="1800">
-                <a:solidFill>
-                  <a:schemeClr val="lt1"/>
-                </a:solidFill>
-                <a:latin typeface="Times New Roman"/>
-                <a:ea typeface="Times New Roman"/>
-                <a:cs typeface="Times New Roman"/>
-                <a:sym typeface="Times New Roman"/>
-              </a:rPr>
-              <a:t>The label encoder and one hot encoding was performed over training and validation data</a:t>
-            </a:r>
-            <a:endParaRPr/>
-          </a:p>
-          <a:p>
-            <a:pPr indent="-285750" lvl="0" marL="285750" rtl="0" algn="l">
-              <a:lnSpc>
-                <a:spcPct val="100000"/>
-              </a:lnSpc>
-              <a:spcBef>
-                <a:spcPts val="960"/>
-              </a:spcBef>
-              <a:spcAft>
-                <a:spcPts val="0"/>
-              </a:spcAft>
-              <a:buSzPts val="1440"/>
-              <a:buChar char="▶"/>
-            </a:pPr>
-            <a:r>
-              <a:rPr lang="en-US" sz="1800">
-                <a:solidFill>
-                  <a:schemeClr val="lt1"/>
-                </a:solidFill>
-                <a:latin typeface="Times New Roman"/>
-                <a:ea typeface="Times New Roman"/>
-                <a:cs typeface="Times New Roman"/>
-                <a:sym typeface="Times New Roman"/>
-              </a:rPr>
-              <a:t>Algorithms like Linear Regression,  Extra Tree Regression, Gradient Boosting Regression, Random Forest Regression, XGBoost Regression and K-neighbours Regression were used and we saved that model .</a:t>
-            </a:r>
-            <a:endParaRPr/>
-          </a:p>
-          <a:p>
-            <a:pPr indent="0" lvl="0" marL="0" rtl="0" algn="l">
-              <a:lnSpc>
-                <a:spcPct val="100000"/>
-              </a:lnSpc>
-              <a:spcBef>
-                <a:spcPts val="960"/>
-              </a:spcBef>
-              <a:spcAft>
-                <a:spcPts val="0"/>
-              </a:spcAft>
-              <a:buSzPts val="1440"/>
+              <a:buFont typeface="Arial"/>
               <a:buNone/>
             </a:pPr>
             <a:r>
@@ -22629,17 +22792,18 @@
             </a:endParaRPr>
           </a:p>
           <a:p>
-            <a:pPr indent="0" lvl="0" marL="0" rtl="0" algn="l">
-              <a:lnSpc>
-                <a:spcPct val="100000"/>
-              </a:lnSpc>
+            <a:pPr indent="0" lvl="0" marL="457200" marR="579474" rtl="0" algn="l">
               <a:spcBef>
                 <a:spcPts val="960"/>
               </a:spcBef>
               <a:spcAft>
                 <a:spcPts val="0"/>
               </a:spcAft>
+              <a:buClr>
+                <a:schemeClr val="dk1"/>
+              </a:buClr>
               <a:buSzPts val="1440"/>
+              <a:buFont typeface="Arial"/>
               <a:buNone/>
             </a:pPr>
             <a:r>
@@ -22654,20 +22818,29 @@
               </a:rPr>
               <a:t>Q 7) How Prediction was done?</a:t>
             </a:r>
-            <a:endParaRPr/>
+            <a:endParaRPr sz="1800">
+              <a:solidFill>
+                <a:srgbClr val="0F486F"/>
+              </a:solidFill>
+              <a:latin typeface="Times New Roman"/>
+              <a:ea typeface="Times New Roman"/>
+              <a:cs typeface="Times New Roman"/>
+              <a:sym typeface="Times New Roman"/>
+            </a:endParaRPr>
           </a:p>
           <a:p>
-            <a:pPr indent="0" lvl="0" marL="0" rtl="0" algn="l">
-              <a:lnSpc>
-                <a:spcPct val="100000"/>
-              </a:lnSpc>
+            <a:pPr indent="0" lvl="0" marL="914400" marR="579474" rtl="0" algn="l">
               <a:spcBef>
                 <a:spcPts val="960"/>
               </a:spcBef>
               <a:spcAft>
                 <a:spcPts val="0"/>
               </a:spcAft>
+              <a:buClr>
+                <a:schemeClr val="dk1"/>
+              </a:buClr>
               <a:buSzPts val="1440"/>
+              <a:buFont typeface="Arial"/>
               <a:buNone/>
             </a:pPr>
             <a:r>
@@ -22680,7 +22853,436 @@
                 <a:cs typeface="Times New Roman"/>
                 <a:sym typeface="Times New Roman"/>
               </a:rPr>
-              <a:t>The test data was shared by the client .We performed pre processing, EDA and feature selection to the given test data.., then with this test data, prediction was performed. In the end we get the accumulated data of predictions.</a:t>
+              <a:t>The test data was shared by the client .We performed pre processing, EDA and feature selection to the given test data, then with this test data, prediction was performed. In the end we get the accumulated data of predictions.</a:t>
+            </a:r>
+            <a:endParaRPr sz="1800">
+              <a:solidFill>
+                <a:schemeClr val="lt1"/>
+              </a:solidFill>
+              <a:latin typeface="Times New Roman"/>
+              <a:ea typeface="Times New Roman"/>
+              <a:cs typeface="Times New Roman"/>
+              <a:sym typeface="Times New Roman"/>
+            </a:endParaRPr>
+          </a:p>
+          <a:p>
+            <a:pPr indent="0" lvl="0" marL="914400" marR="579474" rtl="0" algn="l">
+              <a:spcBef>
+                <a:spcPts val="960"/>
+              </a:spcBef>
+              <a:spcAft>
+                <a:spcPts val="0"/>
+              </a:spcAft>
+              <a:buClr>
+                <a:schemeClr val="dk1"/>
+              </a:buClr>
+              <a:buSzPts val="1440"/>
+              <a:buFont typeface="Arial"/>
+              <a:buNone/>
+            </a:pPr>
+            <a:r>
+              <a:t/>
+            </a:r>
+            <a:endParaRPr sz="1800">
+              <a:solidFill>
+                <a:schemeClr val="lt1"/>
+              </a:solidFill>
+              <a:latin typeface="Times New Roman"/>
+              <a:ea typeface="Times New Roman"/>
+              <a:cs typeface="Times New Roman"/>
+              <a:sym typeface="Times New Roman"/>
+            </a:endParaRPr>
+          </a:p>
+          <a:p>
+            <a:pPr indent="0" lvl="0" marL="457200" marR="579474" rtl="0" algn="l">
+              <a:spcBef>
+                <a:spcPts val="0"/>
+              </a:spcBef>
+              <a:spcAft>
+                <a:spcPts val="0"/>
+              </a:spcAft>
+              <a:buNone/>
+            </a:pPr>
+            <a:r>
+              <a:rPr lang="en-US" sz="1800">
+                <a:solidFill>
+                  <a:schemeClr val="lt1"/>
+                </a:solidFill>
+                <a:latin typeface="Times New Roman"/>
+                <a:ea typeface="Times New Roman"/>
+                <a:cs typeface="Times New Roman"/>
+                <a:sym typeface="Times New Roman"/>
+              </a:rPr>
+              <a:t>Q 8) What was the platform used for deploying the project ?</a:t>
+            </a:r>
+            <a:endParaRPr sz="1800">
+              <a:solidFill>
+                <a:srgbClr val="0F486F"/>
+              </a:solidFill>
+              <a:latin typeface="Times New Roman"/>
+              <a:ea typeface="Times New Roman"/>
+              <a:cs typeface="Times New Roman"/>
+              <a:sym typeface="Times New Roman"/>
+            </a:endParaRPr>
+          </a:p>
+          <a:p>
+            <a:pPr indent="0" lvl="0" marL="914400" marR="579474" rtl="0" algn="l">
+              <a:spcBef>
+                <a:spcPts val="960"/>
+              </a:spcBef>
+              <a:spcAft>
+                <a:spcPts val="0"/>
+              </a:spcAft>
+              <a:buNone/>
+            </a:pPr>
+            <a:r>
+              <a:rPr lang="en-US" sz="1800">
+                <a:solidFill>
+                  <a:schemeClr val="lt1"/>
+                </a:solidFill>
+                <a:latin typeface="Times New Roman"/>
+                <a:ea typeface="Times New Roman"/>
+                <a:cs typeface="Times New Roman"/>
+                <a:sym typeface="Times New Roman"/>
+              </a:rPr>
+              <a:t>We used  a cloud servicing platform named Heroku for deploying the project into the cloud.</a:t>
+            </a:r>
+            <a:endParaRPr sz="1800">
+              <a:solidFill>
+                <a:schemeClr val="lt1"/>
+              </a:solidFill>
+              <a:latin typeface="Times New Roman"/>
+              <a:ea typeface="Times New Roman"/>
+              <a:cs typeface="Times New Roman"/>
+              <a:sym typeface="Times New Roman"/>
+            </a:endParaRPr>
+          </a:p>
+          <a:p>
+            <a:pPr indent="0" lvl="0" marL="914400" marR="579474" rtl="0" algn="l">
+              <a:spcBef>
+                <a:spcPts val="960"/>
+              </a:spcBef>
+              <a:spcAft>
+                <a:spcPts val="0"/>
+              </a:spcAft>
+              <a:buNone/>
+            </a:pPr>
+            <a:r>
+              <a:t/>
+            </a:r>
+            <a:endParaRPr sz="1800">
+              <a:solidFill>
+                <a:schemeClr val="lt1"/>
+              </a:solidFill>
+              <a:latin typeface="Times New Roman"/>
+              <a:ea typeface="Times New Roman"/>
+              <a:cs typeface="Times New Roman"/>
+              <a:sym typeface="Times New Roman"/>
+            </a:endParaRPr>
+          </a:p>
+          <a:p>
+            <a:pPr indent="0" lvl="0" marL="457200" marR="579474" rtl="0" algn="l">
+              <a:spcBef>
+                <a:spcPts val="0"/>
+              </a:spcBef>
+              <a:spcAft>
+                <a:spcPts val="0"/>
+              </a:spcAft>
+              <a:buNone/>
+            </a:pPr>
+            <a:r>
+              <a:rPr lang="en-US" sz="1800">
+                <a:solidFill>
+                  <a:schemeClr val="lt1"/>
+                </a:solidFill>
+                <a:latin typeface="Times New Roman"/>
+                <a:ea typeface="Times New Roman"/>
+                <a:cs typeface="Times New Roman"/>
+                <a:sym typeface="Times New Roman"/>
+              </a:rPr>
+              <a:t>Q 9) What are the advantages of the platform used for deploying the project?</a:t>
+            </a:r>
+            <a:endParaRPr sz="1800">
+              <a:solidFill>
+                <a:srgbClr val="0F486F"/>
+              </a:solidFill>
+              <a:latin typeface="Times New Roman"/>
+              <a:ea typeface="Times New Roman"/>
+              <a:cs typeface="Times New Roman"/>
+              <a:sym typeface="Times New Roman"/>
+            </a:endParaRPr>
+          </a:p>
+          <a:p>
+            <a:pPr indent="-304800" lvl="1" marL="914400" marR="579474" rtl="0" algn="l">
+              <a:spcBef>
+                <a:spcPts val="960"/>
+              </a:spcBef>
+              <a:spcAft>
+                <a:spcPts val="0"/>
+              </a:spcAft>
+              <a:buClr>
+                <a:schemeClr val="lt1"/>
+              </a:buClr>
+              <a:buSzPts val="1800"/>
+              <a:buFont typeface="Times New Roman"/>
+              <a:buChar char="▶"/>
+            </a:pPr>
+            <a:r>
+              <a:rPr lang="en-US" sz="1800">
+                <a:solidFill>
+                  <a:schemeClr val="lt1"/>
+                </a:solidFill>
+                <a:latin typeface="Times New Roman"/>
+                <a:ea typeface="Times New Roman"/>
+                <a:cs typeface="Times New Roman"/>
+                <a:sym typeface="Times New Roman"/>
+              </a:rPr>
+              <a:t>The advantages of Heroku are:</a:t>
+            </a:r>
+            <a:endParaRPr sz="1800">
+              <a:solidFill>
+                <a:schemeClr val="dk1"/>
+              </a:solidFill>
+              <a:latin typeface="Times New Roman"/>
+              <a:ea typeface="Times New Roman"/>
+              <a:cs typeface="Times New Roman"/>
+              <a:sym typeface="Times New Roman"/>
+            </a:endParaRPr>
+          </a:p>
+          <a:p>
+            <a:pPr indent="-304800" lvl="1" marL="914400" marR="579474" rtl="0" algn="l">
+              <a:spcBef>
+                <a:spcPts val="960"/>
+              </a:spcBef>
+              <a:spcAft>
+                <a:spcPts val="0"/>
+              </a:spcAft>
+              <a:buClr>
+                <a:schemeClr val="lt1"/>
+              </a:buClr>
+              <a:buSzPts val="1800"/>
+              <a:buFont typeface="Times New Roman"/>
+              <a:buChar char="▶"/>
+            </a:pPr>
+            <a:r>
+              <a:rPr lang="en-US" sz="1800">
+                <a:solidFill>
+                  <a:schemeClr val="lt1"/>
+                </a:solidFill>
+                <a:latin typeface="Times New Roman"/>
+                <a:ea typeface="Times New Roman"/>
+                <a:cs typeface="Times New Roman"/>
+                <a:sym typeface="Times New Roman"/>
+              </a:rPr>
+              <a:t>It is free of cost.</a:t>
+            </a:r>
+            <a:endParaRPr sz="1800">
+              <a:solidFill>
+                <a:schemeClr val="dk1"/>
+              </a:solidFill>
+              <a:latin typeface="Times New Roman"/>
+              <a:ea typeface="Times New Roman"/>
+              <a:cs typeface="Times New Roman"/>
+              <a:sym typeface="Times New Roman"/>
+            </a:endParaRPr>
+          </a:p>
+          <a:p>
+            <a:pPr indent="-304800" lvl="1" marL="914400" marR="579474" rtl="0" algn="l">
+              <a:spcBef>
+                <a:spcPts val="960"/>
+              </a:spcBef>
+              <a:spcAft>
+                <a:spcPts val="0"/>
+              </a:spcAft>
+              <a:buClr>
+                <a:schemeClr val="lt1"/>
+              </a:buClr>
+              <a:buSzPts val="1800"/>
+              <a:buFont typeface="Times New Roman"/>
+              <a:buChar char="▶"/>
+            </a:pPr>
+            <a:r>
+              <a:rPr lang="en-US" sz="1800">
+                <a:solidFill>
+                  <a:schemeClr val="lt1"/>
+                </a:solidFill>
+                <a:latin typeface="Times New Roman"/>
+                <a:ea typeface="Times New Roman"/>
+                <a:cs typeface="Times New Roman"/>
+                <a:sym typeface="Times New Roman"/>
+              </a:rPr>
+              <a:t>It is easy to use.</a:t>
+            </a:r>
+            <a:endParaRPr sz="1800">
+              <a:solidFill>
+                <a:schemeClr val="dk1"/>
+              </a:solidFill>
+              <a:latin typeface="Times New Roman"/>
+              <a:ea typeface="Times New Roman"/>
+              <a:cs typeface="Times New Roman"/>
+              <a:sym typeface="Times New Roman"/>
+            </a:endParaRPr>
+          </a:p>
+          <a:p>
+            <a:pPr indent="-304800" lvl="1" marL="914400" marR="579474" rtl="0" algn="l">
+              <a:spcBef>
+                <a:spcPts val="960"/>
+              </a:spcBef>
+              <a:spcAft>
+                <a:spcPts val="0"/>
+              </a:spcAft>
+              <a:buClr>
+                <a:schemeClr val="lt1"/>
+              </a:buClr>
+              <a:buSzPts val="1800"/>
+              <a:buFont typeface="Times New Roman"/>
+              <a:buChar char="▶"/>
+            </a:pPr>
+            <a:r>
+              <a:rPr lang="en-US" sz="1800">
+                <a:solidFill>
+                  <a:schemeClr val="lt1"/>
+                </a:solidFill>
+                <a:latin typeface="Times New Roman"/>
+                <a:ea typeface="Times New Roman"/>
+                <a:cs typeface="Times New Roman"/>
+                <a:sym typeface="Times New Roman"/>
+              </a:rPr>
+              <a:t>Developer Centric.</a:t>
+            </a:r>
+            <a:endParaRPr sz="1800">
+              <a:solidFill>
+                <a:schemeClr val="dk1"/>
+              </a:solidFill>
+              <a:latin typeface="Times New Roman"/>
+              <a:ea typeface="Times New Roman"/>
+              <a:cs typeface="Times New Roman"/>
+              <a:sym typeface="Times New Roman"/>
+            </a:endParaRPr>
+          </a:p>
+          <a:p>
+            <a:pPr indent="-304800" lvl="1" marL="914400" marR="579474" rtl="0" algn="l">
+              <a:spcBef>
+                <a:spcPts val="960"/>
+              </a:spcBef>
+              <a:spcAft>
+                <a:spcPts val="0"/>
+              </a:spcAft>
+              <a:buClr>
+                <a:schemeClr val="lt1"/>
+              </a:buClr>
+              <a:buSzPts val="1800"/>
+              <a:buFont typeface="Times New Roman"/>
+              <a:buChar char="▶"/>
+            </a:pPr>
+            <a:r>
+              <a:rPr lang="en-US" sz="1800">
+                <a:solidFill>
+                  <a:schemeClr val="lt1"/>
+                </a:solidFill>
+                <a:latin typeface="Times New Roman"/>
+                <a:ea typeface="Times New Roman"/>
+                <a:cs typeface="Times New Roman"/>
+                <a:sym typeface="Times New Roman"/>
+              </a:rPr>
+              <a:t>Easy to scale.</a:t>
+            </a:r>
+            <a:endParaRPr sz="1800">
+              <a:solidFill>
+                <a:schemeClr val="dk1"/>
+              </a:solidFill>
+              <a:latin typeface="Times New Roman"/>
+              <a:ea typeface="Times New Roman"/>
+              <a:cs typeface="Times New Roman"/>
+              <a:sym typeface="Times New Roman"/>
+            </a:endParaRPr>
+          </a:p>
+          <a:p>
+            <a:pPr indent="-304800" lvl="1" marL="914400" marR="579474" rtl="0" algn="l">
+              <a:spcBef>
+                <a:spcPts val="960"/>
+              </a:spcBef>
+              <a:spcAft>
+                <a:spcPts val="0"/>
+              </a:spcAft>
+              <a:buClr>
+                <a:schemeClr val="lt1"/>
+              </a:buClr>
+              <a:buSzPts val="1800"/>
+              <a:buFont typeface="Times New Roman"/>
+              <a:buChar char="▶"/>
+            </a:pPr>
+            <a:r>
+              <a:rPr lang="en-US" sz="1800">
+                <a:solidFill>
+                  <a:schemeClr val="lt1"/>
+                </a:solidFill>
+                <a:latin typeface="Times New Roman"/>
+                <a:ea typeface="Times New Roman"/>
+                <a:cs typeface="Times New Roman"/>
+                <a:sym typeface="Times New Roman"/>
+              </a:rPr>
+              <a:t>Provides security.</a:t>
+            </a:r>
+            <a:endParaRPr sz="1800">
+              <a:solidFill>
+                <a:schemeClr val="dk1"/>
+              </a:solidFill>
+              <a:latin typeface="Times New Roman"/>
+              <a:ea typeface="Times New Roman"/>
+              <a:cs typeface="Times New Roman"/>
+              <a:sym typeface="Times New Roman"/>
+            </a:endParaRPr>
+          </a:p>
+          <a:p>
+            <a:pPr indent="-304800" lvl="1" marL="914400" marR="579474" rtl="0" algn="l">
+              <a:spcBef>
+                <a:spcPts val="960"/>
+              </a:spcBef>
+              <a:spcAft>
+                <a:spcPts val="0"/>
+              </a:spcAft>
+              <a:buClr>
+                <a:schemeClr val="lt1"/>
+              </a:buClr>
+              <a:buSzPts val="1800"/>
+              <a:buFont typeface="Times New Roman"/>
+              <a:buChar char="▶"/>
+            </a:pPr>
+            <a:r>
+              <a:rPr lang="en-US" sz="1800">
+                <a:solidFill>
+                  <a:schemeClr val="lt1"/>
+                </a:solidFill>
+                <a:latin typeface="Times New Roman"/>
+                <a:ea typeface="Times New Roman"/>
+                <a:cs typeface="Times New Roman"/>
+                <a:sym typeface="Times New Roman"/>
+              </a:rPr>
+              <a:t>Powerful CLI</a:t>
+            </a:r>
+            <a:endParaRPr sz="1800">
+              <a:solidFill>
+                <a:schemeClr val="lt1"/>
+              </a:solidFill>
+              <a:latin typeface="Times New Roman"/>
+              <a:ea typeface="Times New Roman"/>
+              <a:cs typeface="Times New Roman"/>
+              <a:sym typeface="Times New Roman"/>
+            </a:endParaRPr>
+          </a:p>
+          <a:p>
+            <a:pPr indent="0" lvl="0" marL="0" rtl="0" algn="l">
+              <a:spcBef>
+                <a:spcPts val="960"/>
+              </a:spcBef>
+              <a:spcAft>
+                <a:spcPts val="0"/>
+              </a:spcAft>
+              <a:buNone/>
+            </a:pPr>
+            <a:r>
+              <a:t/>
             </a:r>
             <a:endParaRPr sz="1800">
               <a:solidFill>
@@ -22722,15 +23324,13 @@
       <p:sp>
         <p:nvSpPr>
           <p:cNvPr id="196" name="Google Shape;196;p30"/>
-          <p:cNvSpPr txBox="1"/>
-          <p:nvPr>
-            <p:ph idx="1" type="body"/>
-          </p:nvPr>
+          <p:cNvSpPr/>
+          <p:nvPr/>
         </p:nvSpPr>
         <p:spPr>
           <a:xfrm>
-            <a:off x="338406" y="-614148"/>
-            <a:ext cx="10889154" cy="2729552"/>
+            <a:off x="75" y="0"/>
+            <a:ext cx="12192000" cy="6858000"/>
           </a:xfrm>
           <a:prstGeom prst="rect">
             <a:avLst/>
@@ -22741,63 +23341,27 @@
           </a:ln>
         </p:spPr>
         <p:txBody>
-          <a:bodyPr anchorCtr="0" anchor="ctr" bIns="45700" lIns="91425" spcFirstLastPara="1" rIns="91425" wrap="square" tIns="45700">
-            <a:normAutofit/>
+          <a:bodyPr anchorCtr="0" anchor="t" bIns="45700" lIns="91425" spcFirstLastPara="1" rIns="91425" wrap="square" tIns="45700">
+            <a:noAutofit/>
           </a:bodyPr>
           <a:lstStyle/>
           <a:p>
-            <a:pPr indent="-285750" lvl="0" marL="285750" rtl="0" algn="l">
-              <a:lnSpc>
-                <a:spcPct val="100000"/>
-              </a:lnSpc>
-              <a:spcBef>
-                <a:spcPts val="0"/>
-              </a:spcBef>
-              <a:spcAft>
-                <a:spcPts val="0"/>
-              </a:spcAft>
+            <a:pPr indent="0" lvl="0" marL="0" rtl="0" algn="l">
+              <a:spcBef>
+                <a:spcPts val="960"/>
+              </a:spcBef>
+              <a:spcAft>
+                <a:spcPts val="0"/>
+              </a:spcAft>
+              <a:buClr>
+                <a:schemeClr val="dk1"/>
+              </a:buClr>
               <a:buSzPts val="1440"/>
-              <a:buChar char="▶"/>
+              <a:buFont typeface="Arial"/>
+              <a:buNone/>
             </a:pPr>
             <a:r>
-              <a:rPr lang="en-US" sz="1800">
-                <a:solidFill>
-                  <a:schemeClr val="lt1"/>
-                </a:solidFill>
-                <a:latin typeface="Times New Roman"/>
-                <a:ea typeface="Times New Roman"/>
-                <a:cs typeface="Times New Roman"/>
-                <a:sym typeface="Times New Roman"/>
-              </a:rPr>
-              <a:t>Q 8) What was the platform used for deploying the project ?</a:t>
-            </a:r>
-            <a:endParaRPr/>
-          </a:p>
-          <a:p>
-            <a:pPr indent="-285750" lvl="1" marL="742950" rtl="0" algn="l">
-              <a:lnSpc>
-                <a:spcPct val="100000"/>
-              </a:lnSpc>
-              <a:spcBef>
-                <a:spcPts val="960"/>
-              </a:spcBef>
-              <a:spcAft>
-                <a:spcPts val="0"/>
-              </a:spcAft>
-              <a:buSzPts val="1440"/>
-              <a:buChar char="▶"/>
-            </a:pPr>
-            <a:r>
-              <a:rPr lang="en-US">
-                <a:solidFill>
-                  <a:schemeClr val="lt1"/>
-                </a:solidFill>
-                <a:latin typeface="Times New Roman"/>
-                <a:ea typeface="Times New Roman"/>
-                <a:cs typeface="Times New Roman"/>
-                <a:sym typeface="Times New Roman"/>
-              </a:rPr>
-              <a:t>We used  a cloud servicing platform named Heroku for deploying the project into the cloud.</a:t>
+              <a:t/>
             </a:r>
             <a:endParaRPr sz="1800">
               <a:solidFill>
@@ -22809,52 +23373,64 @@
               <a:sym typeface="Times New Roman"/>
             </a:endParaRPr>
           </a:p>
-        </p:txBody>
-      </p:sp>
-      <p:sp>
-        <p:nvSpPr>
-          <p:cNvPr id="197" name="Google Shape;197;p30"/>
-          <p:cNvSpPr txBox="1"/>
-          <p:nvPr/>
-        </p:nvSpPr>
-        <p:spPr>
-          <a:xfrm>
-            <a:off x="338406" y="1170644"/>
-            <a:ext cx="11125715" cy="3615267"/>
-          </a:xfrm>
-          <a:prstGeom prst="rect">
-            <a:avLst/>
-          </a:prstGeom>
-          <a:noFill/>
-          <a:ln>
-            <a:noFill/>
-          </a:ln>
-        </p:spPr>
-        <p:txBody>
-          <a:bodyPr anchorCtr="0" anchor="ctr" bIns="45700" lIns="91425" spcFirstLastPara="1" rIns="91425" wrap="square" tIns="45700">
-            <a:normAutofit/>
-          </a:bodyPr>
-          <a:lstStyle/>
           <a:p>
-            <a:pPr indent="-285750" lvl="0" marL="285750" marR="0" rtl="0" algn="l">
-              <a:lnSpc>
-                <a:spcPct val="100000"/>
-              </a:lnSpc>
-              <a:spcBef>
-                <a:spcPts val="0"/>
-              </a:spcBef>
-              <a:spcAft>
-                <a:spcPts val="0"/>
-              </a:spcAft>
-              <a:buClr>
-                <a:schemeClr val="lt1"/>
-              </a:buClr>
-              <a:buSzPts val="1440"/>
-              <a:buFont typeface="Noto Sans Symbols"/>
-              <a:buChar char="▶"/>
+            <a:pPr indent="0" lvl="0" marL="457200" rtl="0" algn="l">
+              <a:spcBef>
+                <a:spcPts val="0"/>
+              </a:spcBef>
+              <a:spcAft>
+                <a:spcPts val="0"/>
+              </a:spcAft>
+              <a:buNone/>
             </a:pPr>
             <a:r>
-              <a:rPr b="0" i="0" lang="en-US" sz="1800" u="none" cap="none" strike="noStrike">
+              <a:t/>
+            </a:r>
+            <a:endParaRPr sz="1800">
+              <a:solidFill>
+                <a:schemeClr val="lt1"/>
+              </a:solidFill>
+              <a:latin typeface="Times New Roman"/>
+              <a:ea typeface="Times New Roman"/>
+              <a:cs typeface="Times New Roman"/>
+              <a:sym typeface="Times New Roman"/>
+            </a:endParaRPr>
+          </a:p>
+          <a:p>
+            <a:pPr indent="0" lvl="0" marL="457200" rtl="0" algn="l">
+              <a:spcBef>
+                <a:spcPts val="0"/>
+              </a:spcBef>
+              <a:spcAft>
+                <a:spcPts val="0"/>
+              </a:spcAft>
+              <a:buNone/>
+            </a:pPr>
+            <a:r>
+              <a:t/>
+            </a:r>
+            <a:endParaRPr sz="1800">
+              <a:solidFill>
+                <a:schemeClr val="lt1"/>
+              </a:solidFill>
+              <a:latin typeface="Times New Roman"/>
+              <a:ea typeface="Times New Roman"/>
+              <a:cs typeface="Times New Roman"/>
+              <a:sym typeface="Times New Roman"/>
+            </a:endParaRPr>
+          </a:p>
+          <a:p>
+            <a:pPr indent="0" lvl="0" marL="457200" marR="579474" rtl="0" algn="just">
+              <a:spcBef>
+                <a:spcPts val="0"/>
+              </a:spcBef>
+              <a:spcAft>
+                <a:spcPts val="0"/>
+              </a:spcAft>
+              <a:buNone/>
+            </a:pPr>
+            <a:r>
+              <a:rPr lang="en-US" sz="1800">
                 <a:solidFill>
                   <a:schemeClr val="lt1"/>
                 </a:solidFill>
@@ -22863,9 +23439,183 @@
                 <a:cs typeface="Times New Roman"/>
                 <a:sym typeface="Times New Roman"/>
               </a:rPr>
-              <a:t>Q 9) What are the advantages of the platform used for deploying the project?</a:t>
+              <a:t>Q 10) What was the Framework used for doing the backend?</a:t>
             </a:r>
-            <a:endParaRPr b="0" i="0" sz="2000" u="none" cap="none" strike="noStrike">
+            <a:endParaRPr sz="1800">
+              <a:solidFill>
+                <a:srgbClr val="0F486F"/>
+              </a:solidFill>
+              <a:latin typeface="Times New Roman"/>
+              <a:ea typeface="Times New Roman"/>
+              <a:cs typeface="Times New Roman"/>
+              <a:sym typeface="Times New Roman"/>
+            </a:endParaRPr>
+          </a:p>
+          <a:p>
+            <a:pPr indent="0" lvl="0" marL="914400" marR="579474" rtl="0" algn="just">
+              <a:spcBef>
+                <a:spcPts val="960"/>
+              </a:spcBef>
+              <a:spcAft>
+                <a:spcPts val="0"/>
+              </a:spcAft>
+              <a:buNone/>
+            </a:pPr>
+            <a:r>
+              <a:rPr lang="en-US" sz="1800">
+                <a:solidFill>
+                  <a:schemeClr val="lt1"/>
+                </a:solidFill>
+                <a:latin typeface="Times New Roman"/>
+                <a:ea typeface="Times New Roman"/>
+                <a:cs typeface="Times New Roman"/>
+                <a:sym typeface="Times New Roman"/>
+              </a:rPr>
+              <a:t>We used Flask Framework for completing the backend.</a:t>
+            </a:r>
+            <a:endParaRPr sz="1800">
+              <a:solidFill>
+                <a:schemeClr val="lt1"/>
+              </a:solidFill>
+              <a:latin typeface="Times New Roman"/>
+              <a:ea typeface="Times New Roman"/>
+              <a:cs typeface="Times New Roman"/>
+              <a:sym typeface="Times New Roman"/>
+            </a:endParaRPr>
+          </a:p>
+          <a:p>
+            <a:pPr indent="0" lvl="0" marL="914400" marR="579474" rtl="0" algn="just">
+              <a:spcBef>
+                <a:spcPts val="960"/>
+              </a:spcBef>
+              <a:spcAft>
+                <a:spcPts val="0"/>
+              </a:spcAft>
+              <a:buNone/>
+            </a:pPr>
+            <a:r>
+              <a:t/>
+            </a:r>
+            <a:endParaRPr sz="1800">
+              <a:solidFill>
+                <a:schemeClr val="lt1"/>
+              </a:solidFill>
+              <a:latin typeface="Times New Roman"/>
+              <a:ea typeface="Times New Roman"/>
+              <a:cs typeface="Times New Roman"/>
+              <a:sym typeface="Times New Roman"/>
+            </a:endParaRPr>
+          </a:p>
+          <a:p>
+            <a:pPr indent="0" lvl="0" marL="457200" marR="579474" rtl="0" algn="just">
+              <a:spcBef>
+                <a:spcPts val="0"/>
+              </a:spcBef>
+              <a:spcAft>
+                <a:spcPts val="0"/>
+              </a:spcAft>
+              <a:buNone/>
+            </a:pPr>
+            <a:r>
+              <a:rPr lang="en-US" sz="1800">
+                <a:solidFill>
+                  <a:schemeClr val="lt1"/>
+                </a:solidFill>
+                <a:latin typeface="Times New Roman"/>
+                <a:ea typeface="Times New Roman"/>
+                <a:cs typeface="Times New Roman"/>
+                <a:sym typeface="Times New Roman"/>
+              </a:rPr>
+              <a:t>Q 11) How were the errors removed from the program?</a:t>
+            </a:r>
+            <a:endParaRPr sz="1800">
+              <a:solidFill>
+                <a:srgbClr val="0F486F"/>
+              </a:solidFill>
+              <a:latin typeface="Times New Roman"/>
+              <a:ea typeface="Times New Roman"/>
+              <a:cs typeface="Times New Roman"/>
+              <a:sym typeface="Times New Roman"/>
+            </a:endParaRPr>
+          </a:p>
+          <a:p>
+            <a:pPr indent="0" lvl="0" marL="914400" marR="579474" rtl="0" algn="just">
+              <a:spcBef>
+                <a:spcPts val="960"/>
+              </a:spcBef>
+              <a:spcAft>
+                <a:spcPts val="0"/>
+              </a:spcAft>
+              <a:buNone/>
+            </a:pPr>
+            <a:r>
+              <a:rPr lang="en-US" sz="1800">
+                <a:solidFill>
+                  <a:schemeClr val="lt1"/>
+                </a:solidFill>
+                <a:latin typeface="Times New Roman"/>
+                <a:ea typeface="Times New Roman"/>
+                <a:cs typeface="Times New Roman"/>
+                <a:sym typeface="Times New Roman"/>
+              </a:rPr>
+              <a:t>There were no errors left by the end of the program execution because all of the errors were identified and debugged during the execution of the program itself.    </a:t>
+            </a:r>
+            <a:endParaRPr sz="1800">
+              <a:solidFill>
+                <a:schemeClr val="lt1"/>
+              </a:solidFill>
+              <a:latin typeface="Times New Roman"/>
+              <a:ea typeface="Times New Roman"/>
+              <a:cs typeface="Times New Roman"/>
+              <a:sym typeface="Times New Roman"/>
+            </a:endParaRPr>
+          </a:p>
+          <a:p>
+            <a:pPr indent="0" lvl="0" marL="457200" marR="579474" rtl="0" algn="just">
+              <a:spcBef>
+                <a:spcPts val="960"/>
+              </a:spcBef>
+              <a:spcAft>
+                <a:spcPts val="0"/>
+              </a:spcAft>
+              <a:buNone/>
+            </a:pPr>
+            <a:r>
+              <a:t/>
+            </a:r>
+            <a:endParaRPr sz="1800">
+              <a:solidFill>
+                <a:schemeClr val="lt1"/>
+              </a:solidFill>
+              <a:latin typeface="Times New Roman"/>
+              <a:ea typeface="Times New Roman"/>
+              <a:cs typeface="Times New Roman"/>
+              <a:sym typeface="Times New Roman"/>
+            </a:endParaRPr>
+          </a:p>
+          <a:p>
+            <a:pPr indent="0" lvl="0" marL="457200" marR="579474" rtl="0" algn="just">
+              <a:spcBef>
+                <a:spcPts val="0"/>
+              </a:spcBef>
+              <a:spcAft>
+                <a:spcPts val="0"/>
+              </a:spcAft>
+              <a:buNone/>
+            </a:pPr>
+            <a:r>
+              <a:rPr lang="en-US" sz="1800">
+                <a:solidFill>
+                  <a:schemeClr val="lt1"/>
+                </a:solidFill>
+                <a:latin typeface="Times New Roman"/>
+                <a:ea typeface="Times New Roman"/>
+                <a:cs typeface="Times New Roman"/>
+                <a:sym typeface="Times New Roman"/>
+              </a:rPr>
+              <a:t>Q 12) What is the future scope of the project?</a:t>
+            </a:r>
+            <a:endParaRPr sz="2000">
               <a:solidFill>
                 <a:srgbClr val="0F486F"/>
               </a:solidFill>
@@ -22876,10 +23626,7 @@
             </a:endParaRPr>
           </a:p>
           <a:p>
-            <a:pPr indent="-285750" lvl="1" marL="742950" marR="0" rtl="0" algn="l">
-              <a:lnSpc>
-                <a:spcPct val="100000"/>
-              </a:lnSpc>
+            <a:pPr indent="-281940" lvl="2" marL="914400" marR="579474" rtl="0" algn="just">
               <a:spcBef>
                 <a:spcPts val="960"/>
               </a:spcBef>
@@ -22894,590 +23641,7 @@
               <a:buChar char="▶"/>
             </a:pPr>
             <a:r>
-              <a:rPr b="0" i="0" lang="en-US" sz="1800" u="none" cap="none" strike="noStrike">
-                <a:solidFill>
-                  <a:schemeClr val="lt1"/>
-                </a:solidFill>
-                <a:latin typeface="Times New Roman"/>
-                <a:ea typeface="Times New Roman"/>
-                <a:cs typeface="Times New Roman"/>
-                <a:sym typeface="Times New Roman"/>
-              </a:rPr>
-              <a:t>The advantages of Heroku are:</a:t>
-            </a:r>
-            <a:endParaRPr/>
-          </a:p>
-          <a:p>
-            <a:pPr indent="-285750" lvl="1" marL="742950" marR="0" rtl="0" algn="l">
-              <a:lnSpc>
-                <a:spcPct val="100000"/>
-              </a:lnSpc>
-              <a:spcBef>
-                <a:spcPts val="960"/>
-              </a:spcBef>
-              <a:spcAft>
-                <a:spcPts val="0"/>
-              </a:spcAft>
-              <a:buClr>
-                <a:schemeClr val="lt1"/>
-              </a:buClr>
-              <a:buSzPts val="1440"/>
-              <a:buFont typeface="Noto Sans Symbols"/>
-              <a:buChar char="▶"/>
-            </a:pPr>
-            <a:r>
-              <a:rPr b="0" i="0" lang="en-US" sz="1800" u="none" cap="none" strike="noStrike">
-                <a:solidFill>
-                  <a:schemeClr val="lt1"/>
-                </a:solidFill>
-                <a:latin typeface="Times New Roman"/>
-                <a:ea typeface="Times New Roman"/>
-                <a:cs typeface="Times New Roman"/>
-                <a:sym typeface="Times New Roman"/>
-              </a:rPr>
-              <a:t>It is free of cost.</a:t>
-            </a:r>
-            <a:endParaRPr/>
-          </a:p>
-          <a:p>
-            <a:pPr indent="-285750" lvl="1" marL="742950" marR="0" rtl="0" algn="l">
-              <a:lnSpc>
-                <a:spcPct val="100000"/>
-              </a:lnSpc>
-              <a:spcBef>
-                <a:spcPts val="960"/>
-              </a:spcBef>
-              <a:spcAft>
-                <a:spcPts val="0"/>
-              </a:spcAft>
-              <a:buClr>
-                <a:schemeClr val="lt1"/>
-              </a:buClr>
-              <a:buSzPts val="1440"/>
-              <a:buFont typeface="Noto Sans Symbols"/>
-              <a:buChar char="▶"/>
-            </a:pPr>
-            <a:r>
-              <a:rPr b="0" i="0" lang="en-US" sz="1800" u="none" cap="none" strike="noStrike">
-                <a:solidFill>
-                  <a:schemeClr val="lt1"/>
-                </a:solidFill>
-                <a:latin typeface="Times New Roman"/>
-                <a:ea typeface="Times New Roman"/>
-                <a:cs typeface="Times New Roman"/>
-                <a:sym typeface="Times New Roman"/>
-              </a:rPr>
-              <a:t>It is easy to use.</a:t>
-            </a:r>
-            <a:endParaRPr/>
-          </a:p>
-          <a:p>
-            <a:pPr indent="-285750" lvl="1" marL="742950" marR="0" rtl="0" algn="l">
-              <a:lnSpc>
-                <a:spcPct val="100000"/>
-              </a:lnSpc>
-              <a:spcBef>
-                <a:spcPts val="960"/>
-              </a:spcBef>
-              <a:spcAft>
-                <a:spcPts val="0"/>
-              </a:spcAft>
-              <a:buClr>
-                <a:schemeClr val="lt1"/>
-              </a:buClr>
-              <a:buSzPts val="1440"/>
-              <a:buFont typeface="Noto Sans Symbols"/>
-              <a:buChar char="▶"/>
-            </a:pPr>
-            <a:r>
-              <a:rPr b="0" i="0" lang="en-US" sz="1800" u="none" cap="none" strike="noStrike">
-                <a:solidFill>
-                  <a:schemeClr val="lt1"/>
-                </a:solidFill>
-                <a:latin typeface="Times New Roman"/>
-                <a:ea typeface="Times New Roman"/>
-                <a:cs typeface="Times New Roman"/>
-                <a:sym typeface="Times New Roman"/>
-              </a:rPr>
-              <a:t>Developer Centric.</a:t>
-            </a:r>
-            <a:endParaRPr/>
-          </a:p>
-          <a:p>
-            <a:pPr indent="-285750" lvl="1" marL="742950" marR="0" rtl="0" algn="l">
-              <a:lnSpc>
-                <a:spcPct val="100000"/>
-              </a:lnSpc>
-              <a:spcBef>
-                <a:spcPts val="960"/>
-              </a:spcBef>
-              <a:spcAft>
-                <a:spcPts val="0"/>
-              </a:spcAft>
-              <a:buClr>
-                <a:schemeClr val="lt1"/>
-              </a:buClr>
-              <a:buSzPts val="1440"/>
-              <a:buFont typeface="Noto Sans Symbols"/>
-              <a:buChar char="▶"/>
-            </a:pPr>
-            <a:r>
-              <a:rPr b="0" i="0" lang="en-US" sz="1800" u="none" cap="none" strike="noStrike">
-                <a:solidFill>
-                  <a:schemeClr val="lt1"/>
-                </a:solidFill>
-                <a:latin typeface="Times New Roman"/>
-                <a:ea typeface="Times New Roman"/>
-                <a:cs typeface="Times New Roman"/>
-                <a:sym typeface="Times New Roman"/>
-              </a:rPr>
-              <a:t>Easy to scale.</a:t>
-            </a:r>
-            <a:endParaRPr/>
-          </a:p>
-          <a:p>
-            <a:pPr indent="-285750" lvl="1" marL="742950" marR="0" rtl="0" algn="l">
-              <a:lnSpc>
-                <a:spcPct val="100000"/>
-              </a:lnSpc>
-              <a:spcBef>
-                <a:spcPts val="960"/>
-              </a:spcBef>
-              <a:spcAft>
-                <a:spcPts val="0"/>
-              </a:spcAft>
-              <a:buClr>
-                <a:schemeClr val="lt1"/>
-              </a:buClr>
-              <a:buSzPts val="1440"/>
-              <a:buFont typeface="Noto Sans Symbols"/>
-              <a:buChar char="▶"/>
-            </a:pPr>
-            <a:r>
-              <a:rPr b="0" i="0" lang="en-US" sz="1800" u="none" cap="none" strike="noStrike">
-                <a:solidFill>
-                  <a:schemeClr val="lt1"/>
-                </a:solidFill>
-                <a:latin typeface="Times New Roman"/>
-                <a:ea typeface="Times New Roman"/>
-                <a:cs typeface="Times New Roman"/>
-                <a:sym typeface="Times New Roman"/>
-              </a:rPr>
-              <a:t>Provides security.</a:t>
-            </a:r>
-            <a:endParaRPr/>
-          </a:p>
-          <a:p>
-            <a:pPr indent="-285750" lvl="1" marL="742950" marR="0" rtl="0" algn="l">
-              <a:lnSpc>
-                <a:spcPct val="100000"/>
-              </a:lnSpc>
-              <a:spcBef>
-                <a:spcPts val="960"/>
-              </a:spcBef>
-              <a:spcAft>
-                <a:spcPts val="0"/>
-              </a:spcAft>
-              <a:buClr>
-                <a:schemeClr val="lt1"/>
-              </a:buClr>
-              <a:buSzPts val="1440"/>
-              <a:buFont typeface="Noto Sans Symbols"/>
-              <a:buChar char="▶"/>
-            </a:pPr>
-            <a:r>
-              <a:rPr b="0" i="0" lang="en-US" sz="1800" u="none" cap="none" strike="noStrike">
-                <a:solidFill>
-                  <a:schemeClr val="lt1"/>
-                </a:solidFill>
-                <a:latin typeface="Times New Roman"/>
-                <a:ea typeface="Times New Roman"/>
-                <a:cs typeface="Times New Roman"/>
-                <a:sym typeface="Times New Roman"/>
-              </a:rPr>
-              <a:t>Powerful CLI</a:t>
-            </a:r>
-            <a:endParaRPr b="0" i="0" sz="1800" u="none" cap="none" strike="noStrike">
-              <a:solidFill>
-                <a:schemeClr val="lt1"/>
-              </a:solidFill>
-              <a:latin typeface="Times New Roman"/>
-              <a:ea typeface="Times New Roman"/>
-              <a:cs typeface="Times New Roman"/>
-              <a:sym typeface="Times New Roman"/>
-            </a:endParaRPr>
-          </a:p>
-        </p:txBody>
-      </p:sp>
-      <p:sp>
-        <p:nvSpPr>
-          <p:cNvPr id="198" name="Google Shape;198;p30"/>
-          <p:cNvSpPr txBox="1"/>
-          <p:nvPr/>
-        </p:nvSpPr>
-        <p:spPr>
-          <a:xfrm>
-            <a:off x="338406" y="3900196"/>
-            <a:ext cx="10889154" cy="2729552"/>
-          </a:xfrm>
-          <a:prstGeom prst="rect">
-            <a:avLst/>
-          </a:prstGeom>
-          <a:noFill/>
-          <a:ln>
-            <a:noFill/>
-          </a:ln>
-        </p:spPr>
-        <p:txBody>
-          <a:bodyPr anchorCtr="0" anchor="ctr" bIns="45700" lIns="91425" spcFirstLastPara="1" rIns="91425" wrap="square" tIns="45700">
-            <a:normAutofit/>
-          </a:bodyPr>
-          <a:lstStyle/>
-          <a:p>
-            <a:pPr indent="-285750" lvl="0" marL="285750" marR="0" rtl="0" algn="l">
-              <a:lnSpc>
-                <a:spcPct val="100000"/>
-              </a:lnSpc>
-              <a:spcBef>
-                <a:spcPts val="0"/>
-              </a:spcBef>
-              <a:spcAft>
-                <a:spcPts val="0"/>
-              </a:spcAft>
-              <a:buClr>
-                <a:schemeClr val="lt1"/>
-              </a:buClr>
-              <a:buSzPts val="1440"/>
-              <a:buFont typeface="Noto Sans Symbols"/>
-              <a:buChar char="▶"/>
-            </a:pPr>
-            <a:r>
-              <a:rPr b="0" i="0" lang="en-US" sz="1800" u="none" cap="none" strike="noStrike">
-                <a:solidFill>
-                  <a:schemeClr val="lt1"/>
-                </a:solidFill>
-                <a:latin typeface="Times New Roman"/>
-                <a:ea typeface="Times New Roman"/>
-                <a:cs typeface="Times New Roman"/>
-                <a:sym typeface="Times New Roman"/>
-              </a:rPr>
-              <a:t>Q 10) What was the Framework used for doing the backend?</a:t>
-            </a:r>
-            <a:endParaRPr b="0" i="0" sz="2000" u="none" cap="none" strike="noStrike">
-              <a:solidFill>
-                <a:srgbClr val="0F486F"/>
-              </a:solidFill>
-              <a:latin typeface="Century Gothic"/>
-              <a:ea typeface="Century Gothic"/>
-              <a:cs typeface="Century Gothic"/>
-              <a:sym typeface="Century Gothic"/>
-            </a:endParaRPr>
-          </a:p>
-          <a:p>
-            <a:pPr indent="-285750" lvl="1" marL="742950" marR="0" rtl="0" algn="l">
-              <a:lnSpc>
-                <a:spcPct val="100000"/>
-              </a:lnSpc>
-              <a:spcBef>
-                <a:spcPts val="960"/>
-              </a:spcBef>
-              <a:spcAft>
-                <a:spcPts val="0"/>
-              </a:spcAft>
-              <a:buClr>
-                <a:schemeClr val="lt1"/>
-              </a:buClr>
-              <a:buSzPts val="1440"/>
-              <a:buFont typeface="Noto Sans Symbols"/>
-              <a:buChar char="▶"/>
-            </a:pPr>
-            <a:r>
-              <a:rPr b="0" i="0" lang="en-US" sz="1800" u="none" cap="none" strike="noStrike">
-                <a:solidFill>
-                  <a:schemeClr val="lt1"/>
-                </a:solidFill>
-                <a:latin typeface="Times New Roman"/>
-                <a:ea typeface="Times New Roman"/>
-                <a:cs typeface="Times New Roman"/>
-                <a:sym typeface="Times New Roman"/>
-              </a:rPr>
-              <a:t>We used Flask Framework for completing the backend.</a:t>
-            </a:r>
-            <a:endParaRPr b="0" i="0" sz="1800" u="none" cap="none" strike="noStrike">
-              <a:solidFill>
-                <a:schemeClr val="lt1"/>
-              </a:solidFill>
-              <a:latin typeface="Times New Roman"/>
-              <a:ea typeface="Times New Roman"/>
-              <a:cs typeface="Times New Roman"/>
-              <a:sym typeface="Times New Roman"/>
-            </a:endParaRPr>
-          </a:p>
-        </p:txBody>
-      </p:sp>
-    </p:spTree>
-  </p:cSld>
-  <p:clrMapOvr>
-    <a:masterClrMapping/>
-  </p:clrMapOvr>
-</p:sld>
-</file>
-
-<file path=ppt/slides/slide13.xml><?xml version="1.0" encoding="utf-8"?>
-<p:sld xmlns:a="http://schemas.openxmlformats.org/drawingml/2006/main" xmlns:r="http://schemas.openxmlformats.org/officeDocument/2006/relationships" xmlns:mc="http://schemas.openxmlformats.org/markup-compatibility/2006" xmlns:mv="urn:schemas-microsoft-com:mac:vml" xmlns:p="http://schemas.openxmlformats.org/presentationml/2006/main" xmlns:c="http://schemas.openxmlformats.org/drawingml/2006/chart" xmlns:dgm="http://schemas.openxmlformats.org/drawingml/2006/diagram" xmlns:o="urn:schemas-microsoft-com:office:office" xmlns:v="urn:schemas-microsoft-com:vml" xmlns:pvml="urn:schemas-microsoft-com:office:powerpoint" xmlns:com="http://schemas.openxmlformats.org/drawingml/2006/compatibility" xmlns:p14="http://schemas.microsoft.com/office/powerpoint/2010/main" xmlns:p15="http://schemas.microsoft.com/office/powerpoint/2012/main" xmlns:ahyp="http://schemas.microsoft.com/office/drawing/2018/hyperlinkcolor">
-  <p:cSld>
-    <p:spTree>
-      <p:nvGrpSpPr>
-        <p:cNvPr id="202" name="Shape 202"/>
-        <p:cNvGrpSpPr/>
-        <p:nvPr/>
-      </p:nvGrpSpPr>
-      <p:grpSpPr>
-        <a:xfrm>
-          <a:off x="0" y="0"/>
-          <a:ext cx="0" cy="0"/>
-          <a:chOff x="0" y="0"/>
-          <a:chExt cx="0" cy="0"/>
-        </a:xfrm>
-      </p:grpSpPr>
-      <p:sp>
-        <p:nvSpPr>
-          <p:cNvPr id="203" name="Google Shape;203;p31"/>
-          <p:cNvSpPr txBox="1"/>
-          <p:nvPr/>
-        </p:nvSpPr>
-        <p:spPr>
-          <a:xfrm>
-            <a:off x="432178" y="49347"/>
-            <a:ext cx="10889154" cy="2729552"/>
-          </a:xfrm>
-          <a:prstGeom prst="rect">
-            <a:avLst/>
-          </a:prstGeom>
-          <a:noFill/>
-          <a:ln>
-            <a:noFill/>
-          </a:ln>
-        </p:spPr>
-        <p:txBody>
-          <a:bodyPr anchorCtr="0" anchor="ctr" bIns="45700" lIns="91425" spcFirstLastPara="1" rIns="91425" wrap="square" tIns="45700">
-            <a:normAutofit/>
-          </a:bodyPr>
-          <a:lstStyle/>
-          <a:p>
-            <a:pPr indent="-285750" lvl="0" marL="285750" marR="0" rtl="0" algn="just">
-              <a:lnSpc>
-                <a:spcPct val="100000"/>
-              </a:lnSpc>
-              <a:spcBef>
-                <a:spcPts val="0"/>
-              </a:spcBef>
-              <a:spcAft>
-                <a:spcPts val="0"/>
-              </a:spcAft>
-              <a:buClr>
-                <a:schemeClr val="lt1"/>
-              </a:buClr>
-              <a:buSzPts val="1440"/>
-              <a:buFont typeface="Noto Sans Symbols"/>
-              <a:buChar char="▶"/>
-            </a:pPr>
-            <a:r>
-              <a:rPr b="0" i="0" lang="en-US" sz="1800" u="none" cap="none" strike="noStrike">
-                <a:solidFill>
-                  <a:schemeClr val="lt1"/>
-                </a:solidFill>
-                <a:latin typeface="Times New Roman"/>
-                <a:ea typeface="Times New Roman"/>
-                <a:cs typeface="Times New Roman"/>
-                <a:sym typeface="Times New Roman"/>
-              </a:rPr>
-              <a:t>Q 1</a:t>
-            </a:r>
-            <a:r>
-              <a:rPr lang="en-US" sz="1800">
-                <a:solidFill>
-                  <a:schemeClr val="lt1"/>
-                </a:solidFill>
-                <a:latin typeface="Times New Roman"/>
-                <a:ea typeface="Times New Roman"/>
-                <a:cs typeface="Times New Roman"/>
-                <a:sym typeface="Times New Roman"/>
-              </a:rPr>
-              <a:t>1</a:t>
-            </a:r>
-            <a:r>
-              <a:rPr b="0" i="0" lang="en-US" sz="1800" u="none" cap="none" strike="noStrike">
-                <a:solidFill>
-                  <a:schemeClr val="lt1"/>
-                </a:solidFill>
-                <a:latin typeface="Times New Roman"/>
-                <a:ea typeface="Times New Roman"/>
-                <a:cs typeface="Times New Roman"/>
-                <a:sym typeface="Times New Roman"/>
-              </a:rPr>
-              <a:t>) How were the errors removed from the program?</a:t>
-            </a:r>
-            <a:endParaRPr b="0" i="0" sz="2000" u="none" cap="none" strike="noStrike">
-              <a:solidFill>
-                <a:srgbClr val="0F486F"/>
-              </a:solidFill>
-              <a:latin typeface="Century Gothic"/>
-              <a:ea typeface="Century Gothic"/>
-              <a:cs typeface="Century Gothic"/>
-              <a:sym typeface="Century Gothic"/>
-            </a:endParaRPr>
-          </a:p>
-          <a:p>
-            <a:pPr indent="-285750" lvl="2" marL="1200150" marR="0" rtl="0" algn="just">
-              <a:lnSpc>
-                <a:spcPct val="100000"/>
-              </a:lnSpc>
-              <a:spcBef>
-                <a:spcPts val="960"/>
-              </a:spcBef>
-              <a:spcAft>
-                <a:spcPts val="0"/>
-              </a:spcAft>
-              <a:buClr>
-                <a:schemeClr val="lt1"/>
-              </a:buClr>
-              <a:buSzPts val="1440"/>
-              <a:buFont typeface="Noto Sans Symbols"/>
-              <a:buChar char="▶"/>
-            </a:pPr>
-            <a:r>
-              <a:rPr b="0" i="0" lang="en-US" sz="1600" u="none" cap="none" strike="noStrike">
-                <a:solidFill>
-                  <a:schemeClr val="lt1"/>
-                </a:solidFill>
-                <a:latin typeface="Times New Roman"/>
-                <a:ea typeface="Times New Roman"/>
-                <a:cs typeface="Times New Roman"/>
-                <a:sym typeface="Times New Roman"/>
-              </a:rPr>
-              <a:t>There were no errors left by the end of the program execution because all of the errors were identified and debugged during the execution of the program itself.    </a:t>
-            </a:r>
-            <a:endParaRPr b="0" i="0" sz="1600" u="none" cap="none" strike="noStrike">
-              <a:solidFill>
-                <a:schemeClr val="lt1"/>
-              </a:solidFill>
-              <a:latin typeface="Times New Roman"/>
-              <a:ea typeface="Times New Roman"/>
-              <a:cs typeface="Times New Roman"/>
-              <a:sym typeface="Times New Roman"/>
-            </a:endParaRPr>
-          </a:p>
-        </p:txBody>
-      </p:sp>
-      <p:sp>
-        <p:nvSpPr>
-          <p:cNvPr id="204" name="Google Shape;204;p31"/>
-          <p:cNvSpPr txBox="1"/>
-          <p:nvPr/>
-        </p:nvSpPr>
-        <p:spPr>
-          <a:xfrm>
-            <a:off x="432178" y="2778899"/>
-            <a:ext cx="10889154" cy="2729552"/>
-          </a:xfrm>
-          <a:prstGeom prst="rect">
-            <a:avLst/>
-          </a:prstGeom>
-          <a:noFill/>
-          <a:ln>
-            <a:noFill/>
-          </a:ln>
-        </p:spPr>
-        <p:txBody>
-          <a:bodyPr anchorCtr="0" anchor="ctr" bIns="45700" lIns="91425" spcFirstLastPara="1" rIns="91425" wrap="square" tIns="45700">
-            <a:normAutofit/>
-          </a:bodyPr>
-          <a:lstStyle/>
-          <a:p>
-            <a:pPr indent="-285750" lvl="0" marL="285750" marR="0" rtl="0" algn="just">
-              <a:lnSpc>
-                <a:spcPct val="100000"/>
-              </a:lnSpc>
-              <a:spcBef>
-                <a:spcPts val="0"/>
-              </a:spcBef>
-              <a:spcAft>
-                <a:spcPts val="0"/>
-              </a:spcAft>
-              <a:buClr>
-                <a:schemeClr val="lt1"/>
-              </a:buClr>
-              <a:buSzPts val="1440"/>
-              <a:buFont typeface="Noto Sans Symbols"/>
-              <a:buChar char="▶"/>
-            </a:pPr>
-            <a:r>
-              <a:rPr b="0" i="0" lang="en-US" sz="1800" u="none" cap="none" strike="noStrike">
-                <a:solidFill>
-                  <a:schemeClr val="lt1"/>
-                </a:solidFill>
-                <a:latin typeface="Times New Roman"/>
-                <a:ea typeface="Times New Roman"/>
-                <a:cs typeface="Times New Roman"/>
-                <a:sym typeface="Times New Roman"/>
-              </a:rPr>
-              <a:t>Q 1</a:t>
-            </a:r>
-            <a:r>
-              <a:rPr lang="en-US" sz="1800">
-                <a:solidFill>
-                  <a:schemeClr val="lt1"/>
-                </a:solidFill>
-                <a:latin typeface="Times New Roman"/>
-                <a:ea typeface="Times New Roman"/>
-                <a:cs typeface="Times New Roman"/>
-                <a:sym typeface="Times New Roman"/>
-              </a:rPr>
-              <a:t>2</a:t>
-            </a:r>
-            <a:r>
-              <a:rPr b="0" i="0" lang="en-US" sz="1800" u="none" cap="none" strike="noStrike">
-                <a:solidFill>
-                  <a:schemeClr val="lt1"/>
-                </a:solidFill>
-                <a:latin typeface="Times New Roman"/>
-                <a:ea typeface="Times New Roman"/>
-                <a:cs typeface="Times New Roman"/>
-                <a:sym typeface="Times New Roman"/>
-              </a:rPr>
-              <a:t>) What is the future scope of the project?</a:t>
-            </a:r>
-            <a:endParaRPr b="0" i="0" sz="2000" u="none" cap="none" strike="noStrike">
-              <a:solidFill>
-                <a:srgbClr val="0F486F"/>
-              </a:solidFill>
-              <a:latin typeface="Century Gothic"/>
-              <a:ea typeface="Century Gothic"/>
-              <a:cs typeface="Century Gothic"/>
-              <a:sym typeface="Century Gothic"/>
-            </a:endParaRPr>
-          </a:p>
-          <a:p>
-            <a:pPr indent="-285750" lvl="2" marL="1200150" marR="0" rtl="0" algn="just">
-              <a:lnSpc>
-                <a:spcPct val="100000"/>
-              </a:lnSpc>
-              <a:spcBef>
-                <a:spcPts val="960"/>
-              </a:spcBef>
-              <a:spcAft>
-                <a:spcPts val="0"/>
-              </a:spcAft>
-              <a:buClr>
-                <a:schemeClr val="lt1"/>
-              </a:buClr>
-              <a:buSzPts val="1440"/>
-              <a:buFont typeface="Noto Sans Symbols"/>
-              <a:buChar char="▶"/>
-            </a:pPr>
-            <a:r>
-              <a:rPr b="0" i="0" lang="en-US" sz="1600" u="none" cap="none" strike="noStrike">
+              <a:rPr lang="en-US" sz="1600">
                 <a:solidFill>
                   <a:schemeClr val="lt1"/>
                 </a:solidFill>
@@ -23488,13 +23652,14 @@
               </a:rPr>
               <a:t>Use multiple algorithms.</a:t>
             </a:r>
-            <a:endParaRPr/>
+            <a:endParaRPr>
+              <a:solidFill>
+                <a:schemeClr val="dk1"/>
+              </a:solidFill>
+            </a:endParaRPr>
           </a:p>
           <a:p>
-            <a:pPr indent="-285750" lvl="2" marL="1200150" marR="0" rtl="0" algn="just">
-              <a:lnSpc>
-                <a:spcPct val="100000"/>
-              </a:lnSpc>
+            <a:pPr indent="-281940" lvl="2" marL="914400" marR="579474" rtl="0" algn="just">
               <a:spcBef>
                 <a:spcPts val="960"/>
               </a:spcBef>
@@ -23509,7 +23674,7 @@
               <a:buChar char="▶"/>
             </a:pPr>
             <a:r>
-              <a:rPr b="0" i="0" lang="en-US" sz="1600" u="none" cap="none" strike="noStrike">
+              <a:rPr lang="en-US" sz="1600">
                 <a:solidFill>
                   <a:schemeClr val="lt1"/>
                 </a:solidFill>
@@ -23520,7 +23685,7 @@
               </a:rPr>
               <a:t>Optimize flask app.py and Stores Sales Prediction.ipynb</a:t>
             </a:r>
-            <a:endParaRPr b="0" i="0" sz="1600" u="none" cap="none" strike="noStrike">
+            <a:endParaRPr sz="1600">
               <a:solidFill>
                 <a:schemeClr val="lt1"/>
               </a:solidFill>
@@ -23531,10 +23696,7 @@
             </a:endParaRPr>
           </a:p>
           <a:p>
-            <a:pPr indent="-285750" lvl="2" marL="1200150" marR="0" rtl="0" algn="just">
-              <a:lnSpc>
-                <a:spcPct val="100000"/>
-              </a:lnSpc>
+            <a:pPr indent="-281940" lvl="2" marL="914400" marR="579474" rtl="0" algn="just">
               <a:spcBef>
                 <a:spcPts val="960"/>
               </a:spcBef>
@@ -23549,7 +23711,7 @@
               <a:buChar char="▶"/>
             </a:pPr>
             <a:r>
-              <a:rPr b="0" i="0" lang="en-US" sz="1600" u="none" cap="none" strike="noStrike">
+              <a:rPr lang="en-US" sz="1600">
                 <a:solidFill>
                   <a:schemeClr val="lt1"/>
                 </a:solidFill>
@@ -23560,7 +23722,7 @@
               </a:rPr>
               <a:t>The front end can be developed even more. </a:t>
             </a:r>
-            <a:endParaRPr b="0" i="0" sz="1600" u="none" cap="none" strike="noStrike">
+            <a:endParaRPr sz="1800">
               <a:solidFill>
                 <a:schemeClr val="lt1"/>
               </a:solidFill>
@@ -23607,8 +23769,8 @@
         </p:nvSpPr>
         <p:spPr>
           <a:xfrm>
-            <a:off x="684212" y="685799"/>
-            <a:ext cx="8534400" cy="5457423"/>
+            <a:off x="-100" y="0"/>
+            <a:ext cx="12192000" cy="6858000"/>
           </a:xfrm>
           <a:prstGeom prst="rect">
             <a:avLst/>
@@ -23624,7 +23786,7 @@
           </a:bodyPr>
           <a:lstStyle/>
           <a:p>
-            <a:pPr indent="0" lvl="0" marL="0" rtl="0" algn="l">
+            <a:pPr indent="0" lvl="0" marL="457200" marR="579474" rtl="0" algn="l">
               <a:lnSpc>
                 <a:spcPct val="100000"/>
               </a:lnSpc>
@@ -23635,30 +23797,6 @@
                 <a:spcPts val="0"/>
               </a:spcAft>
               <a:buSzPts val="1600"/>
-              <a:buNone/>
-            </a:pPr>
-            <a:r>
-              <a:rPr lang="en-US"/>
-              <a:t>					</a:t>
-            </a:r>
-            <a:r>
-              <a:rPr b="1" lang="en-US"/>
-              <a:t>	</a:t>
-            </a:r>
-            <a:endParaRPr/>
-          </a:p>
-          <a:p>
-            <a:pPr indent="0" lvl="0" marL="0" rtl="0" algn="l">
-              <a:lnSpc>
-                <a:spcPct val="100000"/>
-              </a:lnSpc>
-              <a:spcBef>
-                <a:spcPts val="1040"/>
-              </a:spcBef>
-              <a:spcAft>
-                <a:spcPts val="0"/>
-              </a:spcAft>
-              <a:buSzPts val="1760"/>
               <a:buNone/>
             </a:pPr>
             <a:r>
@@ -23676,7 +23814,7 @@
             <a:endParaRPr/>
           </a:p>
           <a:p>
-            <a:pPr indent="0" lvl="1" marL="457200" rtl="0" algn="l">
+            <a:pPr indent="0" lvl="1" marL="914400" marR="579474" rtl="0" algn="l">
               <a:lnSpc>
                 <a:spcPct val="100000"/>
               </a:lnSpc>
@@ -23702,6 +23840,9 @@
               <a:t>Development of a predictive model for Item Outlet Sales . The model will predict the sales of the specified items in stores and Big Marts</a:t>
             </a:r>
             <a:endParaRPr>
+              <a:solidFill>
+                <a:schemeClr val="lt1"/>
+              </a:solidFill>
               <a:latin typeface="Times New Roman"/>
               <a:ea typeface="Times New Roman"/>
               <a:cs typeface="Times New Roman"/>
@@ -23709,7 +23850,34 @@
             </a:endParaRPr>
           </a:p>
           <a:p>
-            <a:pPr indent="0" lvl="0" marL="0" rtl="0" algn="l">
+            <a:pPr indent="0" lvl="1" marL="457200" marR="579474" rtl="0" algn="l">
+              <a:lnSpc>
+                <a:spcPct val="100000"/>
+              </a:lnSpc>
+              <a:spcBef>
+                <a:spcPts val="960"/>
+              </a:spcBef>
+              <a:spcAft>
+                <a:spcPts val="0"/>
+              </a:spcAft>
+              <a:buSzPts val="1440"/>
+              <a:buNone/>
+            </a:pPr>
+            <a:r>
+              <a:t/>
+            </a:r>
+            <a:endParaRPr>
+              <a:solidFill>
+                <a:schemeClr val="lt1"/>
+              </a:solidFill>
+              <a:latin typeface="Times New Roman"/>
+              <a:ea typeface="Times New Roman"/>
+              <a:cs typeface="Times New Roman"/>
+              <a:sym typeface="Times New Roman"/>
+            </a:endParaRPr>
+          </a:p>
+          <a:p>
+            <a:pPr indent="0" lvl="0" marL="457200" marR="579474" rtl="0" algn="l">
               <a:lnSpc>
                 <a:spcPct val="100000"/>
               </a:lnSpc>
@@ -23737,7 +23905,7 @@
             <a:endParaRPr/>
           </a:p>
           <a:p>
-            <a:pPr indent="-285750" lvl="1" marL="742950" rtl="0" algn="l">
+            <a:pPr indent="-281940" lvl="1" marL="914400" marR="579474" rtl="0" algn="l">
               <a:lnSpc>
                 <a:spcPct val="100000"/>
               </a:lnSpc>
@@ -23766,7 +23934,7 @@
             <a:endParaRPr/>
           </a:p>
           <a:p>
-            <a:pPr indent="-285750" lvl="1" marL="742950" rtl="0" algn="l">
+            <a:pPr indent="-281940" lvl="1" marL="914400" marR="579474" rtl="0" algn="l">
               <a:lnSpc>
                 <a:spcPct val="100000"/>
               </a:lnSpc>
@@ -23795,7 +23963,7 @@
             <a:endParaRPr/>
           </a:p>
           <a:p>
-            <a:pPr indent="-285750" lvl="1" marL="742950" rtl="0" algn="l">
+            <a:pPr indent="-281940" lvl="1" marL="914400" marR="579474" rtl="0" algn="l">
               <a:lnSpc>
                 <a:spcPct val="100000"/>
               </a:lnSpc>
@@ -23824,7 +23992,7 @@
             <a:endParaRPr/>
           </a:p>
           <a:p>
-            <a:pPr indent="-285750" lvl="1" marL="742950" rtl="0" algn="l">
+            <a:pPr indent="-281940" lvl="1" marL="914400" marR="579474" rtl="0" algn="l">
               <a:lnSpc>
                 <a:spcPct val="100000"/>
               </a:lnSpc>
@@ -23947,8 +24115,8 @@
         </p:nvSpPr>
         <p:spPr>
           <a:xfrm>
-            <a:off x="684212" y="685800"/>
-            <a:ext cx="8534400" cy="5715000"/>
+            <a:off x="-100" y="0"/>
+            <a:ext cx="12192000" cy="6858000"/>
           </a:xfrm>
           <a:prstGeom prst="rect">
             <a:avLst/>
@@ -23964,7 +24132,7 @@
           </a:bodyPr>
           <a:lstStyle/>
           <a:p>
-            <a:pPr indent="0" lvl="0" marL="0" rtl="0" algn="l">
+            <a:pPr indent="0" lvl="0" marL="457200" rtl="0" algn="l">
               <a:lnSpc>
                 <a:spcPct val="100000"/>
               </a:lnSpc>
@@ -23978,7 +24146,7 @@
               <a:buNone/>
             </a:pPr>
             <a:r>
-              <a:rPr lang="en-US" sz="2200">
+              <a:rPr b="1" lang="en-US" sz="2200">
                 <a:solidFill>
                   <a:schemeClr val="lt1"/>
                 </a:solidFill>
@@ -23989,10 +24157,10 @@
               </a:rPr>
               <a:t>Data Sharing Agreement :</a:t>
             </a:r>
-            <a:endParaRPr/>
+            <a:endParaRPr b="1"/>
           </a:p>
           <a:p>
-            <a:pPr indent="-285750" lvl="1" marL="742950" rtl="0" algn="l">
+            <a:pPr indent="-281940" lvl="1" marL="914400" rtl="0" algn="l">
               <a:lnSpc>
                 <a:spcPct val="100000"/>
               </a:lnSpc>
@@ -24021,7 +24189,7 @@
             <a:endParaRPr/>
           </a:p>
           <a:p>
-            <a:pPr indent="-285750" lvl="1" marL="742950" rtl="0" algn="l">
+            <a:pPr indent="-281940" lvl="1" marL="914400" rtl="0" algn="l">
               <a:lnSpc>
                 <a:spcPct val="100000"/>
               </a:lnSpc>
@@ -24050,7 +24218,7 @@
             <a:endParaRPr/>
           </a:p>
           <a:p>
-            <a:pPr indent="-285750" lvl="1" marL="742950" rtl="0" algn="l">
+            <a:pPr indent="-281940" lvl="1" marL="914400" rtl="0" algn="l">
               <a:lnSpc>
                 <a:spcPct val="100000"/>
               </a:lnSpc>
@@ -24079,7 +24247,7 @@
             <a:endParaRPr/>
           </a:p>
           <a:p>
-            <a:pPr indent="-285750" lvl="1" marL="742950" rtl="0" algn="l">
+            <a:pPr indent="-281940" lvl="1" marL="914400" rtl="0" algn="l">
               <a:lnSpc>
                 <a:spcPct val="100000"/>
               </a:lnSpc>
@@ -24169,7 +24337,7 @@
           <p:nvPr/>
         </p:nvGraphicFramePr>
         <p:xfrm>
-          <a:off x="789779" y="1064977"/>
+          <a:off x="2845467" y="1081502"/>
           <a:ext cx="3000000" cy="3000000"/>
         </p:xfrm>
         <a:graphic>
@@ -24177,20 +24345,20 @@
             <a:tbl>
               <a:tblPr>
                 <a:noFill/>
-                <a:tableStyleId>{E9094031-47B0-4084-AE28-95B31F5F2D0E}</a:tableStyleId>
+                <a:tableStyleId>{344CBF4B-75C9-485C-BE3F-F8A2DAF0DEF7}</a:tableStyleId>
               </a:tblPr>
               <a:tblGrid>
-                <a:gridCol w="3407450"/>
-                <a:gridCol w="1303500"/>
-                <a:gridCol w="2013225"/>
+                <a:gridCol w="3294400"/>
+                <a:gridCol w="1260250"/>
+                <a:gridCol w="1946425"/>
               </a:tblGrid>
-              <a:tr h="746100">
+              <a:tr h="698875">
                 <a:tc>
                   <a:txBody>
                     <a:bodyPr/>
                     <a:lstStyle/>
                     <a:p>
-                      <a:pPr indent="0" lvl="0" marL="0" marR="0" rtl="0" algn="just">
+                      <a:pPr indent="0" lvl="0" marL="0" marR="0" rtl="0" algn="ctr">
                         <a:lnSpc>
                           <a:spcPct val="107000"/>
                         </a:lnSpc>
@@ -24200,6 +24368,11 @@
                         <a:spcAft>
                           <a:spcPts val="0"/>
                         </a:spcAft>
+                        <a:buClr>
+                          <a:srgbClr val="000000"/>
+                        </a:buClr>
+                        <a:buSzPts val="1500"/>
+                        <a:buFont typeface="Arial"/>
                         <a:buNone/>
                       </a:pPr>
                       <a:r>
@@ -24221,7 +24394,7 @@
                     <a:bodyPr/>
                     <a:lstStyle/>
                     <a:p>
-                      <a:pPr indent="0" lvl="0" marL="0" marR="0" rtl="0" algn="just">
+                      <a:pPr indent="0" lvl="0" marL="0" marR="0" rtl="0" algn="ctr">
                         <a:lnSpc>
                           <a:spcPct val="107000"/>
                         </a:lnSpc>
@@ -24231,6 +24404,11 @@
                         <a:spcAft>
                           <a:spcPts val="0"/>
                         </a:spcAft>
+                        <a:buClr>
+                          <a:srgbClr val="000000"/>
+                        </a:buClr>
+                        <a:buSzPts val="1500"/>
+                        <a:buFont typeface="Arial"/>
                         <a:buNone/>
                       </a:pPr>
                       <a:r>
@@ -24252,7 +24430,7 @@
                     <a:bodyPr/>
                     <a:lstStyle/>
                     <a:p>
-                      <a:pPr indent="0" lvl="0" marL="0" marR="0" rtl="0" algn="just">
+                      <a:pPr indent="0" lvl="0" marL="0" marR="0" rtl="0" algn="ctr">
                         <a:lnSpc>
                           <a:spcPct val="107000"/>
                         </a:lnSpc>
@@ -24262,6 +24440,11 @@
                         <a:spcAft>
                           <a:spcPts val="0"/>
                         </a:spcAft>
+                        <a:buClr>
+                          <a:srgbClr val="000000"/>
+                        </a:buClr>
+                        <a:buSzPts val="1500"/>
+                        <a:buFont typeface="Arial"/>
                         <a:buNone/>
                       </a:pPr>
                       <a:r>
@@ -24279,13 +24462,13 @@
                   <a:tcPr marT="0" marB="0" marR="50450" marL="50450"/>
                 </a:tc>
               </a:tr>
-              <a:tr h="361100">
+              <a:tr h="338250">
                 <a:tc>
                   <a:txBody>
                     <a:bodyPr/>
                     <a:lstStyle/>
                     <a:p>
-                      <a:pPr indent="0" lvl="0" marL="0" marR="0" rtl="0" algn="just">
+                      <a:pPr indent="0" lvl="0" marL="0" marR="0" rtl="0" algn="ctr">
                         <a:lnSpc>
                           <a:spcPct val="107000"/>
                         </a:lnSpc>
@@ -24295,6 +24478,11 @@
                         <a:spcAft>
                           <a:spcPts val="0"/>
                         </a:spcAft>
+                        <a:buClr>
+                          <a:srgbClr val="000000"/>
+                        </a:buClr>
+                        <a:buSzPts val="1500"/>
+                        <a:buFont typeface="Arial"/>
                         <a:buNone/>
                       </a:pPr>
                       <a:r>
@@ -24316,7 +24504,7 @@
                     <a:bodyPr/>
                     <a:lstStyle/>
                     <a:p>
-                      <a:pPr indent="0" lvl="0" marL="0" marR="0" rtl="0" algn="just">
+                      <a:pPr indent="0" lvl="0" marL="0" marR="0" rtl="0" algn="ctr">
                         <a:lnSpc>
                           <a:spcPct val="107000"/>
                         </a:lnSpc>
@@ -24326,6 +24514,11 @@
                         <a:spcAft>
                           <a:spcPts val="0"/>
                         </a:spcAft>
+                        <a:buClr>
+                          <a:srgbClr val="000000"/>
+                        </a:buClr>
+                        <a:buSzPts val="1500"/>
+                        <a:buFont typeface="Arial"/>
                         <a:buNone/>
                       </a:pPr>
                       <a:r>
@@ -24347,7 +24540,7 @@
                     <a:bodyPr/>
                     <a:lstStyle/>
                     <a:p>
-                      <a:pPr indent="0" lvl="0" marL="0" marR="0" rtl="0" algn="just">
+                      <a:pPr indent="0" lvl="0" marL="0" marR="0" rtl="0" algn="ctr">
                         <a:lnSpc>
                           <a:spcPct val="107000"/>
                         </a:lnSpc>
@@ -24357,6 +24550,11 @@
                         <a:spcAft>
                           <a:spcPts val="0"/>
                         </a:spcAft>
+                        <a:buClr>
+                          <a:srgbClr val="000000"/>
+                        </a:buClr>
+                        <a:buSzPts val="1500"/>
+                        <a:buFont typeface="Arial"/>
                         <a:buNone/>
                       </a:pPr>
                       <a:r>
@@ -24374,13 +24572,13 @@
                   <a:tcPr marT="0" marB="0" marR="50450" marL="50450"/>
                 </a:tc>
               </a:tr>
-              <a:tr h="361100">
+              <a:tr h="338250">
                 <a:tc>
                   <a:txBody>
                     <a:bodyPr/>
                     <a:lstStyle/>
                     <a:p>
-                      <a:pPr indent="0" lvl="0" marL="0" marR="0" rtl="0" algn="just">
+                      <a:pPr indent="0" lvl="0" marL="0" marR="0" rtl="0" algn="ctr">
                         <a:lnSpc>
                           <a:spcPct val="107000"/>
                         </a:lnSpc>
@@ -24390,6 +24588,11 @@
                         <a:spcAft>
                           <a:spcPts val="0"/>
                         </a:spcAft>
+                        <a:buClr>
+                          <a:srgbClr val="000000"/>
+                        </a:buClr>
+                        <a:buSzPts val="1500"/>
+                        <a:buFont typeface="Arial"/>
                         <a:buNone/>
                       </a:pPr>
                       <a:r>
@@ -24411,7 +24614,7 @@
                     <a:bodyPr/>
                     <a:lstStyle/>
                     <a:p>
-                      <a:pPr indent="0" lvl="0" marL="0" marR="0" rtl="0" algn="just">
+                      <a:pPr indent="0" lvl="0" marL="0" marR="0" rtl="0" algn="ctr">
                         <a:lnSpc>
                           <a:spcPct val="107000"/>
                         </a:lnSpc>
@@ -24421,6 +24624,11 @@
                         <a:spcAft>
                           <a:spcPts val="0"/>
                         </a:spcAft>
+                        <a:buClr>
+                          <a:srgbClr val="000000"/>
+                        </a:buClr>
+                        <a:buSzPts val="1500"/>
+                        <a:buFont typeface="Arial"/>
                         <a:buNone/>
                       </a:pPr>
                       <a:r>
@@ -24442,7 +24650,7 @@
                     <a:bodyPr/>
                     <a:lstStyle/>
                     <a:p>
-                      <a:pPr indent="0" lvl="0" marL="0" marR="0" rtl="0" algn="just">
+                      <a:pPr indent="0" lvl="0" marL="0" marR="0" rtl="0" algn="ctr">
                         <a:lnSpc>
                           <a:spcPct val="107000"/>
                         </a:lnSpc>
@@ -24452,6 +24660,11 @@
                         <a:spcAft>
                           <a:spcPts val="0"/>
                         </a:spcAft>
+                        <a:buClr>
+                          <a:srgbClr val="000000"/>
+                        </a:buClr>
+                        <a:buSzPts val="1500"/>
+                        <a:buFont typeface="Arial"/>
                         <a:buNone/>
                       </a:pPr>
                       <a:r>
@@ -24469,13 +24682,13 @@
                   <a:tcPr marT="0" marB="0" marR="50450" marL="50450"/>
                 </a:tc>
               </a:tr>
-              <a:tr h="361100">
+              <a:tr h="338250">
                 <a:tc>
                   <a:txBody>
                     <a:bodyPr/>
                     <a:lstStyle/>
                     <a:p>
-                      <a:pPr indent="0" lvl="0" marL="0" marR="0" rtl="0" algn="just">
+                      <a:pPr indent="0" lvl="0" marL="0" marR="0" rtl="0" algn="ctr">
                         <a:lnSpc>
                           <a:spcPct val="107000"/>
                         </a:lnSpc>
@@ -24485,6 +24698,11 @@
                         <a:spcAft>
                           <a:spcPts val="0"/>
                         </a:spcAft>
+                        <a:buClr>
+                          <a:srgbClr val="000000"/>
+                        </a:buClr>
+                        <a:buSzPts val="1500"/>
+                        <a:buFont typeface="Arial"/>
                         <a:buNone/>
                       </a:pPr>
                       <a:r>
@@ -24506,7 +24724,7 @@
                     <a:bodyPr/>
                     <a:lstStyle/>
                     <a:p>
-                      <a:pPr indent="0" lvl="0" marL="0" marR="0" rtl="0" algn="just">
+                      <a:pPr indent="0" lvl="0" marL="0" marR="0" rtl="0" algn="ctr">
                         <a:lnSpc>
                           <a:spcPct val="107000"/>
                         </a:lnSpc>
@@ -24516,6 +24734,11 @@
                         <a:spcAft>
                           <a:spcPts val="0"/>
                         </a:spcAft>
+                        <a:buClr>
+                          <a:srgbClr val="000000"/>
+                        </a:buClr>
+                        <a:buSzPts val="1500"/>
+                        <a:buFont typeface="Arial"/>
                         <a:buNone/>
                       </a:pPr>
                       <a:r>
@@ -24537,7 +24760,7 @@
                     <a:bodyPr/>
                     <a:lstStyle/>
                     <a:p>
-                      <a:pPr indent="0" lvl="0" marL="0" marR="0" rtl="0" algn="just">
+                      <a:pPr indent="0" lvl="0" marL="0" marR="0" rtl="0" algn="ctr">
                         <a:lnSpc>
                           <a:spcPct val="107000"/>
                         </a:lnSpc>
@@ -24547,6 +24770,11 @@
                         <a:spcAft>
                           <a:spcPts val="0"/>
                         </a:spcAft>
+                        <a:buClr>
+                          <a:srgbClr val="000000"/>
+                        </a:buClr>
+                        <a:buSzPts val="1500"/>
+                        <a:buFont typeface="Arial"/>
                         <a:buNone/>
                       </a:pPr>
                       <a:r>
@@ -24564,13 +24792,13 @@
                   <a:tcPr marT="0" marB="0" marR="50450" marL="50450"/>
                 </a:tc>
               </a:tr>
-              <a:tr h="809025">
+              <a:tr h="757825">
                 <a:tc>
                   <a:txBody>
                     <a:bodyPr/>
                     <a:lstStyle/>
                     <a:p>
-                      <a:pPr indent="0" lvl="0" marL="0" marR="0" rtl="0" algn="just">
+                      <a:pPr indent="0" lvl="0" marL="0" marR="0" rtl="0" algn="ctr">
                         <a:lnSpc>
                           <a:spcPct val="107000"/>
                         </a:lnSpc>
@@ -24580,6 +24808,11 @@
                         <a:spcAft>
                           <a:spcPts val="0"/>
                         </a:spcAft>
+                        <a:buClr>
+                          <a:srgbClr val="000000"/>
+                        </a:buClr>
+                        <a:buSzPts val="1500"/>
+                        <a:buFont typeface="Arial"/>
                         <a:buNone/>
                       </a:pPr>
                       <a:r>
@@ -24601,7 +24834,7 @@
                     <a:bodyPr/>
                     <a:lstStyle/>
                     <a:p>
-                      <a:pPr indent="0" lvl="0" marL="0" marR="0" rtl="0" algn="just">
+                      <a:pPr indent="0" lvl="0" marL="0" marR="0" rtl="0" algn="ctr">
                         <a:lnSpc>
                           <a:spcPct val="107000"/>
                         </a:lnSpc>
@@ -24611,16 +24844,21 @@
                         <a:spcAft>
                           <a:spcPts val="0"/>
                         </a:spcAft>
+                        <a:buClr>
+                          <a:srgbClr val="000000"/>
+                        </a:buClr>
+                        <a:buSzPts val="1500"/>
+                        <a:buFont typeface="Arial"/>
                         <a:buNone/>
                       </a:pPr>
                       <a:r>
                         <a:rPr lang="en-US" sz="1500" u="none" cap="none" strike="noStrike"/>
                         <a:t>object </a:t>
                       </a:r>
-                      <a:endParaRPr/>
+                      <a:endParaRPr sz="1400" u="none" cap="none" strike="noStrike"/>
                     </a:p>
                     <a:p>
-                      <a:pPr indent="0" lvl="0" marL="0" marR="0" rtl="0" algn="just">
+                      <a:pPr indent="0" lvl="0" marL="0" marR="0" rtl="0" algn="ctr">
                         <a:lnSpc>
                           <a:spcPct val="107000"/>
                         </a:lnSpc>
@@ -24630,6 +24868,11 @@
                         <a:spcAft>
                           <a:spcPts val="0"/>
                         </a:spcAft>
+                        <a:buClr>
+                          <a:srgbClr val="000000"/>
+                        </a:buClr>
+                        <a:buSzPts val="1500"/>
+                        <a:buFont typeface="Arial"/>
                         <a:buNone/>
                       </a:pPr>
                       <a:r>
@@ -24651,7 +24894,7 @@
                     <a:bodyPr/>
                     <a:lstStyle/>
                     <a:p>
-                      <a:pPr indent="0" lvl="0" marL="0" marR="0" rtl="0" algn="just">
+                      <a:pPr indent="0" lvl="0" marL="0" marR="0" rtl="0" algn="ctr">
                         <a:lnSpc>
                           <a:spcPct val="107000"/>
                         </a:lnSpc>
@@ -24661,6 +24904,11 @@
                         <a:spcAft>
                           <a:spcPts val="0"/>
                         </a:spcAft>
+                        <a:buClr>
+                          <a:srgbClr val="000000"/>
+                        </a:buClr>
+                        <a:buSzPts val="1500"/>
+                        <a:buFont typeface="Arial"/>
                         <a:buNone/>
                       </a:pPr>
                       <a:r>
@@ -24678,13 +24926,13 @@
                   <a:tcPr marT="0" marB="0" marR="50450" marL="50450"/>
                 </a:tc>
               </a:tr>
-              <a:tr h="361100">
+              <a:tr h="338250">
                 <a:tc>
                   <a:txBody>
                     <a:bodyPr/>
                     <a:lstStyle/>
                     <a:p>
-                      <a:pPr indent="0" lvl="0" marL="0" marR="0" rtl="0" algn="just">
+                      <a:pPr indent="0" lvl="0" marL="0" marR="0" rtl="0" algn="ctr">
                         <a:lnSpc>
                           <a:spcPct val="107000"/>
                         </a:lnSpc>
@@ -24694,6 +24942,11 @@
                         <a:spcAft>
                           <a:spcPts val="0"/>
                         </a:spcAft>
+                        <a:buClr>
+                          <a:srgbClr val="000000"/>
+                        </a:buClr>
+                        <a:buSzPts val="1500"/>
+                        <a:buFont typeface="Arial"/>
                         <a:buNone/>
                       </a:pPr>
                       <a:r>
@@ -24715,7 +24968,7 @@
                     <a:bodyPr/>
                     <a:lstStyle/>
                     <a:p>
-                      <a:pPr indent="0" lvl="0" marL="0" marR="0" rtl="0" algn="just">
+                      <a:pPr indent="0" lvl="0" marL="0" marR="0" rtl="0" algn="ctr">
                         <a:lnSpc>
                           <a:spcPct val="107000"/>
                         </a:lnSpc>
@@ -24725,6 +24978,11 @@
                         <a:spcAft>
                           <a:spcPts val="0"/>
                         </a:spcAft>
+                        <a:buClr>
+                          <a:srgbClr val="000000"/>
+                        </a:buClr>
+                        <a:buSzPts val="1500"/>
+                        <a:buFont typeface="Arial"/>
                         <a:buNone/>
                       </a:pPr>
                       <a:r>
@@ -24746,7 +25004,7 @@
                     <a:bodyPr/>
                     <a:lstStyle/>
                     <a:p>
-                      <a:pPr indent="0" lvl="0" marL="0" marR="0" rtl="0" algn="just">
+                      <a:pPr indent="0" lvl="0" marL="0" marR="0" rtl="0" algn="ctr">
                         <a:lnSpc>
                           <a:spcPct val="107000"/>
                         </a:lnSpc>
@@ -24756,6 +25014,11 @@
                         <a:spcAft>
                           <a:spcPts val="0"/>
                         </a:spcAft>
+                        <a:buClr>
+                          <a:srgbClr val="000000"/>
+                        </a:buClr>
+                        <a:buSzPts val="1500"/>
+                        <a:buFont typeface="Arial"/>
                         <a:buNone/>
                       </a:pPr>
                       <a:r>
@@ -24773,13 +25036,13 @@
                   <a:tcPr marT="0" marB="0" marR="50450" marL="50450"/>
                 </a:tc>
               </a:tr>
-              <a:tr h="809025">
+              <a:tr h="757825">
                 <a:tc>
                   <a:txBody>
                     <a:bodyPr/>
                     <a:lstStyle/>
                     <a:p>
-                      <a:pPr indent="0" lvl="0" marL="0" marR="0" rtl="0" algn="just">
+                      <a:pPr indent="0" lvl="0" marL="0" marR="0" rtl="0" algn="ctr">
                         <a:lnSpc>
                           <a:spcPct val="107000"/>
                         </a:lnSpc>
@@ -24789,6 +25052,11 @@
                         <a:spcAft>
                           <a:spcPts val="0"/>
                         </a:spcAft>
+                        <a:buClr>
+                          <a:srgbClr val="000000"/>
+                        </a:buClr>
+                        <a:buSzPts val="1500"/>
+                        <a:buFont typeface="Arial"/>
                         <a:buNone/>
                       </a:pPr>
                       <a:r>
@@ -24810,7 +25078,7 @@
                     <a:bodyPr/>
                     <a:lstStyle/>
                     <a:p>
-                      <a:pPr indent="0" lvl="0" marL="0" marR="0" rtl="0" algn="just">
+                      <a:pPr indent="0" lvl="0" marL="0" marR="0" rtl="0" algn="ctr">
                         <a:lnSpc>
                           <a:spcPct val="107000"/>
                         </a:lnSpc>
@@ -24820,16 +25088,21 @@
                         <a:spcAft>
                           <a:spcPts val="0"/>
                         </a:spcAft>
+                        <a:buClr>
+                          <a:srgbClr val="000000"/>
+                        </a:buClr>
+                        <a:buSzPts val="1500"/>
+                        <a:buFont typeface="Arial"/>
                         <a:buNone/>
                       </a:pPr>
                       <a:r>
                         <a:rPr lang="en-US" sz="1500" u="none" cap="none" strike="noStrike"/>
                         <a:t>object</a:t>
                       </a:r>
-                      <a:endParaRPr/>
+                      <a:endParaRPr sz="1400" u="none" cap="none" strike="noStrike"/>
                     </a:p>
                     <a:p>
-                      <a:pPr indent="0" lvl="0" marL="0" marR="0" rtl="0" algn="just">
+                      <a:pPr indent="0" lvl="0" marL="0" marR="0" rtl="0" algn="ctr">
                         <a:lnSpc>
                           <a:spcPct val="107000"/>
                         </a:lnSpc>
@@ -24839,6 +25112,11 @@
                         <a:spcAft>
                           <a:spcPts val="0"/>
                         </a:spcAft>
+                        <a:buClr>
+                          <a:srgbClr val="000000"/>
+                        </a:buClr>
+                        <a:buSzPts val="1500"/>
+                        <a:buFont typeface="Arial"/>
                         <a:buNone/>
                       </a:pPr>
                       <a:r>
@@ -24860,7 +25138,7 @@
                     <a:bodyPr/>
                     <a:lstStyle/>
                     <a:p>
-                      <a:pPr indent="0" lvl="0" marL="0" marR="0" rtl="0" algn="just">
+                      <a:pPr indent="0" lvl="0" marL="0" marR="0" rtl="0" algn="ctr">
                         <a:lnSpc>
                           <a:spcPct val="107000"/>
                         </a:lnSpc>
@@ -24870,6 +25148,11 @@
                         <a:spcAft>
                           <a:spcPts val="0"/>
                         </a:spcAft>
+                        <a:buClr>
+                          <a:srgbClr val="000000"/>
+                        </a:buClr>
+                        <a:buSzPts val="1500"/>
+                        <a:buFont typeface="Arial"/>
                         <a:buNone/>
                       </a:pPr>
                       <a:r>
@@ -24887,13 +25170,13 @@
                   <a:tcPr marT="0" marB="0" marR="50450" marL="50450"/>
                 </a:tc>
               </a:tr>
-              <a:tr h="361100">
+              <a:tr h="338250">
                 <a:tc>
                   <a:txBody>
                     <a:bodyPr/>
                     <a:lstStyle/>
                     <a:p>
-                      <a:pPr indent="0" lvl="0" marL="0" marR="0" rtl="0" algn="just">
+                      <a:pPr indent="0" lvl="0" marL="0" marR="0" rtl="0" algn="ctr">
                         <a:lnSpc>
                           <a:spcPct val="107000"/>
                         </a:lnSpc>
@@ -24903,6 +25186,11 @@
                         <a:spcAft>
                           <a:spcPts val="0"/>
                         </a:spcAft>
+                        <a:buClr>
+                          <a:srgbClr val="000000"/>
+                        </a:buClr>
+                        <a:buSzPts val="1500"/>
+                        <a:buFont typeface="Arial"/>
                         <a:buNone/>
                       </a:pPr>
                       <a:r>
@@ -24924,7 +25212,7 @@
                     <a:bodyPr/>
                     <a:lstStyle/>
                     <a:p>
-                      <a:pPr indent="0" lvl="0" marL="0" marR="0" rtl="0" algn="just">
+                      <a:pPr indent="0" lvl="0" marL="0" marR="0" rtl="0" algn="ctr">
                         <a:lnSpc>
                           <a:spcPct val="107000"/>
                         </a:lnSpc>
@@ -24934,6 +25222,11 @@
                         <a:spcAft>
                           <a:spcPts val="0"/>
                         </a:spcAft>
+                        <a:buClr>
+                          <a:srgbClr val="000000"/>
+                        </a:buClr>
+                        <a:buSzPts val="1500"/>
+                        <a:buFont typeface="Arial"/>
                         <a:buNone/>
                       </a:pPr>
                       <a:r>
@@ -24955,7 +25248,7 @@
                     <a:bodyPr/>
                     <a:lstStyle/>
                     <a:p>
-                      <a:pPr indent="0" lvl="0" marL="0" marR="0" rtl="0" algn="just">
+                      <a:pPr indent="0" lvl="0" marL="0" marR="0" rtl="0" algn="ctr">
                         <a:lnSpc>
                           <a:spcPct val="107000"/>
                         </a:lnSpc>
@@ -24965,6 +25258,11 @@
                         <a:spcAft>
                           <a:spcPts val="0"/>
                         </a:spcAft>
+                        <a:buClr>
+                          <a:srgbClr val="000000"/>
+                        </a:buClr>
+                        <a:buSzPts val="1500"/>
+                        <a:buFont typeface="Arial"/>
                         <a:buNone/>
                       </a:pPr>
                       <a:r>
@@ -24982,13 +25280,13 @@
                   <a:tcPr marT="0" marB="0" marR="50450" marL="50450"/>
                 </a:tc>
               </a:tr>
-              <a:tr h="361100">
+              <a:tr h="338250">
                 <a:tc>
                   <a:txBody>
                     <a:bodyPr/>
                     <a:lstStyle/>
                     <a:p>
-                      <a:pPr indent="0" lvl="0" marL="0" marR="0" rtl="0" algn="just">
+                      <a:pPr indent="0" lvl="0" marL="0" marR="0" rtl="0" algn="ctr">
                         <a:lnSpc>
                           <a:spcPct val="107000"/>
                         </a:lnSpc>
@@ -24998,6 +25296,11 @@
                         <a:spcAft>
                           <a:spcPts val="0"/>
                         </a:spcAft>
+                        <a:buClr>
+                          <a:srgbClr val="000000"/>
+                        </a:buClr>
+                        <a:buSzPts val="1500"/>
+                        <a:buFont typeface="Arial"/>
                         <a:buNone/>
                       </a:pPr>
                       <a:r>
@@ -25019,7 +25322,7 @@
                     <a:bodyPr/>
                     <a:lstStyle/>
                     <a:p>
-                      <a:pPr indent="0" lvl="0" marL="0" marR="0" rtl="0" algn="just">
+                      <a:pPr indent="0" lvl="0" marL="0" marR="0" rtl="0" algn="ctr">
                         <a:lnSpc>
                           <a:spcPct val="107000"/>
                         </a:lnSpc>
@@ -25029,6 +25332,11 @@
                         <a:spcAft>
                           <a:spcPts val="0"/>
                         </a:spcAft>
+                        <a:buClr>
+                          <a:srgbClr val="000000"/>
+                        </a:buClr>
+                        <a:buSzPts val="1500"/>
+                        <a:buFont typeface="Arial"/>
                         <a:buNone/>
                       </a:pPr>
                       <a:r>
@@ -25050,7 +25358,7 @@
                     <a:bodyPr/>
                     <a:lstStyle/>
                     <a:p>
-                      <a:pPr indent="0" lvl="0" marL="0" marR="0" rtl="0" algn="just">
+                      <a:pPr indent="0" lvl="0" marL="0" marR="0" rtl="0" algn="ctr">
                         <a:lnSpc>
                           <a:spcPct val="107000"/>
                         </a:lnSpc>
@@ -25060,6 +25368,11 @@
                         <a:spcAft>
                           <a:spcPts val="0"/>
                         </a:spcAft>
+                        <a:buClr>
+                          <a:srgbClr val="000000"/>
+                        </a:buClr>
+                        <a:buSzPts val="1500"/>
+                        <a:buFont typeface="Arial"/>
                         <a:buNone/>
                       </a:pPr>
                       <a:r>
@@ -25077,13 +25390,13 @@
                   <a:tcPr marT="0" marB="0" marR="50450" marL="50450"/>
                 </a:tc>
               </a:tr>
-              <a:tr h="361100">
+              <a:tr h="338250">
                 <a:tc>
                   <a:txBody>
                     <a:bodyPr/>
                     <a:lstStyle/>
                     <a:p>
-                      <a:pPr indent="0" lvl="0" marL="0" marR="0" rtl="0" algn="just">
+                      <a:pPr indent="0" lvl="0" marL="0" marR="0" rtl="0" algn="ctr">
                         <a:lnSpc>
                           <a:spcPct val="107000"/>
                         </a:lnSpc>
@@ -25093,6 +25406,11 @@
                         <a:spcAft>
                           <a:spcPts val="0"/>
                         </a:spcAft>
+                        <a:buClr>
+                          <a:srgbClr val="000000"/>
+                        </a:buClr>
+                        <a:buSzPts val="1500"/>
+                        <a:buFont typeface="Arial"/>
                         <a:buNone/>
                       </a:pPr>
                       <a:r>
@@ -25114,7 +25432,7 @@
                     <a:bodyPr/>
                     <a:lstStyle/>
                     <a:p>
-                      <a:pPr indent="0" lvl="0" marL="0" marR="0" rtl="0" algn="l">
+                      <a:pPr indent="0" lvl="0" marL="0" marR="0" rtl="0" algn="ctr">
                         <a:lnSpc>
                           <a:spcPct val="107000"/>
                         </a:lnSpc>
@@ -25124,6 +25442,11 @@
                         <a:spcAft>
                           <a:spcPts val="0"/>
                         </a:spcAft>
+                        <a:buClr>
+                          <a:srgbClr val="000000"/>
+                        </a:buClr>
+                        <a:buSzPts val="1500"/>
+                        <a:buFont typeface="Arial"/>
                         <a:buNone/>
                       </a:pPr>
                       <a:r>
@@ -25145,7 +25468,7 @@
                     <a:bodyPr/>
                     <a:lstStyle/>
                     <a:p>
-                      <a:pPr indent="0" lvl="0" marL="0" marR="0" rtl="0" algn="just">
+                      <a:pPr indent="0" lvl="0" marL="0" marR="0" rtl="0" algn="ctr">
                         <a:lnSpc>
                           <a:spcPct val="107000"/>
                         </a:lnSpc>
@@ -25155,6 +25478,11 @@
                         <a:spcAft>
                           <a:spcPts val="0"/>
                         </a:spcAft>
+                        <a:buClr>
+                          <a:srgbClr val="000000"/>
+                        </a:buClr>
+                        <a:buSzPts val="1500"/>
+                        <a:buFont typeface="Arial"/>
                         <a:buNone/>
                       </a:pPr>
                       <a:r>
@@ -25172,13 +25500,13 @@
                   <a:tcPr marT="0" marB="0" marR="50450" marL="50450"/>
                 </a:tc>
               </a:tr>
-              <a:tr h="361100">
+              <a:tr h="338250">
                 <a:tc>
                   <a:txBody>
                     <a:bodyPr/>
                     <a:lstStyle/>
                     <a:p>
-                      <a:pPr indent="0" lvl="0" marL="0" marR="0" rtl="0" algn="just">
+                      <a:pPr indent="0" lvl="0" marL="0" marR="0" rtl="0" algn="ctr">
                         <a:lnSpc>
                           <a:spcPct val="107000"/>
                         </a:lnSpc>
@@ -25188,6 +25516,11 @@
                         <a:spcAft>
                           <a:spcPts val="0"/>
                         </a:spcAft>
+                        <a:buClr>
+                          <a:srgbClr val="000000"/>
+                        </a:buClr>
+                        <a:buSzPts val="1500"/>
+                        <a:buFont typeface="Arial"/>
                         <a:buNone/>
                       </a:pPr>
                       <a:r>
@@ -25209,7 +25542,7 @@
                     <a:bodyPr/>
                     <a:lstStyle/>
                     <a:p>
-                      <a:pPr indent="0" lvl="0" marL="0" marR="0" rtl="0" algn="just">
+                      <a:pPr indent="0" lvl="0" marL="0" marR="0" rtl="0" algn="ctr">
                         <a:lnSpc>
                           <a:spcPct val="107000"/>
                         </a:lnSpc>
@@ -25219,6 +25552,11 @@
                         <a:spcAft>
                           <a:spcPts val="0"/>
                         </a:spcAft>
+                        <a:buClr>
+                          <a:srgbClr val="000000"/>
+                        </a:buClr>
+                        <a:buSzPts val="1500"/>
+                        <a:buFont typeface="Arial"/>
                         <a:buNone/>
                       </a:pPr>
                       <a:r>
@@ -25240,7 +25578,7 @@
                     <a:bodyPr/>
                     <a:lstStyle/>
                     <a:p>
-                      <a:pPr indent="0" lvl="0" marL="0" marR="0" rtl="0" algn="just">
+                      <a:pPr indent="0" lvl="0" marL="0" marR="0" rtl="0" algn="ctr">
                         <a:lnSpc>
                           <a:spcPct val="107000"/>
                         </a:lnSpc>
@@ -25250,6 +25588,11 @@
                         <a:spcAft>
                           <a:spcPts val="0"/>
                         </a:spcAft>
+                        <a:buClr>
+                          <a:srgbClr val="000000"/>
+                        </a:buClr>
+                        <a:buSzPts val="1500"/>
+                        <a:buFont typeface="Arial"/>
                         <a:buNone/>
                       </a:pPr>
                       <a:r>
@@ -25267,13 +25610,13 @@
                   <a:tcPr marT="0" marB="0" marR="50450" marL="50450"/>
                 </a:tc>
               </a:tr>
-              <a:tr h="361100">
+              <a:tr h="338250">
                 <a:tc>
                   <a:txBody>
                     <a:bodyPr/>
                     <a:lstStyle/>
                     <a:p>
-                      <a:pPr indent="0" lvl="0" marL="0" marR="0" rtl="0" algn="just">
+                      <a:pPr indent="0" lvl="0" marL="0" marR="0" rtl="0" algn="ctr">
                         <a:lnSpc>
                           <a:spcPct val="107000"/>
                         </a:lnSpc>
@@ -25283,6 +25626,11 @@
                         <a:spcAft>
                           <a:spcPts val="0"/>
                         </a:spcAft>
+                        <a:buClr>
+                          <a:srgbClr val="000000"/>
+                        </a:buClr>
+                        <a:buSzPts val="1500"/>
+                        <a:buFont typeface="Arial"/>
                         <a:buNone/>
                       </a:pPr>
                       <a:r>
@@ -25304,7 +25652,7 @@
                     <a:bodyPr/>
                     <a:lstStyle/>
                     <a:p>
-                      <a:pPr indent="0" lvl="0" marL="0" marR="0" rtl="0" algn="just">
+                      <a:pPr indent="0" lvl="0" marL="0" marR="0" rtl="0" algn="ctr">
                         <a:lnSpc>
                           <a:spcPct val="107000"/>
                         </a:lnSpc>
@@ -25314,6 +25662,11 @@
                         <a:spcAft>
                           <a:spcPts val="0"/>
                         </a:spcAft>
+                        <a:buClr>
+                          <a:srgbClr val="000000"/>
+                        </a:buClr>
+                        <a:buSzPts val="1500"/>
+                        <a:buFont typeface="Arial"/>
                         <a:buNone/>
                       </a:pPr>
                       <a:r>
@@ -25335,7 +25688,7 @@
                     <a:bodyPr/>
                     <a:lstStyle/>
                     <a:p>
-                      <a:pPr indent="0" lvl="0" marL="0" marR="0" rtl="0" algn="just">
+                      <a:pPr indent="0" lvl="0" marL="0" marR="0" rtl="0" algn="ctr">
                         <a:lnSpc>
                           <a:spcPct val="107000"/>
                         </a:lnSpc>
@@ -25345,6 +25698,11 @@
                         <a:spcAft>
                           <a:spcPts val="0"/>
                         </a:spcAft>
+                        <a:buClr>
+                          <a:srgbClr val="000000"/>
+                        </a:buClr>
+                        <a:buSzPts val="1500"/>
+                        <a:buFont typeface="Arial"/>
                         <a:buNone/>
                       </a:pPr>
                       <a:r>
@@ -25370,14 +25728,12 @@
         <p:nvSpPr>
           <p:cNvPr id="155" name="Google Shape;155;p22"/>
           <p:cNvSpPr txBox="1"/>
-          <p:nvPr>
-            <p:ph idx="1" type="body"/>
-          </p:nvPr>
+          <p:nvPr/>
         </p:nvSpPr>
         <p:spPr>
           <a:xfrm>
-            <a:off x="-2297528" y="0"/>
-            <a:ext cx="8534400" cy="2058771"/>
+            <a:off x="908900" y="380075"/>
+            <a:ext cx="2297100" cy="523200"/>
           </a:xfrm>
           <a:prstGeom prst="rect">
             <a:avLst/>
@@ -25388,26 +25744,22 @@
           </a:ln>
         </p:spPr>
         <p:txBody>
-          <a:bodyPr anchorCtr="0" anchor="ctr" bIns="45700" lIns="91425" spcFirstLastPara="1" rIns="91425" wrap="square" tIns="45700">
-            <a:normAutofit/>
+          <a:bodyPr anchorCtr="0" anchor="t" bIns="91425" lIns="91425" spcFirstLastPara="1" rIns="91425" wrap="square" tIns="91425">
+            <a:spAutoFit/>
           </a:bodyPr>
           <a:lstStyle/>
           <a:p>
-            <a:pPr indent="0" lvl="8" marL="3657600" rtl="0" algn="l">
-              <a:lnSpc>
-                <a:spcPct val="100000"/>
-              </a:lnSpc>
-              <a:spcBef>
-                <a:spcPts val="0"/>
-              </a:spcBef>
-              <a:spcAft>
-                <a:spcPts val="0"/>
-              </a:spcAft>
-              <a:buSzPts val="1760"/>
+            <a:pPr indent="0" lvl="0" marL="0" rtl="0" algn="l">
+              <a:spcBef>
+                <a:spcPts val="0"/>
+              </a:spcBef>
+              <a:spcAft>
+                <a:spcPts val="0"/>
+              </a:spcAft>
               <a:buNone/>
             </a:pPr>
             <a:r>
-              <a:rPr lang="en-US" sz="2200">
+              <a:rPr b="1" lang="en-US" sz="2200">
                 <a:solidFill>
                   <a:schemeClr val="lt1"/>
                 </a:solidFill>
@@ -25418,45 +25770,15 @@
               </a:rPr>
               <a:t>Data Schema</a:t>
             </a:r>
-            <a:endParaRPr/>
-          </a:p>
-          <a:p>
-            <a:pPr indent="-184150" lvl="0" marL="285750" rtl="0" algn="l">
-              <a:lnSpc>
-                <a:spcPct val="100000"/>
-              </a:lnSpc>
-              <a:spcBef>
-                <a:spcPts val="1000"/>
-              </a:spcBef>
-              <a:spcAft>
-                <a:spcPts val="0"/>
-              </a:spcAft>
-              <a:buSzPts val="1600"/>
-              <a:buNone/>
-            </a:pPr>
-            <a:r>
-              <a:t/>
-            </a:r>
-            <a:endParaRPr/>
-          </a:p>
-          <a:p>
-            <a:pPr indent="-184150" lvl="0" marL="285750" rtl="0" algn="l">
-              <a:lnSpc>
-                <a:spcPct val="100000"/>
-              </a:lnSpc>
-              <a:spcBef>
-                <a:spcPts val="1000"/>
-              </a:spcBef>
-              <a:spcAft>
-                <a:spcPts val="0"/>
-              </a:spcAft>
-              <a:buSzPts val="1600"/>
-              <a:buNone/>
-            </a:pPr>
-            <a:r>
-              <a:t/>
-            </a:r>
-            <a:endParaRPr/>
+            <a:endParaRPr b="1" sz="2200">
+              <a:solidFill>
+                <a:schemeClr val="lt1"/>
+              </a:solidFill>
+              <a:latin typeface="Times New Roman"/>
+              <a:ea typeface="Times New Roman"/>
+              <a:cs typeface="Times New Roman"/>
+              <a:sym typeface="Times New Roman"/>
+            </a:endParaRPr>
           </a:p>
         </p:txBody>
       </p:sp>
@@ -25485,103 +25807,9 @@
           <a:chExt cx="0" cy="0"/>
         </a:xfrm>
       </p:grpSpPr>
-      <p:sp>
-        <p:nvSpPr>
-          <p:cNvPr id="160" name="Google Shape;160;p23"/>
-          <p:cNvSpPr txBox="1"/>
-          <p:nvPr>
-            <p:ph idx="1" type="body"/>
-          </p:nvPr>
-        </p:nvSpPr>
-        <p:spPr>
-          <a:xfrm>
-            <a:off x="684212" y="685800"/>
-            <a:ext cx="8534400" cy="2058771"/>
-          </a:xfrm>
-          <a:prstGeom prst="rect">
-            <a:avLst/>
-          </a:prstGeom>
-          <a:noFill/>
-          <a:ln>
-            <a:noFill/>
-          </a:ln>
-        </p:spPr>
-        <p:txBody>
-          <a:bodyPr anchorCtr="0" anchor="ctr" bIns="45700" lIns="91425" spcFirstLastPara="1" rIns="91425" wrap="square" tIns="45700">
-            <a:normAutofit/>
-          </a:bodyPr>
-          <a:lstStyle/>
-          <a:p>
-            <a:pPr indent="0" lvl="8" marL="3657600" rtl="0" algn="l">
-              <a:lnSpc>
-                <a:spcPct val="100000"/>
-              </a:lnSpc>
-              <a:spcBef>
-                <a:spcPts val="0"/>
-              </a:spcBef>
-              <a:spcAft>
-                <a:spcPts val="0"/>
-              </a:spcAft>
-              <a:buSzPts val="1760"/>
-              <a:buNone/>
-            </a:pPr>
-            <a:r>
-              <a:rPr lang="en-US" sz="2200">
-                <a:solidFill>
-                  <a:schemeClr val="lt1"/>
-                </a:solidFill>
-                <a:latin typeface="Times New Roman"/>
-                <a:ea typeface="Times New Roman"/>
-                <a:cs typeface="Times New Roman"/>
-                <a:sym typeface="Times New Roman"/>
-              </a:rPr>
-              <a:t>Architecture</a:t>
-            </a:r>
-            <a:endParaRPr/>
-          </a:p>
-          <a:p>
-            <a:pPr indent="-184150" lvl="0" marL="285750" rtl="0" algn="l">
-              <a:lnSpc>
-                <a:spcPct val="100000"/>
-              </a:lnSpc>
-              <a:spcBef>
-                <a:spcPts val="1000"/>
-              </a:spcBef>
-              <a:spcAft>
-                <a:spcPts val="0"/>
-              </a:spcAft>
-              <a:buSzPts val="1600"/>
-              <a:buNone/>
-            </a:pPr>
-            <a:r>
-              <a:t/>
-            </a:r>
-            <a:endParaRPr/>
-          </a:p>
-          <a:p>
-            <a:pPr indent="-184150" lvl="0" marL="285750" rtl="0" algn="l">
-              <a:lnSpc>
-                <a:spcPct val="100000"/>
-              </a:lnSpc>
-              <a:spcBef>
-                <a:spcPts val="1000"/>
-              </a:spcBef>
-              <a:spcAft>
-                <a:spcPts val="0"/>
-              </a:spcAft>
-              <a:buSzPts val="1600"/>
-              <a:buNone/>
-            </a:pPr>
-            <a:r>
-              <a:t/>
-            </a:r>
-            <a:endParaRPr/>
-          </a:p>
-        </p:txBody>
-      </p:sp>
       <p:pic>
         <p:nvPicPr>
-          <p:cNvPr id="161" name="Google Shape;161;p23"/>
+          <p:cNvPr id="160" name="Google Shape;160;p23"/>
           <p:cNvPicPr preferRelativeResize="0"/>
           <p:nvPr/>
         </p:nvPicPr>
@@ -25594,7 +25822,7 @@
         </p:blipFill>
         <p:spPr>
           <a:xfrm>
-            <a:off x="2835965" y="1948069"/>
+            <a:off x="3319665" y="1700194"/>
             <a:ext cx="5552660" cy="4419600"/>
           </a:xfrm>
           <a:prstGeom prst="rect">
@@ -25606,6 +25834,64 @@
           </a:ln>
         </p:spPr>
       </p:pic>
+      <p:sp>
+        <p:nvSpPr>
+          <p:cNvPr id="161" name="Google Shape;161;p23"/>
+          <p:cNvSpPr txBox="1"/>
+          <p:nvPr/>
+        </p:nvSpPr>
+        <p:spPr>
+          <a:xfrm>
+            <a:off x="935575" y="512275"/>
+            <a:ext cx="2055600" cy="523200"/>
+          </a:xfrm>
+          <a:prstGeom prst="rect">
+            <a:avLst/>
+          </a:prstGeom>
+          <a:noFill/>
+          <a:ln>
+            <a:noFill/>
+          </a:ln>
+        </p:spPr>
+        <p:txBody>
+          <a:bodyPr anchorCtr="0" anchor="t" bIns="91425" lIns="91425" spcFirstLastPara="1" rIns="91425" wrap="square" tIns="91425">
+            <a:spAutoFit/>
+          </a:bodyPr>
+          <a:lstStyle/>
+          <a:p>
+            <a:pPr indent="0" lvl="0" marL="0" rtl="0" algn="l">
+              <a:spcBef>
+                <a:spcPts val="0"/>
+              </a:spcBef>
+              <a:spcAft>
+                <a:spcPts val="0"/>
+              </a:spcAft>
+              <a:buNone/>
+            </a:pPr>
+            <a:r>
+              <a:rPr b="1" lang="en-US" sz="2200">
+                <a:solidFill>
+                  <a:schemeClr val="lt1"/>
+                </a:solidFill>
+                <a:latin typeface="Times New Roman"/>
+                <a:ea typeface="Times New Roman"/>
+                <a:cs typeface="Times New Roman"/>
+                <a:sym typeface="Times New Roman"/>
+              </a:rPr>
+              <a:t>Architecture</a:t>
+            </a:r>
+            <a:endParaRPr b="1" sz="2200">
+              <a:solidFill>
+                <a:schemeClr val="lt1"/>
+              </a:solidFill>
+              <a:latin typeface="Times New Roman"/>
+              <a:ea typeface="Times New Roman"/>
+              <a:cs typeface="Times New Roman"/>
+              <a:sym typeface="Times New Roman"/>
+            </a:endParaRPr>
+          </a:p>
+        </p:txBody>
+      </p:sp>
     </p:spTree>
   </p:cSld>
   <p:clrMapOvr>
@@ -25639,8 +25925,8 @@
         </p:nvSpPr>
         <p:spPr>
           <a:xfrm>
-            <a:off x="185529" y="340543"/>
-            <a:ext cx="11622157" cy="6045245"/>
+            <a:off x="0" y="50"/>
+            <a:ext cx="12192000" cy="6858000"/>
           </a:xfrm>
           <a:prstGeom prst="rect">
             <a:avLst/>
@@ -25656,43 +25942,92 @@
           </a:bodyPr>
           <a:lstStyle/>
           <a:p>
-            <a:pPr indent="0" lvl="0" marL="0" marR="0" rtl="0" algn="just">
-              <a:lnSpc>
-                <a:spcPct val="100000"/>
-              </a:lnSpc>
-              <a:spcBef>
-                <a:spcPts val="0"/>
-              </a:spcBef>
-              <a:spcAft>
-                <a:spcPts val="0"/>
-              </a:spcAft>
+            <a:pPr indent="0" lvl="0" marL="457200" marR="0" rtl="0" algn="just">
+              <a:lnSpc>
+                <a:spcPct val="100000"/>
+              </a:lnSpc>
+              <a:spcBef>
+                <a:spcPts val="0"/>
+              </a:spcBef>
+              <a:spcAft>
+                <a:spcPts val="0"/>
+              </a:spcAft>
+              <a:buClr>
+                <a:srgbClr val="000000"/>
+              </a:buClr>
+              <a:buSzPts val="2000"/>
+              <a:buFont typeface="Arial"/>
               <a:buNone/>
             </a:pPr>
             <a:r>
-              <a:rPr b="1" i="0" lang="en-US" sz="2000" u="none" cap="none" strike="noStrike">
+              <a:t/>
+            </a:r>
+            <a:endParaRPr b="1" sz="2200">
+              <a:solidFill>
+                <a:schemeClr val="lt1"/>
+              </a:solidFill>
+              <a:latin typeface="Times New Roman"/>
+              <a:ea typeface="Times New Roman"/>
+              <a:cs typeface="Times New Roman"/>
+              <a:sym typeface="Times New Roman"/>
+            </a:endParaRPr>
+          </a:p>
+          <a:p>
+            <a:pPr indent="0" lvl="0" marL="457200" marR="579474" rtl="0" algn="just">
+              <a:lnSpc>
+                <a:spcPct val="100000"/>
+              </a:lnSpc>
+              <a:spcBef>
+                <a:spcPts val="0"/>
+              </a:spcBef>
+              <a:spcAft>
+                <a:spcPts val="0"/>
+              </a:spcAft>
+              <a:buClr>
+                <a:srgbClr val="000000"/>
+              </a:buClr>
+              <a:buSzPts val="2000"/>
+              <a:buFont typeface="Arial"/>
+              <a:buNone/>
+            </a:pPr>
+            <a:r>
+              <a:rPr b="1" i="0" lang="en-US" sz="2200" u="none" cap="none" strike="noStrike">
                 <a:solidFill>
                   <a:schemeClr val="lt1"/>
                 </a:solidFill>
-                <a:latin typeface="Calibri"/>
-                <a:ea typeface="Calibri"/>
-                <a:cs typeface="Calibri"/>
-                <a:sym typeface="Calibri"/>
+                <a:latin typeface="Times New Roman"/>
+                <a:ea typeface="Times New Roman"/>
+                <a:cs typeface="Times New Roman"/>
+                <a:sym typeface="Times New Roman"/>
               </a:rPr>
               <a:t>Architecture Description</a:t>
             </a:r>
-            <a:endParaRPr/>
+            <a:endParaRPr i="0" sz="2200" u="none" cap="none" strike="noStrike">
+              <a:solidFill>
+                <a:srgbClr val="000000"/>
+              </a:solidFill>
+              <a:latin typeface="Times New Roman"/>
+              <a:ea typeface="Times New Roman"/>
+              <a:cs typeface="Times New Roman"/>
+              <a:sym typeface="Times New Roman"/>
+            </a:endParaRPr>
           </a:p>
           <a:p>
-            <a:pPr indent="0" lvl="0" marL="0" marR="0" rtl="0" algn="just">
-              <a:lnSpc>
-                <a:spcPct val="100000"/>
-              </a:lnSpc>
-              <a:spcBef>
-                <a:spcPts val="0"/>
-              </a:spcBef>
-              <a:spcAft>
-                <a:spcPts val="0"/>
-              </a:spcAft>
+            <a:pPr indent="0" lvl="0" marL="457200" marR="579474" rtl="0" algn="just">
+              <a:lnSpc>
+                <a:spcPct val="100000"/>
+              </a:lnSpc>
+              <a:spcBef>
+                <a:spcPts val="0"/>
+              </a:spcBef>
+              <a:spcAft>
+                <a:spcPts val="0"/>
+              </a:spcAft>
+              <a:buClr>
+                <a:srgbClr val="000000"/>
+              </a:buClr>
+              <a:buSzPts val="1500"/>
+              <a:buFont typeface="Arial"/>
               <a:buNone/>
             </a:pPr>
             <a:r>
@@ -25718,7 +26053,7 @@
             </a:endParaRPr>
           </a:p>
           <a:p>
-            <a:pPr indent="0" lvl="0" marL="0" marR="0" rtl="0" algn="just">
+            <a:pPr indent="0" lvl="0" marL="457200" marR="579474" rtl="0" algn="just">
               <a:lnSpc>
                 <a:spcPct val="100000"/>
               </a:lnSpc>
@@ -25728,6 +26063,11 @@
               <a:spcAft>
                 <a:spcPts val="0"/>
               </a:spcAft>
+              <a:buClr>
+                <a:srgbClr val="000000"/>
+              </a:buClr>
+              <a:buSzPts val="1500"/>
+              <a:buFont typeface="Arial"/>
               <a:buNone/>
             </a:pPr>
             <a:r>
@@ -25747,26 +26087,39 @@
                 <a:solidFill>
                   <a:schemeClr val="lt1"/>
                 </a:solidFill>
-                <a:latin typeface="Calibri"/>
-                <a:ea typeface="Calibri"/>
-                <a:cs typeface="Calibri"/>
-                <a:sym typeface="Calibri"/>
+                <a:latin typeface="Times New Roman"/>
+                <a:ea typeface="Times New Roman"/>
+                <a:cs typeface="Times New Roman"/>
+                <a:sym typeface="Times New Roman"/>
               </a:rPr>
               <a:t>Data Description</a:t>
             </a:r>
-            <a:endParaRPr/>
+            <a:endParaRPr i="0" sz="1800" u="none" cap="none" strike="noStrike">
+              <a:solidFill>
+                <a:srgbClr val="000000"/>
+              </a:solidFill>
+              <a:latin typeface="Times New Roman"/>
+              <a:ea typeface="Times New Roman"/>
+              <a:cs typeface="Times New Roman"/>
+              <a:sym typeface="Times New Roman"/>
+            </a:endParaRPr>
           </a:p>
           <a:p>
-            <a:pPr indent="0" lvl="0" marL="0" marR="0" rtl="0" algn="just">
-              <a:lnSpc>
-                <a:spcPct val="100000"/>
-              </a:lnSpc>
-              <a:spcBef>
-                <a:spcPts val="0"/>
-              </a:spcBef>
-              <a:spcAft>
-                <a:spcPts val="0"/>
-              </a:spcAft>
+            <a:pPr indent="0" lvl="0" marL="0" marR="579474" rtl="0" algn="just">
+              <a:lnSpc>
+                <a:spcPct val="100000"/>
+              </a:lnSpc>
+              <a:spcBef>
+                <a:spcPts val="0"/>
+              </a:spcBef>
+              <a:spcAft>
+                <a:spcPts val="0"/>
+              </a:spcAft>
+              <a:buClr>
+                <a:srgbClr val="000000"/>
+              </a:buClr>
+              <a:buSzPts val="1500"/>
+              <a:buFont typeface="Arial"/>
               <a:buNone/>
             </a:pPr>
             <a:r>
@@ -25792,227 +26145,78 @@
             </a:endParaRPr>
           </a:p>
           <a:p>
-            <a:pPr indent="0" lvl="0" marL="165100" marR="577850" rtl="0" algn="just">
-              <a:lnSpc>
-                <a:spcPct val="100000"/>
-              </a:lnSpc>
-              <a:spcBef>
-                <a:spcPts val="0"/>
-              </a:spcBef>
-              <a:spcAft>
-                <a:spcPts val="0"/>
-              </a:spcAft>
+            <a:pPr indent="0" lvl="0" marL="914400" marR="579474" rtl="0" algn="just">
+              <a:lnSpc>
+                <a:spcPct val="100000"/>
+              </a:lnSpc>
+              <a:spcBef>
+                <a:spcPts val="0"/>
+              </a:spcBef>
+              <a:spcAft>
+                <a:spcPts val="0"/>
+              </a:spcAft>
+              <a:buClr>
+                <a:srgbClr val="000000"/>
+              </a:buClr>
+              <a:buSzPts val="1500"/>
+              <a:buFont typeface="Arial"/>
               <a:buNone/>
             </a:pPr>
             <a:r>
-              <a:rPr b="0" i="0" lang="en-US" sz="1500" u="none" cap="none" strike="noStrike">
+              <a:rPr i="0" lang="en-US" sz="1800" u="none" cap="none" strike="noStrike">
                 <a:solidFill>
                   <a:schemeClr val="lt1"/>
                 </a:solidFill>
-                <a:latin typeface="Calibri"/>
-                <a:ea typeface="Calibri"/>
-                <a:cs typeface="Calibri"/>
-                <a:sym typeface="Calibri"/>
+                <a:latin typeface="Times New Roman"/>
+                <a:ea typeface="Times New Roman"/>
+                <a:cs typeface="Times New Roman"/>
+                <a:sym typeface="Times New Roman"/>
               </a:rPr>
               <a:t>The dataset used in this project is collected from Kaggle. The dataset is divided into two sets of data. One is the test (5681) data and the other is the train (8523) data. The train dataset has both input and output variables.</a:t>
             </a:r>
-            <a:endParaRPr/>
+            <a:endParaRPr i="0" sz="1800" u="none" cap="none" strike="noStrike">
+              <a:solidFill>
+                <a:srgbClr val="000000"/>
+              </a:solidFill>
+              <a:latin typeface="Times New Roman"/>
+              <a:ea typeface="Times New Roman"/>
+              <a:cs typeface="Times New Roman"/>
+              <a:sym typeface="Times New Roman"/>
+            </a:endParaRPr>
           </a:p>
           <a:p>
-            <a:pPr indent="0" lvl="0" marL="0" marR="0" rtl="0" algn="just">
-              <a:lnSpc>
-                <a:spcPct val="100000"/>
-              </a:lnSpc>
-              <a:spcBef>
-                <a:spcPts val="15"/>
-              </a:spcBef>
-              <a:spcAft>
-                <a:spcPts val="0"/>
-              </a:spcAft>
+            <a:pPr indent="0" lvl="0" marL="0" marR="579474" rtl="0" algn="just">
+              <a:lnSpc>
+                <a:spcPct val="100000"/>
+              </a:lnSpc>
+              <a:spcBef>
+                <a:spcPts val="25"/>
+              </a:spcBef>
+              <a:spcAft>
+                <a:spcPts val="0"/>
+              </a:spcAft>
+              <a:buClr>
+                <a:srgbClr val="000000"/>
+              </a:buClr>
+              <a:buSzPts val="1500"/>
+              <a:buFont typeface="Arial"/>
               <a:buNone/>
             </a:pPr>
             <a:r>
-              <a:rPr b="0" i="0" lang="en-US" sz="1500" u="none" cap="none" strike="noStrike">
-                <a:solidFill>
-                  <a:schemeClr val="lt1"/>
-                </a:solidFill>
-                <a:latin typeface="Calibri"/>
-                <a:ea typeface="Calibri"/>
-                <a:cs typeface="Calibri"/>
-                <a:sym typeface="Calibri"/>
-              </a:rPr>
-              <a:t> </a:t>
+              <a:t/>
             </a:r>
-            <a:endParaRPr b="0" i="0" sz="1500" u="none" cap="none" strike="noStrike">
+            <a:endParaRPr i="0" sz="1500" u="none" cap="none" strike="noStrike">
               <a:solidFill>
                 <a:schemeClr val="lt1"/>
               </a:solidFill>
-              <a:latin typeface="Calibri"/>
-              <a:ea typeface="Calibri"/>
-              <a:cs typeface="Calibri"/>
-              <a:sym typeface="Calibri"/>
+              <a:latin typeface="Times New Roman"/>
+              <a:ea typeface="Times New Roman"/>
+              <a:cs typeface="Times New Roman"/>
+              <a:sym typeface="Times New Roman"/>
             </a:endParaRPr>
           </a:p>
           <a:p>
-            <a:pPr indent="0" lvl="0" marL="0" marR="0" rtl="0" algn="just">
-              <a:lnSpc>
-                <a:spcPct val="100000"/>
-              </a:lnSpc>
-              <a:spcBef>
-                <a:spcPts val="15"/>
-              </a:spcBef>
-              <a:spcAft>
-                <a:spcPts val="0"/>
-              </a:spcAft>
-              <a:buNone/>
-            </a:pPr>
-            <a:r>
-              <a:rPr b="1" i="0" lang="en-US" sz="1800" u="none" cap="none" strike="noStrike">
-                <a:solidFill>
-                  <a:schemeClr val="lt1"/>
-                </a:solidFill>
-                <a:latin typeface="Calibri"/>
-                <a:ea typeface="Calibri"/>
-                <a:cs typeface="Calibri"/>
-                <a:sym typeface="Calibri"/>
-              </a:rPr>
-              <a:t>Data Insertion into Database</a:t>
-            </a:r>
-            <a:endParaRPr/>
-          </a:p>
-          <a:p>
-            <a:pPr indent="0" lvl="0" marL="0" marR="0" rtl="0" algn="just">
-              <a:lnSpc>
-                <a:spcPct val="100000"/>
-              </a:lnSpc>
-              <a:spcBef>
-                <a:spcPts val="0"/>
-              </a:spcBef>
-              <a:spcAft>
-                <a:spcPts val="0"/>
-              </a:spcAft>
-              <a:buNone/>
-            </a:pPr>
-            <a:r>
-              <a:rPr b="0" i="0" lang="en-US" sz="1500" u="none" cap="none" strike="noStrike">
-                <a:solidFill>
-                  <a:schemeClr val="lt1"/>
-                </a:solidFill>
-                <a:latin typeface="Calibri"/>
-                <a:ea typeface="Calibri"/>
-                <a:cs typeface="Calibri"/>
-                <a:sym typeface="Calibri"/>
-              </a:rPr>
-              <a:t> </a:t>
-            </a:r>
-            <a:endParaRPr b="0" i="0" sz="1500" u="none" cap="none" strike="noStrike">
-              <a:solidFill>
-                <a:schemeClr val="lt1"/>
-              </a:solidFill>
-              <a:latin typeface="Calibri"/>
-              <a:ea typeface="Calibri"/>
-              <a:cs typeface="Calibri"/>
-              <a:sym typeface="Calibri"/>
-            </a:endParaRPr>
-          </a:p>
-          <a:p>
-            <a:pPr indent="-342900" lvl="0" marL="342900" marR="758825" rtl="0" algn="just">
-              <a:lnSpc>
-                <a:spcPct val="100000"/>
-              </a:lnSpc>
-              <a:spcBef>
-                <a:spcPts val="0"/>
-              </a:spcBef>
-              <a:spcAft>
-                <a:spcPts val="0"/>
-              </a:spcAft>
-              <a:buClr>
-                <a:srgbClr val="000000"/>
-              </a:buClr>
-              <a:buSzPts val="1100"/>
-              <a:buFont typeface="Calibri"/>
-              <a:buAutoNum type="alphaLcPeriod"/>
-            </a:pPr>
-            <a:r>
-              <a:rPr b="0" i="0" lang="en-US" sz="1500" u="none" cap="none" strike="noStrike">
-                <a:solidFill>
-                  <a:schemeClr val="lt1"/>
-                </a:solidFill>
-                <a:latin typeface="Calibri"/>
-                <a:ea typeface="Calibri"/>
-                <a:cs typeface="Calibri"/>
-                <a:sym typeface="Calibri"/>
-              </a:rPr>
-              <a:t>Database Creation and connection - Create a database with name passed. If the database is already created, open the connection to the database.</a:t>
-            </a:r>
-            <a:endParaRPr/>
-          </a:p>
-          <a:p>
-            <a:pPr indent="-342900" lvl="0" marL="342900" marR="0" rtl="0" algn="just">
-              <a:lnSpc>
-                <a:spcPct val="100000"/>
-              </a:lnSpc>
-              <a:spcBef>
-                <a:spcPts val="5"/>
-              </a:spcBef>
-              <a:spcAft>
-                <a:spcPts val="0"/>
-              </a:spcAft>
-              <a:buClr>
-                <a:srgbClr val="000000"/>
-              </a:buClr>
-              <a:buSzPts val="1100"/>
-              <a:buFont typeface="Calibri"/>
-              <a:buAutoNum type="alphaLcPeriod"/>
-            </a:pPr>
-            <a:r>
-              <a:rPr b="0" i="0" lang="en-US" sz="1500" u="none" cap="none" strike="noStrike">
-                <a:solidFill>
-                  <a:schemeClr val="lt1"/>
-                </a:solidFill>
-                <a:latin typeface="Calibri"/>
-                <a:ea typeface="Calibri"/>
-                <a:cs typeface="Calibri"/>
-                <a:sym typeface="Calibri"/>
-              </a:rPr>
-              <a:t>Table creation in the database.</a:t>
-            </a:r>
-            <a:endParaRPr/>
-          </a:p>
-          <a:p>
-            <a:pPr indent="-342900" lvl="0" marL="342900" marR="0" rtl="0" algn="just">
-              <a:lnSpc>
-                <a:spcPct val="100000"/>
-              </a:lnSpc>
-              <a:spcBef>
-                <a:spcPts val="5"/>
-              </a:spcBef>
-              <a:spcAft>
-                <a:spcPts val="0"/>
-              </a:spcAft>
-              <a:buClr>
-                <a:srgbClr val="000000"/>
-              </a:buClr>
-              <a:buSzPts val="1100"/>
-              <a:buFont typeface="Calibri"/>
-              <a:buAutoNum type="alphaLcPeriod"/>
-            </a:pPr>
-            <a:r>
-              <a:rPr b="0" i="0" lang="en-US" sz="1500" u="none" cap="none" strike="noStrike">
-                <a:solidFill>
-                  <a:schemeClr val="lt1"/>
-                </a:solidFill>
-                <a:latin typeface="Calibri"/>
-                <a:ea typeface="Calibri"/>
-                <a:cs typeface="Calibri"/>
-                <a:sym typeface="Calibri"/>
-              </a:rPr>
-              <a:t>Insertion of files in the table</a:t>
-            </a:r>
-            <a:endParaRPr/>
-          </a:p>
-          <a:p>
-            <a:pPr indent="0" lvl="0" marL="0" marR="0" rtl="0" algn="just">
+            <a:pPr indent="0" lvl="0" marL="0" marR="579474" rtl="0" algn="just">
               <a:lnSpc>
                 <a:spcPct val="100000"/>
               </a:lnSpc>
@@ -26022,41 +26226,11 @@
               <a:spcAft>
                 <a:spcPts val="0"/>
               </a:spcAft>
-              <a:buNone/>
-            </a:pPr>
-            <a:r>
-              <a:rPr b="0" i="0" lang="en-US" sz="1500" u="none" cap="none" strike="noStrike">
-                <a:solidFill>
-                  <a:schemeClr val="lt1"/>
-                </a:solidFill>
-                <a:latin typeface="Calibri"/>
-                <a:ea typeface="Calibri"/>
-                <a:cs typeface="Calibri"/>
-                <a:sym typeface="Calibri"/>
-              </a:rPr>
-              <a:t> </a:t>
-            </a:r>
-            <a:endParaRPr b="0" i="0" sz="1500" u="none" cap="none" strike="noStrike">
-              <a:solidFill>
-                <a:schemeClr val="lt1"/>
-              </a:solidFill>
-              <a:latin typeface="Calibri"/>
-              <a:ea typeface="Calibri"/>
-              <a:cs typeface="Calibri"/>
-              <a:sym typeface="Calibri"/>
-            </a:endParaRPr>
-          </a:p>
-          <a:p>
-            <a:pPr indent="0" lvl="0" marL="0" marR="0" rtl="0" algn="just">
-              <a:lnSpc>
-                <a:spcPct val="100000"/>
-              </a:lnSpc>
-              <a:spcBef>
-                <a:spcPts val="25"/>
-              </a:spcBef>
-              <a:spcAft>
-                <a:spcPts val="0"/>
-              </a:spcAft>
+              <a:buClr>
+                <a:srgbClr val="000000"/>
+              </a:buClr>
+              <a:buSzPts val="1800"/>
+              <a:buFont typeface="Arial"/>
               <a:buNone/>
             </a:pPr>
             <a:r>
@@ -26066,14 +26240,14 @@
               <a:solidFill>
                 <a:schemeClr val="lt1"/>
               </a:solidFill>
-              <a:latin typeface="Calibri"/>
-              <a:ea typeface="Calibri"/>
-              <a:cs typeface="Calibri"/>
-              <a:sym typeface="Calibri"/>
+              <a:latin typeface="Times New Roman"/>
+              <a:ea typeface="Times New Roman"/>
+              <a:cs typeface="Times New Roman"/>
+              <a:sym typeface="Times New Roman"/>
             </a:endParaRPr>
           </a:p>
           <a:p>
-            <a:pPr indent="0" lvl="0" marL="0" marR="0" rtl="0" algn="just">
+            <a:pPr indent="0" lvl="0" marL="457200" marR="579474" rtl="0" algn="just">
               <a:lnSpc>
                 <a:spcPct val="100000"/>
               </a:lnSpc>
@@ -26083,6 +26257,11 @@
               <a:spcAft>
                 <a:spcPts val="0"/>
               </a:spcAft>
+              <a:buClr>
+                <a:srgbClr val="000000"/>
+              </a:buClr>
+              <a:buSzPts val="1800"/>
+              <a:buFont typeface="Arial"/>
               <a:buNone/>
             </a:pPr>
             <a:r>
@@ -26090,17 +26269,25 @@
                 <a:solidFill>
                   <a:schemeClr val="lt1"/>
                 </a:solidFill>
-                <a:latin typeface="Calibri"/>
-                <a:ea typeface="Calibri"/>
-                <a:cs typeface="Calibri"/>
-                <a:sym typeface="Calibri"/>
+                <a:latin typeface="Times New Roman"/>
+                <a:ea typeface="Times New Roman"/>
+                <a:cs typeface="Times New Roman"/>
+                <a:sym typeface="Times New Roman"/>
               </a:rPr>
               <a:t>Data Pre-processing</a:t>
             </a:r>
-            <a:endParaRPr/>
+            <a:endParaRPr i="0" sz="1400" u="none" cap="none" strike="noStrike">
+              <a:solidFill>
+                <a:srgbClr val="000000"/>
+              </a:solidFill>
+              <a:latin typeface="Times New Roman"/>
+              <a:ea typeface="Times New Roman"/>
+              <a:cs typeface="Times New Roman"/>
+              <a:sym typeface="Times New Roman"/>
+            </a:endParaRPr>
           </a:p>
           <a:p>
-            <a:pPr indent="0" lvl="0" marL="165100" marR="508000" rtl="0" algn="just">
+            <a:pPr indent="0" lvl="0" marL="914400" marR="579474" rtl="0" algn="just">
               <a:lnSpc>
                 <a:spcPct val="100000"/>
               </a:lnSpc>
@@ -26110,36 +26297,37 @@
               <a:spcAft>
                 <a:spcPts val="0"/>
               </a:spcAft>
+              <a:buClr>
+                <a:srgbClr val="000000"/>
+              </a:buClr>
+              <a:buSzPts val="1500"/>
+              <a:buFont typeface="Arial"/>
               <a:buNone/>
             </a:pPr>
             <a:r>
-              <a:rPr b="0" i="0" lang="en-US" sz="1500" u="none" cap="none" strike="noStrike">
+              <a:rPr i="0" lang="en-US" sz="1800" u="none" cap="none" strike="noStrike">
                 <a:solidFill>
                   <a:schemeClr val="lt1"/>
                 </a:solidFill>
-                <a:latin typeface="Arial"/>
-                <a:ea typeface="Arial"/>
-                <a:cs typeface="Arial"/>
-                <a:sym typeface="Arial"/>
+                <a:latin typeface="Times New Roman"/>
+                <a:ea typeface="Times New Roman"/>
+                <a:cs typeface="Times New Roman"/>
+                <a:sym typeface="Times New Roman"/>
               </a:rPr>
-              <a:t>D</a:t>
+              <a:t>Data Pre-processing steps we could use are data cleaning, data integration, data reduction and data transformation.</a:t>
             </a:r>
-            <a:r>
-              <a:rPr b="0" i="0" lang="en-US" sz="1500" u="none" cap="none" strike="noStrike">
-                <a:solidFill>
-                  <a:schemeClr val="lt1"/>
-                </a:solidFill>
-                <a:latin typeface="Calibri"/>
-                <a:ea typeface="Calibri"/>
-                <a:cs typeface="Calibri"/>
-                <a:sym typeface="Calibri"/>
-              </a:rPr>
-              <a:t>ata Pre-processing steps we could use are data cleaning, data integration, data reduction and data transformation.</a:t>
-            </a:r>
-            <a:endParaRPr/>
+            <a:endParaRPr i="0" sz="1800" u="none" cap="none" strike="noStrike">
+              <a:solidFill>
+                <a:srgbClr val="000000"/>
+              </a:solidFill>
+              <a:latin typeface="Times New Roman"/>
+              <a:ea typeface="Times New Roman"/>
+              <a:cs typeface="Times New Roman"/>
+              <a:sym typeface="Times New Roman"/>
+            </a:endParaRPr>
           </a:p>
           <a:p>
-            <a:pPr indent="0" lvl="0" marL="0" marR="0" rtl="0" algn="just">
+            <a:pPr indent="0" lvl="0" marL="0" marR="579474" rtl="0" algn="just">
               <a:lnSpc>
                 <a:spcPct val="100000"/>
               </a:lnSpc>
@@ -26149,32 +26337,37 @@
               <a:spcAft>
                 <a:spcPts val="0"/>
               </a:spcAft>
+              <a:buClr>
+                <a:srgbClr val="000000"/>
+              </a:buClr>
+              <a:buSzPts val="1500"/>
+              <a:buFont typeface="Arial"/>
               <a:buNone/>
             </a:pPr>
             <a:r>
-              <a:rPr b="0" i="0" lang="en-US" sz="1500" u="none" cap="none" strike="noStrike">
+              <a:rPr i="0" lang="en-US" sz="1800" u="none" cap="none" strike="noStrike">
                 <a:solidFill>
                   <a:schemeClr val="lt1"/>
                 </a:solidFill>
-                <a:latin typeface="Calibri"/>
-                <a:ea typeface="Calibri"/>
-                <a:cs typeface="Calibri"/>
-                <a:sym typeface="Calibri"/>
+                <a:latin typeface="Times New Roman"/>
+                <a:ea typeface="Times New Roman"/>
+                <a:cs typeface="Times New Roman"/>
+                <a:sym typeface="Times New Roman"/>
               </a:rPr>
               <a:t> </a:t>
             </a:r>
-            <a:endParaRPr b="0" i="0" sz="1500" u="none" cap="none" strike="noStrike">
+            <a:endParaRPr i="0" sz="1800" u="none" cap="none" strike="noStrike">
               <a:solidFill>
                 <a:schemeClr val="lt1"/>
               </a:solidFill>
-              <a:latin typeface="Calibri"/>
-              <a:ea typeface="Calibri"/>
-              <a:cs typeface="Calibri"/>
-              <a:sym typeface="Calibri"/>
+              <a:latin typeface="Times New Roman"/>
+              <a:ea typeface="Times New Roman"/>
+              <a:cs typeface="Times New Roman"/>
+              <a:sym typeface="Times New Roman"/>
             </a:endParaRPr>
           </a:p>
           <a:p>
-            <a:pPr indent="0" lvl="0" marL="0" marR="0" rtl="0" algn="just">
+            <a:pPr indent="0" lvl="0" marL="0" marR="579474" rtl="0" algn="just">
               <a:lnSpc>
                 <a:spcPct val="100000"/>
               </a:lnSpc>
@@ -26184,6 +26377,11 @@
               <a:spcAft>
                 <a:spcPts val="0"/>
               </a:spcAft>
+              <a:buClr>
+                <a:srgbClr val="000000"/>
+              </a:buClr>
+              <a:buSzPts val="1500"/>
+              <a:buFont typeface="Arial"/>
               <a:buNone/>
             </a:pPr>
             <a:r>
@@ -26193,14 +26391,14 @@
               <a:solidFill>
                 <a:schemeClr val="lt1"/>
               </a:solidFill>
-              <a:latin typeface="Calibri"/>
-              <a:ea typeface="Calibri"/>
-              <a:cs typeface="Calibri"/>
-              <a:sym typeface="Calibri"/>
+              <a:latin typeface="Times New Roman"/>
+              <a:ea typeface="Times New Roman"/>
+              <a:cs typeface="Times New Roman"/>
+              <a:sym typeface="Times New Roman"/>
             </a:endParaRPr>
           </a:p>
           <a:p>
-            <a:pPr indent="0" lvl="0" marL="0" marR="0" rtl="0" algn="just">
+            <a:pPr indent="0" lvl="0" marL="457200" marR="579474" rtl="0" algn="just">
               <a:lnSpc>
                 <a:spcPct val="100000"/>
               </a:lnSpc>
@@ -26210,6 +26408,11 @@
               <a:spcAft>
                 <a:spcPts val="0"/>
               </a:spcAft>
+              <a:buClr>
+                <a:srgbClr val="000000"/>
+              </a:buClr>
+              <a:buSzPts val="1800"/>
+              <a:buFont typeface="Arial"/>
               <a:buNone/>
             </a:pPr>
             <a:r>
@@ -26217,17 +26420,25 @@
                 <a:solidFill>
                   <a:schemeClr val="lt1"/>
                 </a:solidFill>
-                <a:latin typeface="Calibri"/>
-                <a:ea typeface="Calibri"/>
-                <a:cs typeface="Calibri"/>
-                <a:sym typeface="Calibri"/>
+                <a:latin typeface="Times New Roman"/>
+                <a:ea typeface="Times New Roman"/>
+                <a:cs typeface="Times New Roman"/>
+                <a:sym typeface="Times New Roman"/>
               </a:rPr>
               <a:t>Feature Selection</a:t>
             </a:r>
-            <a:endParaRPr/>
+            <a:endParaRPr i="0" sz="1400" u="none" cap="none" strike="noStrike">
+              <a:solidFill>
+                <a:srgbClr val="000000"/>
+              </a:solidFill>
+              <a:latin typeface="Times New Roman"/>
+              <a:ea typeface="Times New Roman"/>
+              <a:cs typeface="Times New Roman"/>
+              <a:sym typeface="Times New Roman"/>
+            </a:endParaRPr>
           </a:p>
           <a:p>
-            <a:pPr indent="0" lvl="0" marL="0" marR="0" rtl="0" algn="just">
+            <a:pPr indent="0" lvl="0" marL="0" marR="579474" rtl="0" algn="just">
               <a:lnSpc>
                 <a:spcPct val="100000"/>
               </a:lnSpc>
@@ -26237,28 +26448,215 @@
               <a:spcAft>
                 <a:spcPts val="0"/>
               </a:spcAft>
+              <a:buClr>
+                <a:srgbClr val="000000"/>
+              </a:buClr>
+              <a:buSzPts val="1500"/>
+              <a:buFont typeface="Arial"/>
               <a:buNone/>
             </a:pPr>
             <a:r>
-              <a:rPr b="0" i="0" lang="en-US" sz="1500" u="none" cap="none" strike="noStrike">
+              <a:rPr i="0" lang="en-US" sz="1500" u="none" cap="none" strike="noStrike">
                 <a:solidFill>
                   <a:schemeClr val="lt1"/>
                 </a:solidFill>
-                <a:latin typeface="Calibri"/>
-                <a:ea typeface="Calibri"/>
-                <a:cs typeface="Calibri"/>
-                <a:sym typeface="Calibri"/>
+                <a:latin typeface="Times New Roman"/>
+                <a:ea typeface="Times New Roman"/>
+                <a:cs typeface="Times New Roman"/>
+                <a:sym typeface="Times New Roman"/>
               </a:rPr>
               <a:t> </a:t>
             </a:r>
-            <a:endParaRPr b="0" i="0" sz="1500" u="none" cap="none" strike="noStrike">
+            <a:endParaRPr i="0" sz="1500" u="none" cap="none" strike="noStrike">
               <a:solidFill>
                 <a:schemeClr val="lt1"/>
               </a:solidFill>
-              <a:latin typeface="Calibri"/>
-              <a:ea typeface="Calibri"/>
-              <a:cs typeface="Calibri"/>
-              <a:sym typeface="Calibri"/>
+              <a:latin typeface="Times New Roman"/>
+              <a:ea typeface="Times New Roman"/>
+              <a:cs typeface="Times New Roman"/>
+              <a:sym typeface="Times New Roman"/>
+            </a:endParaRPr>
+          </a:p>
+          <a:p>
+            <a:pPr indent="0" lvl="0" marL="914400" marR="579474" rtl="0" algn="just">
+              <a:lnSpc>
+                <a:spcPct val="100000"/>
+              </a:lnSpc>
+              <a:spcBef>
+                <a:spcPts val="0"/>
+              </a:spcBef>
+              <a:spcAft>
+                <a:spcPts val="0"/>
+              </a:spcAft>
+              <a:buClr>
+                <a:srgbClr val="000000"/>
+              </a:buClr>
+              <a:buSzPts val="1500"/>
+              <a:buFont typeface="Arial"/>
+              <a:buNone/>
+            </a:pPr>
+            <a:r>
+              <a:rPr i="0" lang="en-US" sz="1800" u="none" cap="none" strike="noStrike">
+                <a:solidFill>
+                  <a:schemeClr val="lt1"/>
+                </a:solidFill>
+                <a:latin typeface="Times New Roman"/>
+                <a:ea typeface="Times New Roman"/>
+                <a:cs typeface="Times New Roman"/>
+                <a:sym typeface="Times New Roman"/>
+              </a:rPr>
+              <a:t>Feature Selection helps us to find the best set of features that allows us to build the necessary model for the project. This helps in selecting a subset of features from an initially large volume of features. </a:t>
+            </a:r>
+            <a:endParaRPr i="0" sz="1800" u="none" cap="none" strike="noStrike">
+              <a:solidFill>
+                <a:schemeClr val="lt1"/>
+              </a:solidFill>
+              <a:latin typeface="Times New Roman"/>
+              <a:ea typeface="Times New Roman"/>
+              <a:cs typeface="Times New Roman"/>
+              <a:sym typeface="Times New Roman"/>
+            </a:endParaRPr>
+          </a:p>
+          <a:p>
+            <a:pPr indent="0" lvl="0" marL="914400" marR="579474" rtl="0" algn="just">
+              <a:lnSpc>
+                <a:spcPct val="100000"/>
+              </a:lnSpc>
+              <a:spcBef>
+                <a:spcPts val="0"/>
+              </a:spcBef>
+              <a:spcAft>
+                <a:spcPts val="0"/>
+              </a:spcAft>
+              <a:buClr>
+                <a:srgbClr val="000000"/>
+              </a:buClr>
+              <a:buSzPts val="1500"/>
+              <a:buFont typeface="Arial"/>
+              <a:buNone/>
+            </a:pPr>
+            <a:r>
+              <a:t/>
+            </a:r>
+            <a:endParaRPr sz="1800">
+              <a:solidFill>
+                <a:schemeClr val="lt1"/>
+              </a:solidFill>
+              <a:latin typeface="Times New Roman"/>
+              <a:ea typeface="Times New Roman"/>
+              <a:cs typeface="Times New Roman"/>
+              <a:sym typeface="Times New Roman"/>
+            </a:endParaRPr>
+          </a:p>
+          <a:p>
+            <a:pPr indent="0" lvl="1" marL="457200" marR="579474" rtl="0" algn="just">
+              <a:spcBef>
+                <a:spcPts val="0"/>
+              </a:spcBef>
+              <a:spcAft>
+                <a:spcPts val="0"/>
+              </a:spcAft>
+              <a:buClr>
+                <a:schemeClr val="dk1"/>
+              </a:buClr>
+              <a:buSzPts val="1800"/>
+              <a:buFont typeface="Arial"/>
+              <a:buNone/>
+            </a:pPr>
+            <a:r>
+              <a:rPr b="1" lang="en-US" sz="1800">
+                <a:solidFill>
+                  <a:schemeClr val="lt1"/>
+                </a:solidFill>
+                <a:latin typeface="Times New Roman"/>
+                <a:ea typeface="Times New Roman"/>
+                <a:cs typeface="Times New Roman"/>
+                <a:sym typeface="Times New Roman"/>
+              </a:rPr>
+              <a:t>Machine Learning Techniques</a:t>
+            </a:r>
+            <a:endParaRPr sz="1800">
+              <a:solidFill>
+                <a:schemeClr val="dk1"/>
+              </a:solidFill>
+              <a:latin typeface="Times New Roman"/>
+              <a:ea typeface="Times New Roman"/>
+              <a:cs typeface="Times New Roman"/>
+              <a:sym typeface="Times New Roman"/>
+            </a:endParaRPr>
+          </a:p>
+          <a:p>
+            <a:pPr indent="0" lvl="0" marL="0" marR="579474" rtl="0" algn="just">
+              <a:spcBef>
+                <a:spcPts val="50"/>
+              </a:spcBef>
+              <a:spcAft>
+                <a:spcPts val="0"/>
+              </a:spcAft>
+              <a:buClr>
+                <a:schemeClr val="dk1"/>
+              </a:buClr>
+              <a:buSzPts val="1500"/>
+              <a:buFont typeface="Arial"/>
+              <a:buNone/>
+            </a:pPr>
+            <a:r>
+              <a:rPr lang="en-US" sz="1500">
+                <a:solidFill>
+                  <a:schemeClr val="lt1"/>
+                </a:solidFill>
+                <a:latin typeface="Times New Roman"/>
+                <a:ea typeface="Times New Roman"/>
+                <a:cs typeface="Times New Roman"/>
+                <a:sym typeface="Times New Roman"/>
+              </a:rPr>
+              <a:t> </a:t>
+            </a:r>
+            <a:endParaRPr sz="1500">
+              <a:solidFill>
+                <a:schemeClr val="lt1"/>
+              </a:solidFill>
+              <a:latin typeface="Times New Roman"/>
+              <a:ea typeface="Times New Roman"/>
+              <a:cs typeface="Times New Roman"/>
+              <a:sym typeface="Times New Roman"/>
+            </a:endParaRPr>
+          </a:p>
+          <a:p>
+            <a:pPr indent="0" lvl="0" marL="914400" marR="579474" rtl="0" algn="just">
+              <a:spcBef>
+                <a:spcPts val="0"/>
+              </a:spcBef>
+              <a:spcAft>
+                <a:spcPts val="0"/>
+              </a:spcAft>
+              <a:buClr>
+                <a:schemeClr val="dk1"/>
+              </a:buClr>
+              <a:buSzPts val="1500"/>
+              <a:buFont typeface="Arial"/>
+              <a:buNone/>
+            </a:pPr>
+            <a:r>
+              <a:rPr lang="en-US" sz="1800">
+                <a:solidFill>
+                  <a:schemeClr val="lt1"/>
+                </a:solidFill>
+                <a:latin typeface="Times New Roman"/>
+                <a:ea typeface="Times New Roman"/>
+                <a:cs typeface="Times New Roman"/>
+                <a:sym typeface="Times New Roman"/>
+              </a:rPr>
+              <a:t>Based on the problem statement and requirements we can use supervised or unsupervised technique which fits the project.</a:t>
+            </a:r>
+            <a:endParaRPr sz="1800">
+              <a:solidFill>
+                <a:schemeClr val="lt1"/>
+              </a:solidFill>
+              <a:latin typeface="Times New Roman"/>
+              <a:ea typeface="Times New Roman"/>
+              <a:cs typeface="Times New Roman"/>
+              <a:sym typeface="Times New Roman"/>
             </a:endParaRPr>
           </a:p>
           <a:p>
@@ -26272,48 +26670,34 @@
               <a:spcAft>
                 <a:spcPts val="0"/>
               </a:spcAft>
+              <a:buClr>
+                <a:srgbClr val="000000"/>
+              </a:buClr>
+              <a:buSzPts val="1100"/>
+              <a:buFont typeface="Arial"/>
               <a:buNone/>
             </a:pPr>
             <a:r>
-              <a:rPr b="0" i="0" lang="en-US" sz="1500" u="none" cap="none" strike="noStrike">
-                <a:solidFill>
-                  <a:schemeClr val="lt1"/>
-                </a:solidFill>
-                <a:latin typeface="Calibri"/>
-                <a:ea typeface="Calibri"/>
-                <a:cs typeface="Calibri"/>
-                <a:sym typeface="Calibri"/>
-              </a:rPr>
-              <a:t>Feature Selection helps us to find the best set of features that allows us to build the necessary model for the project. This helps in selecting a subset of features from an initially large volume of features. </a:t>
-            </a:r>
-            <a:endParaRPr/>
-          </a:p>
-          <a:p>
-            <a:pPr indent="0" lvl="0" marL="165100" marR="443230" rtl="0" algn="just">
-              <a:lnSpc>
-                <a:spcPct val="100000"/>
-              </a:lnSpc>
-              <a:spcBef>
-                <a:spcPts val="0"/>
-              </a:spcBef>
-              <a:spcAft>
-                <a:spcPts val="0"/>
-              </a:spcAft>
-              <a:buNone/>
-            </a:pPr>
-            <a:r>
-              <a:rPr b="0" i="0" lang="en-US" sz="1100" u="none" cap="none" strike="noStrike">
+              <a:rPr i="0" lang="en-US" sz="1100" u="none" cap="none" strike="noStrike">
                 <a:solidFill>
                   <a:srgbClr val="000000"/>
                 </a:solidFill>
-                <a:latin typeface="Calibri"/>
-                <a:ea typeface="Calibri"/>
-                <a:cs typeface="Calibri"/>
-                <a:sym typeface="Calibri"/>
+                <a:latin typeface="Times New Roman"/>
+                <a:ea typeface="Times New Roman"/>
+                <a:cs typeface="Times New Roman"/>
+                <a:sym typeface="Times New Roman"/>
               </a:rPr>
               <a:t> </a:t>
             </a:r>
-            <a:endParaRPr/>
+            <a:endParaRPr i="0" sz="1400" u="none" cap="none" strike="noStrike">
+              <a:solidFill>
+                <a:srgbClr val="000000"/>
+              </a:solidFill>
+              <a:latin typeface="Times New Roman"/>
+              <a:ea typeface="Times New Roman"/>
+              <a:cs typeface="Times New Roman"/>
+              <a:sym typeface="Times New Roman"/>
+            </a:endParaRPr>
           </a:p>
         </p:txBody>
       </p:sp>
@@ -26350,8 +26734,8 @@
         </p:nvSpPr>
         <p:spPr>
           <a:xfrm>
-            <a:off x="0" y="159584"/>
-            <a:ext cx="11966713" cy="7279685"/>
+            <a:off x="0" y="0"/>
+            <a:ext cx="12192000" cy="7439100"/>
           </a:xfrm>
           <a:prstGeom prst="rect">
             <a:avLst/>
@@ -26367,16 +26751,52 @@
           </a:bodyPr>
           <a:lstStyle/>
           <a:p>
-            <a:pPr indent="0" lvl="1" marL="457200" marR="0" rtl="0" algn="just">
-              <a:lnSpc>
-                <a:spcPct val="100000"/>
-              </a:lnSpc>
-              <a:spcBef>
-                <a:spcPts val="0"/>
-              </a:spcBef>
-              <a:spcAft>
-                <a:spcPts val="0"/>
-              </a:spcAft>
+            <a:pPr indent="0" lvl="0" marL="0" marR="0" rtl="0" algn="just">
+              <a:lnSpc>
+                <a:spcPct val="100000"/>
+              </a:lnSpc>
+              <a:spcBef>
+                <a:spcPts val="20"/>
+              </a:spcBef>
+              <a:spcAft>
+                <a:spcPts val="0"/>
+              </a:spcAft>
+              <a:buClr>
+                <a:srgbClr val="000000"/>
+              </a:buClr>
+              <a:buSzPts val="1500"/>
+              <a:buFont typeface="Arial"/>
+              <a:buNone/>
+            </a:pPr>
+            <a:r>
+              <a:t/>
+            </a:r>
+            <a:endParaRPr b="1" sz="1800">
+              <a:solidFill>
+                <a:schemeClr val="lt1"/>
+              </a:solidFill>
+              <a:latin typeface="Times New Roman"/>
+              <a:ea typeface="Times New Roman"/>
+              <a:cs typeface="Times New Roman"/>
+              <a:sym typeface="Times New Roman"/>
+            </a:endParaRPr>
+          </a:p>
+          <a:p>
+            <a:pPr indent="0" lvl="0" marL="457200" marR="579474" rtl="0" algn="just">
+              <a:lnSpc>
+                <a:spcPct val="100000"/>
+              </a:lnSpc>
+              <a:spcBef>
+                <a:spcPts val="20"/>
+              </a:spcBef>
+              <a:spcAft>
+                <a:spcPts val="0"/>
+              </a:spcAft>
+              <a:buClr>
+                <a:srgbClr val="000000"/>
+              </a:buClr>
+              <a:buSzPts val="1500"/>
+              <a:buFont typeface="Arial"/>
               <a:buNone/>
             </a:pPr>
             <a:r>
@@ -26384,150 +26804,119 @@
                 <a:solidFill>
                   <a:schemeClr val="lt1"/>
                 </a:solidFill>
-                <a:latin typeface="Calibri"/>
-                <a:ea typeface="Calibri"/>
-                <a:cs typeface="Calibri"/>
-                <a:sym typeface="Calibri"/>
+                <a:latin typeface="Times New Roman"/>
+                <a:ea typeface="Times New Roman"/>
+                <a:cs typeface="Times New Roman"/>
+                <a:sym typeface="Times New Roman"/>
               </a:rPr>
-              <a:t>Machine Learning Techniques</a:t>
+              <a:t>Model Building</a:t>
             </a:r>
-            <a:endParaRPr/>
+            <a:endParaRPr i="0" sz="1400" u="none" cap="none" strike="noStrike">
+              <a:solidFill>
+                <a:srgbClr val="000000"/>
+              </a:solidFill>
+              <a:latin typeface="Times New Roman"/>
+              <a:ea typeface="Times New Roman"/>
+              <a:cs typeface="Times New Roman"/>
+              <a:sym typeface="Times New Roman"/>
+            </a:endParaRPr>
           </a:p>
           <a:p>
-            <a:pPr indent="0" lvl="0" marL="0" marR="0" rtl="0" algn="just">
-              <a:lnSpc>
-                <a:spcPct val="100000"/>
-              </a:lnSpc>
-              <a:spcBef>
-                <a:spcPts val="50"/>
-              </a:spcBef>
-              <a:spcAft>
-                <a:spcPts val="0"/>
-              </a:spcAft>
+            <a:pPr indent="0" lvl="0" marL="0" marR="579474" rtl="0" algn="just">
+              <a:lnSpc>
+                <a:spcPct val="100000"/>
+              </a:lnSpc>
+              <a:spcBef>
+                <a:spcPts val="10"/>
+              </a:spcBef>
+              <a:spcAft>
+                <a:spcPts val="0"/>
+              </a:spcAft>
+              <a:buClr>
+                <a:srgbClr val="000000"/>
+              </a:buClr>
+              <a:buSzPts val="1500"/>
+              <a:buFont typeface="Arial"/>
               <a:buNone/>
             </a:pPr>
             <a:r>
-              <a:rPr b="0" i="0" lang="en-US" sz="1500" u="none" cap="none" strike="noStrike">
+              <a:rPr i="0" lang="en-US" sz="1500" u="none" cap="none" strike="noStrike">
                 <a:solidFill>
                   <a:schemeClr val="lt1"/>
                 </a:solidFill>
-                <a:latin typeface="Calibri"/>
-                <a:ea typeface="Calibri"/>
-                <a:cs typeface="Calibri"/>
-                <a:sym typeface="Calibri"/>
+                <a:latin typeface="Times New Roman"/>
+                <a:ea typeface="Times New Roman"/>
+                <a:cs typeface="Times New Roman"/>
+                <a:sym typeface="Times New Roman"/>
               </a:rPr>
               <a:t> </a:t>
             </a:r>
-            <a:endParaRPr b="0" i="0" sz="1500" u="none" cap="none" strike="noStrike">
+            <a:endParaRPr i="0" sz="1500" u="none" cap="none" strike="noStrike">
               <a:solidFill>
                 <a:schemeClr val="lt1"/>
               </a:solidFill>
-              <a:latin typeface="Calibri"/>
-              <a:ea typeface="Calibri"/>
-              <a:cs typeface="Calibri"/>
-              <a:sym typeface="Calibri"/>
+              <a:latin typeface="Times New Roman"/>
+              <a:ea typeface="Times New Roman"/>
+              <a:cs typeface="Times New Roman"/>
+              <a:sym typeface="Times New Roman"/>
             </a:endParaRPr>
           </a:p>
           <a:p>
-            <a:pPr indent="0" lvl="0" marL="165100" marR="518794" rtl="0" algn="just">
-              <a:lnSpc>
-                <a:spcPct val="100000"/>
-              </a:lnSpc>
-              <a:spcBef>
-                <a:spcPts val="0"/>
-              </a:spcBef>
-              <a:spcAft>
-                <a:spcPts val="0"/>
-              </a:spcAft>
+            <a:pPr indent="0" lvl="0" marL="914400" marR="579474" rtl="0" algn="just">
+              <a:lnSpc>
+                <a:spcPct val="100000"/>
+              </a:lnSpc>
+              <a:spcBef>
+                <a:spcPts val="0"/>
+              </a:spcBef>
+              <a:spcAft>
+                <a:spcPts val="0"/>
+              </a:spcAft>
+              <a:buClr>
+                <a:srgbClr val="000000"/>
+              </a:buClr>
+              <a:buSzPts val="1500"/>
+              <a:buFont typeface="Arial"/>
               <a:buNone/>
             </a:pPr>
             <a:r>
-              <a:rPr b="0" i="0" lang="en-US" sz="1500" u="none" cap="none" strike="noStrike">
+              <a:rPr i="0" lang="en-US" sz="1800" u="none" cap="none" strike="noStrike">
                 <a:solidFill>
                   <a:schemeClr val="lt1"/>
                 </a:solidFill>
-                <a:latin typeface="Calibri"/>
-                <a:ea typeface="Calibri"/>
-                <a:cs typeface="Calibri"/>
-                <a:sym typeface="Calibri"/>
+                <a:latin typeface="Times New Roman"/>
+                <a:ea typeface="Times New Roman"/>
+                <a:cs typeface="Times New Roman"/>
+                <a:sym typeface="Times New Roman"/>
               </a:rPr>
-              <a:t>Based on the problem statement and requirements we can use supervised or unsupervised technique which fits the project.</a:t>
+              <a:t>Depending on the data type of the target variable we are either going to be building a classification or regression model. The main aspect of machine learning model building is to obtain actionable insights and in order to achieve that it is important to be able to select a subset of important features from the vast number.</a:t>
             </a:r>
-            <a:endParaRPr/>
-          </a:p>
-          <a:p>
-            <a:pPr indent="0" lvl="0" marL="165100" marR="518794" rtl="0" algn="just">
-              <a:lnSpc>
-                <a:spcPct val="100000"/>
-              </a:lnSpc>
-              <a:spcBef>
-                <a:spcPts val="0"/>
-              </a:spcBef>
-              <a:spcAft>
-                <a:spcPts val="0"/>
-              </a:spcAft>
-              <a:buNone/>
-            </a:pPr>
-            <a:r>
-              <a:rPr b="0" i="0" lang="en-US" sz="1500" u="none" cap="none" strike="noStrike">
-                <a:solidFill>
-                  <a:schemeClr val="lt1"/>
-                </a:solidFill>
-                <a:latin typeface="Calibri"/>
-                <a:ea typeface="Calibri"/>
-                <a:cs typeface="Calibri"/>
-                <a:sym typeface="Calibri"/>
-              </a:rPr>
-              <a:t>.</a:t>
-            </a:r>
-            <a:endParaRPr/>
-          </a:p>
-          <a:p>
-            <a:pPr indent="0" lvl="0" marL="0" marR="0" rtl="0" algn="just">
-              <a:lnSpc>
-                <a:spcPct val="100000"/>
-              </a:lnSpc>
-              <a:spcBef>
-                <a:spcPts val="20"/>
-              </a:spcBef>
-              <a:spcAft>
-                <a:spcPts val="0"/>
-              </a:spcAft>
-              <a:buNone/>
-            </a:pPr>
-            <a:r>
-              <a:rPr b="0" i="0" lang="en-US" sz="1500" u="none" cap="none" strike="noStrike">
-                <a:solidFill>
-                  <a:schemeClr val="lt1"/>
-                </a:solidFill>
-                <a:latin typeface="Calibri"/>
-                <a:ea typeface="Calibri"/>
-                <a:cs typeface="Calibri"/>
-                <a:sym typeface="Calibri"/>
-              </a:rPr>
-              <a:t> </a:t>
-            </a:r>
-            <a:endParaRPr b="0" i="0" sz="1500" u="none" cap="none" strike="noStrike">
+            <a:endParaRPr i="0" sz="1800" u="none" cap="none" strike="noStrike">
               <a:solidFill>
-                <a:schemeClr val="lt1"/>
+                <a:srgbClr val="000000"/>
               </a:solidFill>
-              <a:latin typeface="Calibri"/>
-              <a:ea typeface="Calibri"/>
-              <a:cs typeface="Calibri"/>
-              <a:sym typeface="Calibri"/>
+              <a:latin typeface="Times New Roman"/>
+              <a:ea typeface="Times New Roman"/>
+              <a:cs typeface="Times New Roman"/>
+              <a:sym typeface="Times New Roman"/>
             </a:endParaRPr>
           </a:p>
           <a:p>
-            <a:pPr indent="0" lvl="0" marL="0" marR="0" rtl="0" algn="just">
-              <a:lnSpc>
-                <a:spcPct val="100000"/>
-              </a:lnSpc>
-              <a:spcBef>
-                <a:spcPts val="20"/>
-              </a:spcBef>
-              <a:spcAft>
-                <a:spcPts val="0"/>
-              </a:spcAft>
+            <a:pPr indent="0" lvl="0" marL="165100" marR="579474" rtl="0" algn="just">
+              <a:lnSpc>
+                <a:spcPct val="100000"/>
+              </a:lnSpc>
+              <a:spcBef>
+                <a:spcPts val="0"/>
+              </a:spcBef>
+              <a:spcAft>
+                <a:spcPts val="0"/>
+              </a:spcAft>
+              <a:buClr>
+                <a:srgbClr val="000000"/>
+              </a:buClr>
+              <a:buSzPts val="1500"/>
+              <a:buFont typeface="Arial"/>
               <a:buNone/>
             </a:pPr>
             <a:r>
@@ -26537,138 +26926,28 @@
               <a:solidFill>
                 <a:schemeClr val="lt1"/>
               </a:solidFill>
-              <a:latin typeface="Calibri"/>
-              <a:ea typeface="Calibri"/>
-              <a:cs typeface="Calibri"/>
-              <a:sym typeface="Calibri"/>
+              <a:latin typeface="Times New Roman"/>
+              <a:ea typeface="Times New Roman"/>
+              <a:cs typeface="Times New Roman"/>
+              <a:sym typeface="Times New Roman"/>
             </a:endParaRPr>
           </a:p>
           <a:p>
-            <a:pPr indent="0" lvl="0" marL="0" marR="0" rtl="0" algn="just">
-              <a:lnSpc>
-                <a:spcPct val="100000"/>
-              </a:lnSpc>
-              <a:spcBef>
-                <a:spcPts val="20"/>
-              </a:spcBef>
-              <a:spcAft>
-                <a:spcPts val="0"/>
-              </a:spcAft>
-              <a:buNone/>
-            </a:pPr>
-            <a:r>
-              <a:rPr b="1" i="0" lang="en-US" sz="1800" u="none" cap="none" strike="noStrike">
-                <a:solidFill>
-                  <a:schemeClr val="lt1"/>
-                </a:solidFill>
-                <a:latin typeface="Calibri"/>
-                <a:ea typeface="Calibri"/>
-                <a:cs typeface="Calibri"/>
-                <a:sym typeface="Calibri"/>
-              </a:rPr>
-              <a:t>Model Building</a:t>
-            </a:r>
-            <a:endParaRPr/>
-          </a:p>
-          <a:p>
-            <a:pPr indent="0" lvl="0" marL="0" marR="0" rtl="0" algn="just">
-              <a:lnSpc>
-                <a:spcPct val="100000"/>
-              </a:lnSpc>
-              <a:spcBef>
-                <a:spcPts val="10"/>
-              </a:spcBef>
-              <a:spcAft>
-                <a:spcPts val="0"/>
-              </a:spcAft>
-              <a:buNone/>
-            </a:pPr>
-            <a:r>
-              <a:rPr b="0" i="0" lang="en-US" sz="1500" u="none" cap="none" strike="noStrike">
-                <a:solidFill>
-                  <a:schemeClr val="lt1"/>
-                </a:solidFill>
-                <a:latin typeface="Calibri"/>
-                <a:ea typeface="Calibri"/>
-                <a:cs typeface="Calibri"/>
-                <a:sym typeface="Calibri"/>
-              </a:rPr>
-              <a:t> </a:t>
-            </a:r>
-            <a:endParaRPr b="0" i="0" sz="1500" u="none" cap="none" strike="noStrike">
-              <a:solidFill>
-                <a:schemeClr val="lt1"/>
-              </a:solidFill>
-              <a:latin typeface="Calibri"/>
-              <a:ea typeface="Calibri"/>
-              <a:cs typeface="Calibri"/>
-              <a:sym typeface="Calibri"/>
-            </a:endParaRPr>
-          </a:p>
-          <a:p>
-            <a:pPr indent="0" lvl="0" marL="165100" marR="447040" rtl="0" algn="just">
-              <a:lnSpc>
-                <a:spcPct val="100000"/>
-              </a:lnSpc>
-              <a:spcBef>
-                <a:spcPts val="0"/>
-              </a:spcBef>
-              <a:spcAft>
-                <a:spcPts val="0"/>
-              </a:spcAft>
-              <a:buNone/>
-            </a:pPr>
-            <a:r>
-              <a:rPr b="0" i="0" lang="en-US" sz="1500" u="none" cap="none" strike="noStrike">
-                <a:solidFill>
-                  <a:schemeClr val="lt1"/>
-                </a:solidFill>
-                <a:latin typeface="Calibri"/>
-                <a:ea typeface="Calibri"/>
-                <a:cs typeface="Calibri"/>
-                <a:sym typeface="Calibri"/>
-              </a:rPr>
-              <a:t>Depending on the data type of the target variable we are either going to be building a classification or regression model. The main aspect of machine learning model building is to obtain actionable insights and in order to achieve that it is important to be able to select a subset of important features from the vast number.</a:t>
-            </a:r>
-            <a:endParaRPr/>
-          </a:p>
-          <a:p>
-            <a:pPr indent="0" lvl="0" marL="165100" marR="447040" rtl="0" algn="just">
-              <a:lnSpc>
-                <a:spcPct val="100000"/>
-              </a:lnSpc>
-              <a:spcBef>
-                <a:spcPts val="0"/>
-              </a:spcBef>
-              <a:spcAft>
-                <a:spcPts val="0"/>
-              </a:spcAft>
-              <a:buNone/>
-            </a:pPr>
-            <a:r>
-              <a:t/>
-            </a:r>
-            <a:endParaRPr b="1" i="0" sz="1500" u="none" cap="none" strike="noStrike">
-              <a:solidFill>
-                <a:schemeClr val="lt1"/>
-              </a:solidFill>
-              <a:latin typeface="Calibri"/>
-              <a:ea typeface="Calibri"/>
-              <a:cs typeface="Calibri"/>
-              <a:sym typeface="Calibri"/>
-            </a:endParaRPr>
-          </a:p>
-          <a:p>
-            <a:pPr indent="0" lvl="0" marL="165100" marR="447040" rtl="0" algn="just">
-              <a:lnSpc>
-                <a:spcPct val="100000"/>
-              </a:lnSpc>
-              <a:spcBef>
-                <a:spcPts val="0"/>
-              </a:spcBef>
-              <a:spcAft>
-                <a:spcPts val="0"/>
-              </a:spcAft>
+            <a:pPr indent="0" lvl="0" marL="165100" marR="579474" rtl="0" algn="just">
+              <a:lnSpc>
+                <a:spcPct val="100000"/>
+              </a:lnSpc>
+              <a:spcBef>
+                <a:spcPts val="0"/>
+              </a:spcBef>
+              <a:spcAft>
+                <a:spcPts val="0"/>
+              </a:spcAft>
+              <a:buClr>
+                <a:srgbClr val="000000"/>
+              </a:buClr>
+              <a:buSzPts val="1800"/>
+              <a:buFont typeface="Arial"/>
               <a:buNone/>
             </a:pPr>
             <a:r>
@@ -26678,23 +26957,28 @@
               <a:solidFill>
                 <a:schemeClr val="lt1"/>
               </a:solidFill>
-              <a:latin typeface="Calibri"/>
-              <a:ea typeface="Calibri"/>
-              <a:cs typeface="Calibri"/>
-              <a:sym typeface="Calibri"/>
+              <a:latin typeface="Times New Roman"/>
+              <a:ea typeface="Times New Roman"/>
+              <a:cs typeface="Times New Roman"/>
+              <a:sym typeface="Times New Roman"/>
             </a:endParaRPr>
           </a:p>
           <a:p>
-            <a:pPr indent="0" lvl="0" marL="165100" marR="447040" rtl="0" algn="just">
-              <a:lnSpc>
-                <a:spcPct val="100000"/>
-              </a:lnSpc>
-              <a:spcBef>
-                <a:spcPts val="0"/>
-              </a:spcBef>
-              <a:spcAft>
-                <a:spcPts val="0"/>
-              </a:spcAft>
+            <a:pPr indent="0" lvl="0" marL="457200" marR="579474" rtl="0" algn="just">
+              <a:lnSpc>
+                <a:spcPct val="100000"/>
+              </a:lnSpc>
+              <a:spcBef>
+                <a:spcPts val="0"/>
+              </a:spcBef>
+              <a:spcAft>
+                <a:spcPts val="0"/>
+              </a:spcAft>
+              <a:buClr>
+                <a:srgbClr val="000000"/>
+              </a:buClr>
+              <a:buSzPts val="1800"/>
+              <a:buFont typeface="Arial"/>
               <a:buNone/>
             </a:pPr>
             <a:r>
@@ -26702,17 +26986,25 @@
                 <a:solidFill>
                   <a:schemeClr val="lt1"/>
                 </a:solidFill>
-                <a:latin typeface="Calibri"/>
-                <a:ea typeface="Calibri"/>
-                <a:cs typeface="Calibri"/>
-                <a:sym typeface="Calibri"/>
+                <a:latin typeface="Times New Roman"/>
+                <a:ea typeface="Times New Roman"/>
+                <a:cs typeface="Times New Roman"/>
+                <a:sym typeface="Times New Roman"/>
               </a:rPr>
               <a:t>Evaluation</a:t>
             </a:r>
-            <a:endParaRPr/>
+            <a:endParaRPr i="0" sz="1400" u="none" cap="none" strike="noStrike">
+              <a:solidFill>
+                <a:srgbClr val="000000"/>
+              </a:solidFill>
+              <a:latin typeface="Times New Roman"/>
+              <a:ea typeface="Times New Roman"/>
+              <a:cs typeface="Times New Roman"/>
+              <a:sym typeface="Times New Roman"/>
+            </a:endParaRPr>
           </a:p>
           <a:p>
-            <a:pPr indent="0" lvl="0" marL="668020" marR="0" rtl="0" algn="just">
+            <a:pPr indent="0" lvl="0" marL="668020" marR="579474" rtl="0" algn="just">
               <a:lnSpc>
                 <a:spcPct val="100000"/>
               </a:lnSpc>
@@ -26722,6 +27014,11 @@
               <a:spcAft>
                 <a:spcPts val="0"/>
               </a:spcAft>
+              <a:buClr>
+                <a:srgbClr val="000000"/>
+              </a:buClr>
+              <a:buSzPts val="1500"/>
+              <a:buFont typeface="Arial"/>
               <a:buNone/>
             </a:pPr>
             <a:r>
@@ -26729,115 +27026,159 @@
                 <a:solidFill>
                   <a:schemeClr val="lt1"/>
                 </a:solidFill>
-                <a:latin typeface="Calibri"/>
-                <a:ea typeface="Calibri"/>
-                <a:cs typeface="Calibri"/>
-                <a:sym typeface="Calibri"/>
+                <a:latin typeface="Times New Roman"/>
+                <a:ea typeface="Times New Roman"/>
+                <a:cs typeface="Times New Roman"/>
+                <a:sym typeface="Times New Roman"/>
               </a:rPr>
               <a:t> </a:t>
             </a:r>
-            <a:endParaRPr/>
+            <a:endParaRPr i="0" sz="1400" u="none" cap="none" strike="noStrike">
+              <a:solidFill>
+                <a:srgbClr val="000000"/>
+              </a:solidFill>
+              <a:latin typeface="Times New Roman"/>
+              <a:ea typeface="Times New Roman"/>
+              <a:cs typeface="Times New Roman"/>
+              <a:sym typeface="Times New Roman"/>
+            </a:endParaRPr>
           </a:p>
           <a:p>
-            <a:pPr indent="0" lvl="0" marL="0" marR="0" rtl="0" algn="just">
-              <a:lnSpc>
-                <a:spcPct val="100000"/>
-              </a:lnSpc>
-              <a:spcBef>
-                <a:spcPts val="0"/>
-              </a:spcBef>
-              <a:spcAft>
-                <a:spcPts val="0"/>
-              </a:spcAft>
+            <a:pPr indent="0" lvl="0" marL="914400" marR="579474" rtl="0" algn="just">
+              <a:lnSpc>
+                <a:spcPct val="100000"/>
+              </a:lnSpc>
+              <a:spcBef>
+                <a:spcPts val="0"/>
+              </a:spcBef>
+              <a:spcAft>
+                <a:spcPts val="0"/>
+              </a:spcAft>
+              <a:buClr>
+                <a:srgbClr val="000000"/>
+              </a:buClr>
+              <a:buSzPts val="1500"/>
+              <a:buFont typeface="Arial"/>
               <a:buNone/>
             </a:pPr>
             <a:r>
-              <a:rPr b="0" i="0" lang="en-US" sz="1500" u="none" cap="none" strike="noStrike">
+              <a:rPr i="0" lang="en-US" sz="1800" u="none" cap="none" strike="noStrike">
                 <a:solidFill>
                   <a:schemeClr val="lt1"/>
                 </a:solidFill>
-                <a:latin typeface="Calibri"/>
-                <a:ea typeface="Calibri"/>
-                <a:cs typeface="Calibri"/>
-                <a:sym typeface="Calibri"/>
+                <a:latin typeface="Times New Roman"/>
+                <a:ea typeface="Times New Roman"/>
+                <a:cs typeface="Times New Roman"/>
+                <a:sym typeface="Times New Roman"/>
               </a:rPr>
-              <a:t>  The Evaluation of accuracy can be done using the test data. Mean Absolute error can be found using test data   and prediction data.</a:t>
+              <a:t>The Evaluation of accuracy can be done using the test data. Mean Absolute error can be found using test data   and prediction data.</a:t>
             </a:r>
-            <a:endParaRPr/>
+            <a:endParaRPr i="0" sz="1800" u="none" cap="none" strike="noStrike">
+              <a:solidFill>
+                <a:srgbClr val="000000"/>
+              </a:solidFill>
+              <a:latin typeface="Times New Roman"/>
+              <a:ea typeface="Times New Roman"/>
+              <a:cs typeface="Times New Roman"/>
+              <a:sym typeface="Times New Roman"/>
+            </a:endParaRPr>
           </a:p>
           <a:p>
-            <a:pPr indent="0" lvl="0" marL="0" marR="0" rtl="0" algn="just">
-              <a:lnSpc>
-                <a:spcPct val="100000"/>
-              </a:lnSpc>
-              <a:spcBef>
-                <a:spcPts val="0"/>
-              </a:spcBef>
-              <a:spcAft>
-                <a:spcPts val="0"/>
-              </a:spcAft>
+            <a:pPr indent="0" lvl="0" marL="0" marR="579474" rtl="0" algn="just">
+              <a:lnSpc>
+                <a:spcPct val="100000"/>
+              </a:lnSpc>
+              <a:spcBef>
+                <a:spcPts val="0"/>
+              </a:spcBef>
+              <a:spcAft>
+                <a:spcPts val="0"/>
+              </a:spcAft>
+              <a:buClr>
+                <a:srgbClr val="000000"/>
+              </a:buClr>
+              <a:buSzPts val="1500"/>
+              <a:buFont typeface="Arial"/>
               <a:buNone/>
             </a:pPr>
             <a:r>
-              <a:rPr b="0" i="0" lang="en-US" sz="1500" u="none" cap="none" strike="noStrike">
+              <a:rPr i="0" lang="en-US" sz="1800" u="none" cap="none" strike="noStrike">
                 <a:solidFill>
                   <a:schemeClr val="lt1"/>
                 </a:solidFill>
-                <a:latin typeface="Calibri"/>
-                <a:ea typeface="Calibri"/>
-                <a:cs typeface="Calibri"/>
-                <a:sym typeface="Calibri"/>
+                <a:latin typeface="Times New Roman"/>
+                <a:ea typeface="Times New Roman"/>
+                <a:cs typeface="Times New Roman"/>
+                <a:sym typeface="Times New Roman"/>
               </a:rPr>
               <a:t> </a:t>
             </a:r>
-            <a:endParaRPr/>
+            <a:endParaRPr i="0" sz="1800" u="none" cap="none" strike="noStrike">
+              <a:solidFill>
+                <a:srgbClr val="000000"/>
+              </a:solidFill>
+              <a:latin typeface="Times New Roman"/>
+              <a:ea typeface="Times New Roman"/>
+              <a:cs typeface="Times New Roman"/>
+              <a:sym typeface="Times New Roman"/>
+            </a:endParaRPr>
           </a:p>
           <a:p>
-            <a:pPr indent="0" lvl="0" marL="0" marR="0" rtl="0" algn="just">
-              <a:lnSpc>
-                <a:spcPct val="100000"/>
-              </a:lnSpc>
-              <a:spcBef>
-                <a:spcPts val="0"/>
-              </a:spcBef>
-              <a:spcAft>
-                <a:spcPts val="0"/>
-              </a:spcAft>
+            <a:pPr indent="0" lvl="0" marL="0" marR="579474" rtl="0" algn="just">
+              <a:lnSpc>
+                <a:spcPct val="100000"/>
+              </a:lnSpc>
+              <a:spcBef>
+                <a:spcPts val="0"/>
+              </a:spcBef>
+              <a:spcAft>
+                <a:spcPts val="0"/>
+              </a:spcAft>
+              <a:buClr>
+                <a:srgbClr val="000000"/>
+              </a:buClr>
+              <a:buSzPts val="1500"/>
+              <a:buFont typeface="Arial"/>
               <a:buNone/>
             </a:pPr>
             <a:r>
-              <a:rPr b="0" i="0" lang="en-US" sz="1500" u="none" cap="none" strike="noStrike">
+              <a:rPr i="0" lang="en-US" sz="1500" u="none" cap="none" strike="noStrike">
                 <a:solidFill>
                   <a:schemeClr val="lt1"/>
                 </a:solidFill>
-                <a:latin typeface="Calibri"/>
-                <a:ea typeface="Calibri"/>
-                <a:cs typeface="Calibri"/>
-                <a:sym typeface="Calibri"/>
+                <a:latin typeface="Times New Roman"/>
+                <a:ea typeface="Times New Roman"/>
+                <a:cs typeface="Times New Roman"/>
+                <a:sym typeface="Times New Roman"/>
               </a:rPr>
               <a:t> </a:t>
             </a:r>
-            <a:endParaRPr b="0" i="0" sz="1500" u="none" cap="none" strike="noStrike">
+            <a:endParaRPr i="0" sz="1500" u="none" cap="none" strike="noStrike">
               <a:solidFill>
                 <a:schemeClr val="lt1"/>
               </a:solidFill>
-              <a:latin typeface="Calibri"/>
-              <a:ea typeface="Calibri"/>
-              <a:cs typeface="Calibri"/>
-              <a:sym typeface="Calibri"/>
+              <a:latin typeface="Times New Roman"/>
+              <a:ea typeface="Times New Roman"/>
+              <a:cs typeface="Times New Roman"/>
+              <a:sym typeface="Times New Roman"/>
             </a:endParaRPr>
           </a:p>
           <a:p>
-            <a:pPr indent="0" lvl="0" marL="0" marR="0" rtl="0" algn="just">
-              <a:lnSpc>
-                <a:spcPct val="100000"/>
-              </a:lnSpc>
-              <a:spcBef>
-                <a:spcPts val="0"/>
-              </a:spcBef>
-              <a:spcAft>
-                <a:spcPts val="0"/>
-              </a:spcAft>
+            <a:pPr indent="0" lvl="0" marL="457200" marR="579474" rtl="0" algn="just">
+              <a:lnSpc>
+                <a:spcPct val="100000"/>
+              </a:lnSpc>
+              <a:spcBef>
+                <a:spcPts val="0"/>
+              </a:spcBef>
+              <a:spcAft>
+                <a:spcPts val="0"/>
+              </a:spcAft>
+              <a:buClr>
+                <a:srgbClr val="000000"/>
+              </a:buClr>
+              <a:buSzPts val="1800"/>
+              <a:buFont typeface="Arial"/>
               <a:buNone/>
             </a:pPr>
             <a:r>
@@ -26845,17 +27186,25 @@
                 <a:solidFill>
                   <a:schemeClr val="lt1"/>
                 </a:solidFill>
-                <a:latin typeface="Calibri"/>
-                <a:ea typeface="Calibri"/>
-                <a:cs typeface="Calibri"/>
-                <a:sym typeface="Calibri"/>
+                <a:latin typeface="Times New Roman"/>
+                <a:ea typeface="Times New Roman"/>
+                <a:cs typeface="Times New Roman"/>
+                <a:sym typeface="Times New Roman"/>
               </a:rPr>
               <a:t>Cloud Setup</a:t>
             </a:r>
-            <a:endParaRPr/>
+            <a:endParaRPr i="0" sz="1400" u="none" cap="none" strike="noStrike">
+              <a:solidFill>
+                <a:srgbClr val="000000"/>
+              </a:solidFill>
+              <a:latin typeface="Times New Roman"/>
+              <a:ea typeface="Times New Roman"/>
+              <a:cs typeface="Times New Roman"/>
+              <a:sym typeface="Times New Roman"/>
+            </a:endParaRPr>
           </a:p>
           <a:p>
-            <a:pPr indent="0" lvl="0" marL="668020" marR="0" rtl="0" algn="just">
+            <a:pPr indent="0" lvl="0" marL="668020" marR="579474" rtl="0" algn="just">
               <a:lnSpc>
                 <a:spcPct val="100000"/>
               </a:lnSpc>
@@ -26865,6 +27214,11 @@
               <a:spcAft>
                 <a:spcPts val="0"/>
               </a:spcAft>
+              <a:buClr>
+                <a:srgbClr val="000000"/>
+              </a:buClr>
+              <a:buSzPts val="1500"/>
+              <a:buFont typeface="Arial"/>
               <a:buNone/>
             </a:pPr>
             <a:r>
@@ -26872,44 +27226,77 @@
                 <a:solidFill>
                   <a:schemeClr val="lt1"/>
                 </a:solidFill>
-                <a:latin typeface="Calibri"/>
-                <a:ea typeface="Calibri"/>
-                <a:cs typeface="Calibri"/>
-                <a:sym typeface="Calibri"/>
+                <a:latin typeface="Times New Roman"/>
+                <a:ea typeface="Times New Roman"/>
+                <a:cs typeface="Times New Roman"/>
+                <a:sym typeface="Times New Roman"/>
               </a:rPr>
               <a:t> </a:t>
             </a:r>
-            <a:endParaRPr/>
+            <a:endParaRPr i="0" sz="1400" u="none" cap="none" strike="noStrike">
+              <a:solidFill>
+                <a:srgbClr val="000000"/>
+              </a:solidFill>
+              <a:latin typeface="Times New Roman"/>
+              <a:ea typeface="Times New Roman"/>
+              <a:cs typeface="Times New Roman"/>
+              <a:sym typeface="Times New Roman"/>
+            </a:endParaRPr>
           </a:p>
           <a:p>
-            <a:pPr indent="0" lvl="0" marL="0" marR="0" rtl="0" algn="just">
-              <a:lnSpc>
-                <a:spcPct val="100000"/>
-              </a:lnSpc>
-              <a:spcBef>
-                <a:spcPts val="0"/>
-              </a:spcBef>
-              <a:spcAft>
-                <a:spcPts val="0"/>
-              </a:spcAft>
+            <a:pPr indent="0" lvl="0" marL="914400" marR="579474" rtl="0" algn="just">
+              <a:lnSpc>
+                <a:spcPct val="100000"/>
+              </a:lnSpc>
+              <a:spcBef>
+                <a:spcPts val="0"/>
+              </a:spcBef>
+              <a:spcAft>
+                <a:spcPts val="0"/>
+              </a:spcAft>
+              <a:buClr>
+                <a:srgbClr val="000000"/>
+              </a:buClr>
+              <a:buSzPts val="1500"/>
+              <a:buFont typeface="Arial"/>
               <a:buNone/>
             </a:pPr>
             <a:r>
-              <a:rPr b="0" i="0" lang="en-US" sz="1500" u="none" cap="none" strike="noStrike">
+              <a:rPr i="0" lang="en-US" sz="1500" u="none" cap="none" strike="noStrike">
                 <a:solidFill>
                   <a:schemeClr val="lt1"/>
                 </a:solidFill>
-                <a:latin typeface="Calibri"/>
-                <a:ea typeface="Calibri"/>
-                <a:cs typeface="Calibri"/>
-                <a:sym typeface="Calibri"/>
+                <a:latin typeface="Times New Roman"/>
+                <a:ea typeface="Times New Roman"/>
+                <a:cs typeface="Times New Roman"/>
+                <a:sym typeface="Times New Roman"/>
               </a:rPr>
-              <a:t> Using Heroku as the cloud deployment platform, the platform is setup for deploying the virtual app. </a:t>
+              <a:t> </a:t>
             </a:r>
-            <a:endParaRPr/>
+            <a:r>
+              <a:rPr i="0" lang="en-US" sz="1800" u="none" cap="none" strike="noStrike">
+                <a:solidFill>
+                  <a:schemeClr val="lt1"/>
+                </a:solidFill>
+                <a:latin typeface="Times New Roman"/>
+                <a:ea typeface="Times New Roman"/>
+                <a:cs typeface="Times New Roman"/>
+                <a:sym typeface="Times New Roman"/>
+              </a:rPr>
+              <a:t>Using Heroku as the cloud deployment platform, the platform is setup for deploying the virtual app. </a:t>
+            </a:r>
+            <a:endParaRPr i="0" sz="1800" u="none" cap="none" strike="noStrike">
+              <a:solidFill>
+                <a:srgbClr val="000000"/>
+              </a:solidFill>
+              <a:latin typeface="Times New Roman"/>
+              <a:ea typeface="Times New Roman"/>
+              <a:cs typeface="Times New Roman"/>
+              <a:sym typeface="Times New Roman"/>
+            </a:endParaRPr>
           </a:p>
           <a:p>
-            <a:pPr indent="0" lvl="0" marL="0" marR="0" rtl="0" algn="just">
+            <a:pPr indent="0" lvl="0" marL="0" marR="579474" rtl="0" algn="just">
               <a:lnSpc>
                 <a:spcPct val="100000"/>
               </a:lnSpc>
@@ -26919,23 +27306,28 @@
               <a:spcAft>
                 <a:spcPts val="0"/>
               </a:spcAft>
+              <a:buClr>
+                <a:srgbClr val="000000"/>
+              </a:buClr>
+              <a:buSzPts val="1500"/>
+              <a:buFont typeface="Arial"/>
               <a:buNone/>
             </a:pPr>
             <a:r>
               <a:t/>
             </a:r>
-            <a:endParaRPr b="0" i="0" sz="1500" u="none" cap="none" strike="noStrike">
+            <a:endParaRPr i="0" sz="1800" u="none" cap="none" strike="noStrike">
               <a:solidFill>
                 <a:schemeClr val="lt1"/>
               </a:solidFill>
-              <a:latin typeface="Calibri"/>
-              <a:ea typeface="Calibri"/>
-              <a:cs typeface="Calibri"/>
-              <a:sym typeface="Calibri"/>
+              <a:latin typeface="Times New Roman"/>
+              <a:ea typeface="Times New Roman"/>
+              <a:cs typeface="Times New Roman"/>
+              <a:sym typeface="Times New Roman"/>
             </a:endParaRPr>
           </a:p>
           <a:p>
-            <a:pPr indent="0" lvl="0" marL="0" marR="0" rtl="0" algn="just">
+            <a:pPr indent="0" lvl="0" marL="0" marR="579474" rtl="0" algn="just">
               <a:lnSpc>
                 <a:spcPct val="100000"/>
               </a:lnSpc>
@@ -26945,6 +27337,11 @@
               <a:spcAft>
                 <a:spcPts val="0"/>
               </a:spcAft>
+              <a:buClr>
+                <a:srgbClr val="000000"/>
+              </a:buClr>
+              <a:buSzPts val="1800"/>
+              <a:buFont typeface="Arial"/>
               <a:buNone/>
             </a:pPr>
             <a:r>
@@ -26954,10 +27351,142 @@
               <a:solidFill>
                 <a:schemeClr val="lt1"/>
               </a:solidFill>
-              <a:latin typeface="Calibri"/>
-              <a:ea typeface="Calibri"/>
-              <a:cs typeface="Calibri"/>
-              <a:sym typeface="Calibri"/>
+              <a:latin typeface="Times New Roman"/>
+              <a:ea typeface="Times New Roman"/>
+              <a:cs typeface="Times New Roman"/>
+              <a:sym typeface="Times New Roman"/>
+            </a:endParaRPr>
+          </a:p>
+          <a:p>
+            <a:pPr indent="0" lvl="0" marL="457200" marR="579474" rtl="0" algn="just">
+              <a:lnSpc>
+                <a:spcPct val="100000"/>
+              </a:lnSpc>
+              <a:spcBef>
+                <a:spcPts val="55"/>
+              </a:spcBef>
+              <a:spcAft>
+                <a:spcPts val="0"/>
+              </a:spcAft>
+              <a:buClr>
+                <a:srgbClr val="000000"/>
+              </a:buClr>
+              <a:buSzPts val="1800"/>
+              <a:buFont typeface="Arial"/>
+              <a:buNone/>
+            </a:pPr>
+            <a:r>
+              <a:rPr b="1" i="0" lang="en-US" sz="1800" u="none" cap="none" strike="noStrike">
+                <a:solidFill>
+                  <a:schemeClr val="lt1"/>
+                </a:solidFill>
+                <a:latin typeface="Times New Roman"/>
+                <a:ea typeface="Times New Roman"/>
+                <a:cs typeface="Times New Roman"/>
+                <a:sym typeface="Times New Roman"/>
+              </a:rPr>
+              <a:t>Pushing to Cloud</a:t>
+            </a:r>
+            <a:endParaRPr i="0" sz="1400" u="none" cap="none" strike="noStrike">
+              <a:solidFill>
+                <a:srgbClr val="000000"/>
+              </a:solidFill>
+              <a:latin typeface="Times New Roman"/>
+              <a:ea typeface="Times New Roman"/>
+              <a:cs typeface="Times New Roman"/>
+              <a:sym typeface="Times New Roman"/>
+            </a:endParaRPr>
+          </a:p>
+          <a:p>
+            <a:pPr indent="0" lvl="0" marL="0" marR="579474" rtl="0" algn="just">
+              <a:lnSpc>
+                <a:spcPct val="100000"/>
+              </a:lnSpc>
+              <a:spcBef>
+                <a:spcPts val="40"/>
+              </a:spcBef>
+              <a:spcAft>
+                <a:spcPts val="0"/>
+              </a:spcAft>
+              <a:buClr>
+                <a:srgbClr val="000000"/>
+              </a:buClr>
+              <a:buSzPts val="1800"/>
+              <a:buFont typeface="Arial"/>
+              <a:buNone/>
+            </a:pPr>
+            <a:r>
+              <a:rPr i="0" lang="en-US" sz="1800" u="none" cap="none" strike="noStrike">
+                <a:solidFill>
+                  <a:schemeClr val="lt1"/>
+                </a:solidFill>
+                <a:latin typeface="Times New Roman"/>
+                <a:ea typeface="Times New Roman"/>
+                <a:cs typeface="Times New Roman"/>
+                <a:sym typeface="Times New Roman"/>
+              </a:rPr>
+              <a:t> </a:t>
+            </a:r>
+            <a:endParaRPr i="0" sz="1800" u="none" cap="none" strike="noStrike">
+              <a:solidFill>
+                <a:schemeClr val="lt1"/>
+              </a:solidFill>
+              <a:latin typeface="Times New Roman"/>
+              <a:ea typeface="Times New Roman"/>
+              <a:cs typeface="Times New Roman"/>
+              <a:sym typeface="Times New Roman"/>
+            </a:endParaRPr>
+          </a:p>
+          <a:p>
+            <a:pPr indent="0" lvl="0" marL="914400" marR="579474" rtl="0" algn="just">
+              <a:lnSpc>
+                <a:spcPct val="107000"/>
+              </a:lnSpc>
+              <a:spcBef>
+                <a:spcPts val="0"/>
+              </a:spcBef>
+              <a:spcAft>
+                <a:spcPts val="0"/>
+              </a:spcAft>
+              <a:buClr>
+                <a:srgbClr val="000000"/>
+              </a:buClr>
+              <a:buSzPts val="1500"/>
+              <a:buFont typeface="Arial"/>
+              <a:buNone/>
+            </a:pPr>
+            <a:r>
+              <a:rPr i="0" lang="en-US" sz="1800" u="none" cap="none" strike="noStrike">
+                <a:solidFill>
+                  <a:schemeClr val="lt1"/>
+                </a:solidFill>
+                <a:latin typeface="Times New Roman"/>
+                <a:ea typeface="Times New Roman"/>
+                <a:cs typeface="Times New Roman"/>
+                <a:sym typeface="Times New Roman"/>
+              </a:rPr>
+              <a:t>Once the cloud is setup, the virtual app created will be pushed to the cloud and will finally be deployed into the clou</a:t>
+            </a:r>
+            <a:r>
+              <a:rPr i="0" lang="en-US" sz="1800" u="none" cap="none" strike="noStrike">
+                <a:solidFill>
+                  <a:schemeClr val="lt1"/>
+                </a:solidFill>
+                <a:latin typeface="Times New Roman"/>
+                <a:ea typeface="Times New Roman"/>
+                <a:cs typeface="Times New Roman"/>
+                <a:sym typeface="Times New Roman"/>
+              </a:rPr>
+              <a:t>d</a:t>
+            </a:r>
+            <a:endParaRPr i="0" sz="1800" u="none" cap="none" strike="noStrike">
+              <a:solidFill>
+                <a:srgbClr val="000000"/>
+              </a:solidFill>
+              <a:latin typeface="Times New Roman"/>
+              <a:ea typeface="Times New Roman"/>
+              <a:cs typeface="Times New Roman"/>
+              <a:sym typeface="Times New Roman"/>
             </a:endParaRPr>
           </a:p>
           <a:p>
@@ -26966,167 +27495,21 @@
                 <a:spcPct val="100000"/>
               </a:lnSpc>
               <a:spcBef>
-                <a:spcPts val="55"/>
-              </a:spcBef>
-              <a:spcAft>
-                <a:spcPts val="0"/>
-              </a:spcAft>
+                <a:spcPts val="0"/>
+              </a:spcBef>
+              <a:spcAft>
+                <a:spcPts val="0"/>
+              </a:spcAft>
+              <a:buClr>
+                <a:srgbClr val="000000"/>
+              </a:buClr>
+              <a:buSzPts val="1100"/>
+              <a:buFont typeface="Arial"/>
               <a:buNone/>
             </a:pPr>
             <a:r>
-              <a:rPr b="1" i="0" lang="en-US" sz="1800" u="none" cap="none" strike="noStrike">
-                <a:solidFill>
-                  <a:schemeClr val="lt1"/>
-                </a:solidFill>
-                <a:latin typeface="Calibri"/>
-                <a:ea typeface="Calibri"/>
-                <a:cs typeface="Calibri"/>
-                <a:sym typeface="Calibri"/>
-              </a:rPr>
-              <a:t>Pushing to Cloud</a:t>
+              <a:t/>
             </a:r>
-            <a:endParaRPr/>
-          </a:p>
-          <a:p>
-            <a:pPr indent="0" lvl="0" marL="0" marR="0" rtl="0" algn="just">
-              <a:lnSpc>
-                <a:spcPct val="100000"/>
-              </a:lnSpc>
-              <a:spcBef>
-                <a:spcPts val="40"/>
-              </a:spcBef>
-              <a:spcAft>
-                <a:spcPts val="0"/>
-              </a:spcAft>
-              <a:buNone/>
-            </a:pPr>
-            <a:r>
-              <a:rPr b="0" i="0" lang="en-US" sz="1800" u="none" cap="none" strike="noStrike">
-                <a:solidFill>
-                  <a:schemeClr val="lt1"/>
-                </a:solidFill>
-                <a:latin typeface="Calibri"/>
-                <a:ea typeface="Calibri"/>
-                <a:cs typeface="Calibri"/>
-                <a:sym typeface="Calibri"/>
-              </a:rPr>
-              <a:t> </a:t>
-            </a:r>
-            <a:endParaRPr b="0" i="0" sz="1800" u="none" cap="none" strike="noStrike">
-              <a:solidFill>
-                <a:schemeClr val="lt1"/>
-              </a:solidFill>
-              <a:latin typeface="Calibri"/>
-              <a:ea typeface="Calibri"/>
-              <a:cs typeface="Calibri"/>
-              <a:sym typeface="Calibri"/>
-            </a:endParaRPr>
-          </a:p>
-          <a:p>
-            <a:pPr indent="0" lvl="0" marL="165100" marR="445135" rtl="0" algn="just">
-              <a:lnSpc>
-                <a:spcPct val="107000"/>
-              </a:lnSpc>
-              <a:spcBef>
-                <a:spcPts val="0"/>
-              </a:spcBef>
-              <a:spcAft>
-                <a:spcPts val="0"/>
-              </a:spcAft>
-              <a:buNone/>
-            </a:pPr>
-            <a:r>
-              <a:rPr b="0" i="0" lang="en-US" sz="1500" u="none" cap="none" strike="noStrike">
-                <a:solidFill>
-                  <a:schemeClr val="lt1"/>
-                </a:solidFill>
-                <a:latin typeface="Calibri"/>
-                <a:ea typeface="Calibri"/>
-                <a:cs typeface="Calibri"/>
-                <a:sym typeface="Calibri"/>
-              </a:rPr>
-              <a:t>Once the cloud is setup, the virtual app created will be pushed to the cloud and will finally be deployed into the cloud</a:t>
-            </a:r>
-            <a:endParaRPr/>
-          </a:p>
-          <a:p>
-            <a:pPr indent="0" lvl="0" marL="0" marR="0" rtl="0" algn="just">
-              <a:lnSpc>
-                <a:spcPct val="100000"/>
-              </a:lnSpc>
-              <a:spcBef>
-                <a:spcPts val="0"/>
-              </a:spcBef>
-              <a:spcAft>
-                <a:spcPts val="0"/>
-              </a:spcAft>
-              <a:buNone/>
-            </a:pPr>
-            <a:r>
-              <a:rPr b="0" i="0" lang="en-US" sz="1100" u="none" cap="none" strike="noStrike">
-                <a:solidFill>
-                  <a:srgbClr val="000000"/>
-                </a:solidFill>
-                <a:latin typeface="Calibri"/>
-                <a:ea typeface="Calibri"/>
-                <a:cs typeface="Calibri"/>
-                <a:sym typeface="Calibri"/>
-              </a:rPr>
-              <a:t> </a:t>
-            </a:r>
-            <a:endParaRPr/>
-          </a:p>
-          <a:p>
-            <a:pPr indent="0" lvl="0" marL="0" marR="0" rtl="0" algn="just">
-              <a:lnSpc>
-                <a:spcPct val="100000"/>
-              </a:lnSpc>
-              <a:spcBef>
-                <a:spcPts val="45"/>
-              </a:spcBef>
-              <a:spcAft>
-                <a:spcPts val="0"/>
-              </a:spcAft>
-              <a:buNone/>
-            </a:pPr>
-            <a:r>
-              <a:rPr b="0" i="0" lang="en-US" sz="1100" u="none" cap="none" strike="noStrike">
-                <a:solidFill>
-                  <a:srgbClr val="000000"/>
-                </a:solidFill>
-                <a:latin typeface="Calibri"/>
-                <a:ea typeface="Calibri"/>
-                <a:cs typeface="Calibri"/>
-                <a:sym typeface="Calibri"/>
-              </a:rPr>
-              <a:t> </a:t>
-            </a:r>
-            <a:endParaRPr/>
-          </a:p>
-          <a:p>
-            <a:pPr indent="0" lvl="0" marL="0" marR="0" rtl="0" algn="l">
-              <a:lnSpc>
-                <a:spcPct val="100000"/>
-              </a:lnSpc>
-              <a:spcBef>
-                <a:spcPts val="0"/>
-              </a:spcBef>
-              <a:spcAft>
-                <a:spcPts val="0"/>
-              </a:spcAft>
-              <a:buNone/>
-            </a:pPr>
-            <a:br>
-              <a:rPr b="0" i="0" lang="en-US" sz="1100" u="none" cap="none" strike="noStrike">
-                <a:solidFill>
-                  <a:srgbClr val="000000"/>
-                </a:solidFill>
-                <a:latin typeface="Calibri"/>
-                <a:ea typeface="Calibri"/>
-                <a:cs typeface="Calibri"/>
-                <a:sym typeface="Calibri"/>
-              </a:rPr>
-            </a:br>
             <a:endParaRPr b="0" i="0" sz="1400" u="none" cap="none" strike="noStrike">
               <a:solidFill>
                 <a:srgbClr val="000000"/>
@@ -27172,8 +27555,8 @@
         </p:nvSpPr>
         <p:spPr>
           <a:xfrm>
-            <a:off x="172279" y="516835"/>
-            <a:ext cx="11264348" cy="6217087"/>
+            <a:off x="75" y="0"/>
+            <a:ext cx="12192000" cy="6858000"/>
           </a:xfrm>
           <a:prstGeom prst="rect">
             <a:avLst/>
@@ -27189,506 +27572,755 @@
           </a:bodyPr>
           <a:lstStyle/>
           <a:p>
-            <a:pPr indent="0" lvl="0" marL="0" marR="0" rtl="0" algn="l">
-              <a:lnSpc>
-                <a:spcPct val="100000"/>
-              </a:lnSpc>
-              <a:spcBef>
-                <a:spcPts val="0"/>
-              </a:spcBef>
-              <a:spcAft>
-                <a:spcPts val="0"/>
-              </a:spcAft>
+            <a:pPr indent="0" lvl="0" marL="457200" marR="0" rtl="0" algn="l">
+              <a:lnSpc>
+                <a:spcPct val="100000"/>
+              </a:lnSpc>
+              <a:spcBef>
+                <a:spcPts val="0"/>
+              </a:spcBef>
+              <a:spcAft>
+                <a:spcPts val="0"/>
+              </a:spcAft>
+              <a:buClr>
+                <a:srgbClr val="000000"/>
+              </a:buClr>
+              <a:buSzPts val="2200"/>
+              <a:buFont typeface="Arial"/>
               <a:buNone/>
             </a:pPr>
             <a:r>
-              <a:rPr b="0" i="0" lang="en-US" sz="2200" u="none" cap="none" strike="noStrike">
+              <a:t/>
+            </a:r>
+            <a:endParaRPr b="1" sz="1800">
+              <a:solidFill>
+                <a:schemeClr val="lt1"/>
+              </a:solidFill>
+              <a:latin typeface="Times New Roman"/>
+              <a:ea typeface="Times New Roman"/>
+              <a:cs typeface="Times New Roman"/>
+              <a:sym typeface="Times New Roman"/>
+            </a:endParaRPr>
+          </a:p>
+          <a:p>
+            <a:pPr indent="0" lvl="0" marL="457200" marR="579474" rtl="0" algn="l">
+              <a:lnSpc>
+                <a:spcPct val="100000"/>
+              </a:lnSpc>
+              <a:spcBef>
+                <a:spcPts val="0"/>
+              </a:spcBef>
+              <a:spcAft>
+                <a:spcPts val="0"/>
+              </a:spcAft>
+              <a:buClr>
+                <a:srgbClr val="000000"/>
+              </a:buClr>
+              <a:buSzPts val="2200"/>
+              <a:buFont typeface="Arial"/>
+              <a:buNone/>
+            </a:pPr>
+            <a:r>
+              <a:rPr b="1" i="0" lang="en-US" sz="1800" u="none" cap="none" strike="noStrike">
                 <a:solidFill>
                   <a:schemeClr val="lt1"/>
                 </a:solidFill>
-                <a:latin typeface="Arial"/>
-                <a:ea typeface="Arial"/>
-                <a:cs typeface="Arial"/>
-                <a:sym typeface="Arial"/>
+                <a:latin typeface="Times New Roman"/>
+                <a:ea typeface="Times New Roman"/>
+                <a:cs typeface="Times New Roman"/>
+                <a:sym typeface="Times New Roman"/>
               </a:rPr>
               <a:t>Application Start</a:t>
             </a:r>
-            <a:endParaRPr/>
+            <a:endParaRPr b="1" i="0" sz="1800" u="none" cap="none" strike="noStrike">
+              <a:solidFill>
+                <a:srgbClr val="000000"/>
+              </a:solidFill>
+              <a:latin typeface="Times New Roman"/>
+              <a:ea typeface="Times New Roman"/>
+              <a:cs typeface="Times New Roman"/>
+              <a:sym typeface="Times New Roman"/>
+            </a:endParaRPr>
           </a:p>
           <a:p>
-            <a:pPr indent="0" lvl="0" marL="0" marR="0" rtl="0" algn="l">
-              <a:lnSpc>
-                <a:spcPct val="100000"/>
-              </a:lnSpc>
-              <a:spcBef>
-                <a:spcPts val="0"/>
-              </a:spcBef>
-              <a:spcAft>
-                <a:spcPts val="0"/>
-              </a:spcAft>
+            <a:pPr indent="0" lvl="0" marL="0" marR="579474" rtl="0" algn="l">
+              <a:lnSpc>
+                <a:spcPct val="100000"/>
+              </a:lnSpc>
+              <a:spcBef>
+                <a:spcPts val="0"/>
+              </a:spcBef>
+              <a:spcAft>
+                <a:spcPts val="0"/>
+              </a:spcAft>
+              <a:buClr>
+                <a:srgbClr val="000000"/>
+              </a:buClr>
+              <a:buSzPts val="1800"/>
+              <a:buFont typeface="Arial"/>
               <a:buNone/>
             </a:pPr>
             <a:r>
-              <a:rPr b="0" i="0" lang="en-US" sz="1800" u="none" cap="none" strike="noStrike">
+              <a:rPr i="0" lang="en-US" sz="1800" u="none" cap="none" strike="noStrike">
                 <a:solidFill>
                   <a:schemeClr val="lt1"/>
                 </a:solidFill>
-                <a:latin typeface="Arial"/>
-                <a:ea typeface="Arial"/>
-                <a:cs typeface="Arial"/>
-                <a:sym typeface="Arial"/>
+                <a:latin typeface="Times New Roman"/>
+                <a:ea typeface="Times New Roman"/>
+                <a:cs typeface="Times New Roman"/>
+                <a:sym typeface="Times New Roman"/>
               </a:rPr>
               <a:t> </a:t>
             </a:r>
-            <a:endParaRPr/>
+            <a:endParaRPr i="0" sz="1800" u="none" cap="none" strike="noStrike">
+              <a:solidFill>
+                <a:srgbClr val="000000"/>
+              </a:solidFill>
+              <a:latin typeface="Times New Roman"/>
+              <a:ea typeface="Times New Roman"/>
+              <a:cs typeface="Times New Roman"/>
+              <a:sym typeface="Times New Roman"/>
+            </a:endParaRPr>
           </a:p>
           <a:p>
-            <a:pPr indent="0" lvl="0" marL="0" marR="0" rtl="0" algn="l">
-              <a:lnSpc>
-                <a:spcPct val="100000"/>
-              </a:lnSpc>
-              <a:spcBef>
-                <a:spcPts val="0"/>
-              </a:spcBef>
-              <a:spcAft>
-                <a:spcPts val="0"/>
-              </a:spcAft>
+            <a:pPr indent="0" lvl="0" marL="914400" marR="579474" rtl="0" algn="l">
+              <a:lnSpc>
+                <a:spcPct val="100000"/>
+              </a:lnSpc>
+              <a:spcBef>
+                <a:spcPts val="0"/>
+              </a:spcBef>
+              <a:spcAft>
+                <a:spcPts val="0"/>
+              </a:spcAft>
+              <a:buClr>
+                <a:srgbClr val="000000"/>
+              </a:buClr>
+              <a:buSzPts val="1800"/>
+              <a:buFont typeface="Arial"/>
               <a:buNone/>
             </a:pPr>
             <a:r>
-              <a:rPr b="0" i="0" lang="en-US" sz="1800" u="none" cap="none" strike="noStrike">
+              <a:rPr i="0" lang="en-US" sz="1800" u="none" cap="none" strike="noStrike">
                 <a:solidFill>
                   <a:schemeClr val="lt1"/>
                 </a:solidFill>
-                <a:latin typeface="Arial"/>
-                <a:ea typeface="Arial"/>
-                <a:cs typeface="Arial"/>
-                <a:sym typeface="Arial"/>
+                <a:latin typeface="Times New Roman"/>
+                <a:ea typeface="Times New Roman"/>
+                <a:cs typeface="Times New Roman"/>
+                <a:sym typeface="Times New Roman"/>
               </a:rPr>
               <a:t>Once the virtual app is deployed in to the cloud we can open the web application using any web browser.</a:t>
             </a:r>
-            <a:endParaRPr/>
+            <a:endParaRPr i="0" sz="1800" u="none" cap="none" strike="noStrike">
+              <a:solidFill>
+                <a:srgbClr val="000000"/>
+              </a:solidFill>
+              <a:latin typeface="Times New Roman"/>
+              <a:ea typeface="Times New Roman"/>
+              <a:cs typeface="Times New Roman"/>
+              <a:sym typeface="Times New Roman"/>
+            </a:endParaRPr>
           </a:p>
           <a:p>
-            <a:pPr indent="0" lvl="0" marL="0" marR="0" rtl="0" algn="l">
-              <a:lnSpc>
-                <a:spcPct val="100000"/>
-              </a:lnSpc>
-              <a:spcBef>
-                <a:spcPts val="0"/>
-              </a:spcBef>
-              <a:spcAft>
-                <a:spcPts val="0"/>
-              </a:spcAft>
+            <a:pPr indent="0" lvl="0" marL="0" marR="579474" rtl="0" algn="l">
+              <a:lnSpc>
+                <a:spcPct val="100000"/>
+              </a:lnSpc>
+              <a:spcBef>
+                <a:spcPts val="0"/>
+              </a:spcBef>
+              <a:spcAft>
+                <a:spcPts val="0"/>
+              </a:spcAft>
+              <a:buClr>
+                <a:srgbClr val="000000"/>
+              </a:buClr>
+              <a:buSzPts val="1800"/>
+              <a:buFont typeface="Arial"/>
               <a:buNone/>
             </a:pPr>
             <a:r>
-              <a:rPr b="0" i="0" lang="en-US" sz="1800" u="none" cap="none" strike="noStrike">
+              <a:rPr i="0" lang="en-US" sz="1800" u="none" cap="none" strike="noStrike">
                 <a:solidFill>
                   <a:schemeClr val="lt1"/>
                 </a:solidFill>
-                <a:latin typeface="Arial"/>
-                <a:ea typeface="Arial"/>
-                <a:cs typeface="Arial"/>
-                <a:sym typeface="Arial"/>
+                <a:latin typeface="Times New Roman"/>
+                <a:ea typeface="Times New Roman"/>
+                <a:cs typeface="Times New Roman"/>
+                <a:sym typeface="Times New Roman"/>
               </a:rPr>
               <a:t> </a:t>
             </a:r>
-            <a:endParaRPr/>
+            <a:endParaRPr i="0" sz="1800" u="none" cap="none" strike="noStrike">
+              <a:solidFill>
+                <a:srgbClr val="000000"/>
+              </a:solidFill>
+              <a:latin typeface="Times New Roman"/>
+              <a:ea typeface="Times New Roman"/>
+              <a:cs typeface="Times New Roman"/>
+              <a:sym typeface="Times New Roman"/>
+            </a:endParaRPr>
           </a:p>
           <a:p>
-            <a:pPr indent="0" lvl="0" marL="0" marR="0" rtl="0" algn="l">
-              <a:lnSpc>
-                <a:spcPct val="100000"/>
-              </a:lnSpc>
-              <a:spcBef>
-                <a:spcPts val="0"/>
-              </a:spcBef>
-              <a:spcAft>
-                <a:spcPts val="0"/>
-              </a:spcAft>
+            <a:pPr indent="0" lvl="0" marL="0" marR="579474" rtl="0" algn="l">
+              <a:lnSpc>
+                <a:spcPct val="100000"/>
+              </a:lnSpc>
+              <a:spcBef>
+                <a:spcPts val="0"/>
+              </a:spcBef>
+              <a:spcAft>
+                <a:spcPts val="0"/>
+              </a:spcAft>
+              <a:buClr>
+                <a:srgbClr val="000000"/>
+              </a:buClr>
+              <a:buSzPts val="1800"/>
+              <a:buFont typeface="Arial"/>
               <a:buNone/>
             </a:pPr>
             <a:r>
-              <a:rPr b="0" i="0" lang="en-US" sz="1800" u="none" cap="none" strike="noStrike">
+              <a:rPr i="0" lang="en-US" sz="1800" u="none" cap="none" strike="noStrike">
                 <a:solidFill>
                   <a:schemeClr val="lt1"/>
                 </a:solidFill>
-                <a:latin typeface="Arial"/>
-                <a:ea typeface="Arial"/>
-                <a:cs typeface="Arial"/>
-                <a:sym typeface="Arial"/>
+                <a:latin typeface="Times New Roman"/>
+                <a:ea typeface="Times New Roman"/>
+                <a:cs typeface="Times New Roman"/>
+                <a:sym typeface="Times New Roman"/>
               </a:rPr>
               <a:t> </a:t>
             </a:r>
-            <a:endParaRPr/>
+            <a:endParaRPr i="0" sz="1800" u="none" cap="none" strike="noStrike">
+              <a:solidFill>
+                <a:srgbClr val="000000"/>
+              </a:solidFill>
+              <a:latin typeface="Times New Roman"/>
+              <a:ea typeface="Times New Roman"/>
+              <a:cs typeface="Times New Roman"/>
+              <a:sym typeface="Times New Roman"/>
+            </a:endParaRPr>
           </a:p>
           <a:p>
-            <a:pPr indent="0" lvl="0" marL="0" marR="0" rtl="0" algn="l">
-              <a:lnSpc>
-                <a:spcPct val="100000"/>
-              </a:lnSpc>
-              <a:spcBef>
-                <a:spcPts val="0"/>
-              </a:spcBef>
-              <a:spcAft>
-                <a:spcPts val="0"/>
-              </a:spcAft>
+            <a:pPr indent="0" lvl="0" marL="457200" marR="579474" rtl="0" algn="l">
+              <a:lnSpc>
+                <a:spcPct val="100000"/>
+              </a:lnSpc>
+              <a:spcBef>
+                <a:spcPts val="0"/>
+              </a:spcBef>
+              <a:spcAft>
+                <a:spcPts val="0"/>
+              </a:spcAft>
+              <a:buClr>
+                <a:srgbClr val="000000"/>
+              </a:buClr>
+              <a:buSzPts val="2200"/>
+              <a:buFont typeface="Arial"/>
               <a:buNone/>
             </a:pPr>
             <a:r>
-              <a:rPr b="0" i="0" lang="en-US" sz="2200" u="none" cap="none" strike="noStrike">
+              <a:rPr b="1" i="0" lang="en-US" sz="1800" u="none" cap="none" strike="noStrike">
                 <a:solidFill>
                   <a:schemeClr val="lt1"/>
                 </a:solidFill>
-                <a:latin typeface="Arial"/>
-                <a:ea typeface="Arial"/>
-                <a:cs typeface="Arial"/>
-                <a:sym typeface="Arial"/>
+                <a:latin typeface="Times New Roman"/>
+                <a:ea typeface="Times New Roman"/>
+                <a:cs typeface="Times New Roman"/>
+                <a:sym typeface="Times New Roman"/>
               </a:rPr>
               <a:t>Data from user</a:t>
             </a:r>
-            <a:endParaRPr/>
+            <a:endParaRPr b="1" i="0" sz="1800" u="none" cap="none" strike="noStrike">
+              <a:solidFill>
+                <a:srgbClr val="000000"/>
+              </a:solidFill>
+              <a:latin typeface="Times New Roman"/>
+              <a:ea typeface="Times New Roman"/>
+              <a:cs typeface="Times New Roman"/>
+              <a:sym typeface="Times New Roman"/>
+            </a:endParaRPr>
           </a:p>
           <a:p>
-            <a:pPr indent="0" lvl="0" marL="0" marR="0" rtl="0" algn="l">
-              <a:lnSpc>
-                <a:spcPct val="100000"/>
-              </a:lnSpc>
-              <a:spcBef>
-                <a:spcPts val="0"/>
-              </a:spcBef>
-              <a:spcAft>
-                <a:spcPts val="0"/>
-              </a:spcAft>
+            <a:pPr indent="0" lvl="0" marL="0" marR="579474" rtl="0" algn="l">
+              <a:lnSpc>
+                <a:spcPct val="100000"/>
+              </a:lnSpc>
+              <a:spcBef>
+                <a:spcPts val="0"/>
+              </a:spcBef>
+              <a:spcAft>
+                <a:spcPts val="0"/>
+              </a:spcAft>
+              <a:buClr>
+                <a:srgbClr val="000000"/>
+              </a:buClr>
+              <a:buSzPts val="1800"/>
+              <a:buFont typeface="Arial"/>
               <a:buNone/>
             </a:pPr>
             <a:r>
-              <a:rPr b="0" i="0" lang="en-US" sz="1800" u="none" cap="none" strike="noStrike">
+              <a:rPr i="0" lang="en-US" sz="1800" u="none" cap="none" strike="noStrike">
                 <a:solidFill>
                   <a:schemeClr val="lt1"/>
                 </a:solidFill>
-                <a:latin typeface="Arial"/>
-                <a:ea typeface="Arial"/>
-                <a:cs typeface="Arial"/>
-                <a:sym typeface="Arial"/>
+                <a:latin typeface="Times New Roman"/>
+                <a:ea typeface="Times New Roman"/>
+                <a:cs typeface="Times New Roman"/>
+                <a:sym typeface="Times New Roman"/>
               </a:rPr>
               <a:t> </a:t>
             </a:r>
-            <a:endParaRPr/>
+            <a:endParaRPr i="0" sz="1800" u="none" cap="none" strike="noStrike">
+              <a:solidFill>
+                <a:srgbClr val="000000"/>
+              </a:solidFill>
+              <a:latin typeface="Times New Roman"/>
+              <a:ea typeface="Times New Roman"/>
+              <a:cs typeface="Times New Roman"/>
+              <a:sym typeface="Times New Roman"/>
+            </a:endParaRPr>
           </a:p>
           <a:p>
-            <a:pPr indent="0" lvl="0" marL="0" marR="0" rtl="0" algn="l">
-              <a:lnSpc>
-                <a:spcPct val="100000"/>
-              </a:lnSpc>
-              <a:spcBef>
-                <a:spcPts val="0"/>
-              </a:spcBef>
-              <a:spcAft>
-                <a:spcPts val="0"/>
-              </a:spcAft>
+            <a:pPr indent="0" lvl="0" marL="914400" marR="579474" rtl="0" algn="l">
+              <a:lnSpc>
+                <a:spcPct val="100000"/>
+              </a:lnSpc>
+              <a:spcBef>
+                <a:spcPts val="0"/>
+              </a:spcBef>
+              <a:spcAft>
+                <a:spcPts val="0"/>
+              </a:spcAft>
+              <a:buClr>
+                <a:srgbClr val="000000"/>
+              </a:buClr>
+              <a:buSzPts val="1800"/>
+              <a:buFont typeface="Arial"/>
               <a:buNone/>
             </a:pPr>
             <a:r>
-              <a:rPr b="0" i="0" lang="en-US" sz="1800" u="none" cap="none" strike="noStrike">
+              <a:rPr i="0" lang="en-US" sz="1800" u="none" cap="none" strike="noStrike">
                 <a:solidFill>
                   <a:schemeClr val="lt1"/>
                 </a:solidFill>
-                <a:latin typeface="Arial"/>
-                <a:ea typeface="Arial"/>
-                <a:cs typeface="Arial"/>
-                <a:sym typeface="Arial"/>
+                <a:latin typeface="Times New Roman"/>
+                <a:ea typeface="Times New Roman"/>
+                <a:cs typeface="Times New Roman"/>
+                <a:sym typeface="Times New Roman"/>
               </a:rPr>
               <a:t>Using a web browser we open the web application and provide the necessary information as the input for prediction.</a:t>
             </a:r>
-            <a:endParaRPr/>
+            <a:endParaRPr i="0" sz="1800" u="none" cap="none" strike="noStrike">
+              <a:solidFill>
+                <a:srgbClr val="000000"/>
+              </a:solidFill>
+              <a:latin typeface="Times New Roman"/>
+              <a:ea typeface="Times New Roman"/>
+              <a:cs typeface="Times New Roman"/>
+              <a:sym typeface="Times New Roman"/>
+            </a:endParaRPr>
           </a:p>
           <a:p>
-            <a:pPr indent="0" lvl="0" marL="0" marR="0" rtl="0" algn="l">
-              <a:lnSpc>
-                <a:spcPct val="100000"/>
-              </a:lnSpc>
-              <a:spcBef>
-                <a:spcPts val="0"/>
-              </a:spcBef>
-              <a:spcAft>
-                <a:spcPts val="0"/>
-              </a:spcAft>
+            <a:pPr indent="0" lvl="0" marL="0" marR="579474" rtl="0" algn="l">
+              <a:lnSpc>
+                <a:spcPct val="100000"/>
+              </a:lnSpc>
+              <a:spcBef>
+                <a:spcPts val="0"/>
+              </a:spcBef>
+              <a:spcAft>
+                <a:spcPts val="0"/>
+              </a:spcAft>
+              <a:buClr>
+                <a:srgbClr val="000000"/>
+              </a:buClr>
+              <a:buSzPts val="1800"/>
+              <a:buFont typeface="Arial"/>
               <a:buNone/>
             </a:pPr>
             <a:r>
-              <a:rPr b="0" i="0" lang="en-US" sz="1800" u="none" cap="none" strike="noStrike">
+              <a:rPr i="0" lang="en-US" sz="1800" u="none" cap="none" strike="noStrike">
                 <a:solidFill>
                   <a:schemeClr val="lt1"/>
                 </a:solidFill>
-                <a:latin typeface="Arial"/>
-                <a:ea typeface="Arial"/>
-                <a:cs typeface="Arial"/>
-                <a:sym typeface="Arial"/>
+                <a:latin typeface="Times New Roman"/>
+                <a:ea typeface="Times New Roman"/>
+                <a:cs typeface="Times New Roman"/>
+                <a:sym typeface="Times New Roman"/>
               </a:rPr>
               <a:t> </a:t>
             </a:r>
-            <a:endParaRPr/>
+            <a:endParaRPr i="0" sz="1800" u="none" cap="none" strike="noStrike">
+              <a:solidFill>
+                <a:srgbClr val="000000"/>
+              </a:solidFill>
+              <a:latin typeface="Times New Roman"/>
+              <a:ea typeface="Times New Roman"/>
+              <a:cs typeface="Times New Roman"/>
+              <a:sym typeface="Times New Roman"/>
+            </a:endParaRPr>
           </a:p>
           <a:p>
-            <a:pPr indent="0" lvl="0" marL="0" marR="0" rtl="0" algn="l">
-              <a:lnSpc>
-                <a:spcPct val="100000"/>
-              </a:lnSpc>
-              <a:spcBef>
-                <a:spcPts val="0"/>
-              </a:spcBef>
-              <a:spcAft>
-                <a:spcPts val="0"/>
-              </a:spcAft>
+            <a:pPr indent="0" lvl="0" marL="0" marR="579474" rtl="0" algn="l">
+              <a:lnSpc>
+                <a:spcPct val="100000"/>
+              </a:lnSpc>
+              <a:spcBef>
+                <a:spcPts val="0"/>
+              </a:spcBef>
+              <a:spcAft>
+                <a:spcPts val="0"/>
+              </a:spcAft>
+              <a:buClr>
+                <a:srgbClr val="000000"/>
+              </a:buClr>
+              <a:buSzPts val="1800"/>
+              <a:buFont typeface="Arial"/>
               <a:buNone/>
             </a:pPr>
             <a:r>
-              <a:rPr b="0" i="0" lang="en-US" sz="1800" u="none" cap="none" strike="noStrike">
+              <a:rPr i="0" lang="en-US" sz="1800" u="none" cap="none" strike="noStrike">
                 <a:solidFill>
                   <a:schemeClr val="lt1"/>
                 </a:solidFill>
-                <a:latin typeface="Arial"/>
-                <a:ea typeface="Arial"/>
-                <a:cs typeface="Arial"/>
-                <a:sym typeface="Arial"/>
+                <a:latin typeface="Times New Roman"/>
+                <a:ea typeface="Times New Roman"/>
+                <a:cs typeface="Times New Roman"/>
+                <a:sym typeface="Times New Roman"/>
               </a:rPr>
               <a:t> </a:t>
             </a:r>
-            <a:endParaRPr b="0" i="0" sz="2200" u="none" cap="none" strike="noStrike">
+            <a:endParaRPr i="0" sz="1800" u="none" cap="none" strike="noStrike">
               <a:solidFill>
                 <a:schemeClr val="lt1"/>
               </a:solidFill>
-              <a:latin typeface="Arial"/>
-              <a:ea typeface="Arial"/>
-              <a:cs typeface="Arial"/>
-              <a:sym typeface="Arial"/>
+              <a:latin typeface="Times New Roman"/>
+              <a:ea typeface="Times New Roman"/>
+              <a:cs typeface="Times New Roman"/>
+              <a:sym typeface="Times New Roman"/>
             </a:endParaRPr>
           </a:p>
           <a:p>
-            <a:pPr indent="0" lvl="0" marL="0" marR="0" rtl="0" algn="l">
-              <a:lnSpc>
-                <a:spcPct val="100000"/>
-              </a:lnSpc>
-              <a:spcBef>
-                <a:spcPts val="0"/>
-              </a:spcBef>
-              <a:spcAft>
-                <a:spcPts val="0"/>
-              </a:spcAft>
+            <a:pPr indent="0" lvl="0" marL="457200" marR="579474" rtl="0" algn="l">
+              <a:lnSpc>
+                <a:spcPct val="100000"/>
+              </a:lnSpc>
+              <a:spcBef>
+                <a:spcPts val="0"/>
+              </a:spcBef>
+              <a:spcAft>
+                <a:spcPts val="0"/>
+              </a:spcAft>
+              <a:buClr>
+                <a:srgbClr val="000000"/>
+              </a:buClr>
+              <a:buSzPts val="2200"/>
+              <a:buFont typeface="Arial"/>
               <a:buNone/>
             </a:pPr>
             <a:r>
-              <a:rPr b="0" i="0" lang="en-US" sz="2200" u="none" cap="none" strike="noStrike">
+              <a:rPr b="1" i="0" lang="en-US" sz="1800" u="none" cap="none" strike="noStrike">
                 <a:solidFill>
                   <a:schemeClr val="lt1"/>
                 </a:solidFill>
-                <a:latin typeface="Arial"/>
-                <a:ea typeface="Arial"/>
-                <a:cs typeface="Arial"/>
-                <a:sym typeface="Arial"/>
+                <a:latin typeface="Times New Roman"/>
+                <a:ea typeface="Times New Roman"/>
+                <a:cs typeface="Times New Roman"/>
+                <a:sym typeface="Times New Roman"/>
               </a:rPr>
               <a:t>Data Validation</a:t>
             </a:r>
-            <a:endParaRPr/>
+            <a:endParaRPr b="1" i="0" sz="1800" u="none" cap="none" strike="noStrike">
+              <a:solidFill>
+                <a:srgbClr val="000000"/>
+              </a:solidFill>
+              <a:latin typeface="Times New Roman"/>
+              <a:ea typeface="Times New Roman"/>
+              <a:cs typeface="Times New Roman"/>
+              <a:sym typeface="Times New Roman"/>
+            </a:endParaRPr>
           </a:p>
           <a:p>
-            <a:pPr indent="0" lvl="0" marL="0" marR="0" rtl="0" algn="l">
-              <a:lnSpc>
-                <a:spcPct val="100000"/>
-              </a:lnSpc>
-              <a:spcBef>
-                <a:spcPts val="0"/>
-              </a:spcBef>
-              <a:spcAft>
-                <a:spcPts val="0"/>
-              </a:spcAft>
+            <a:pPr indent="0" lvl="0" marL="0" marR="579474" rtl="0" algn="l">
+              <a:lnSpc>
+                <a:spcPct val="100000"/>
+              </a:lnSpc>
+              <a:spcBef>
+                <a:spcPts val="0"/>
+              </a:spcBef>
+              <a:spcAft>
+                <a:spcPts val="0"/>
+              </a:spcAft>
+              <a:buClr>
+                <a:srgbClr val="000000"/>
+              </a:buClr>
+              <a:buSzPts val="2200"/>
+              <a:buFont typeface="Arial"/>
               <a:buNone/>
             </a:pPr>
             <a:r>
-              <a:rPr b="0" i="0" lang="en-US" sz="2200" u="none" cap="none" strike="noStrike">
+              <a:rPr i="0" lang="en-US" sz="1800" u="none" cap="none" strike="noStrike">
                 <a:solidFill>
                   <a:schemeClr val="lt1"/>
                 </a:solidFill>
-                <a:latin typeface="Arial"/>
-                <a:ea typeface="Arial"/>
-                <a:cs typeface="Arial"/>
-                <a:sym typeface="Arial"/>
+                <a:latin typeface="Times New Roman"/>
+                <a:ea typeface="Times New Roman"/>
+                <a:cs typeface="Times New Roman"/>
+                <a:sym typeface="Times New Roman"/>
               </a:rPr>
               <a:t> </a:t>
             </a:r>
-            <a:endParaRPr/>
+            <a:endParaRPr i="0" sz="1800" u="none" cap="none" strike="noStrike">
+              <a:solidFill>
+                <a:srgbClr val="000000"/>
+              </a:solidFill>
+              <a:latin typeface="Times New Roman"/>
+              <a:ea typeface="Times New Roman"/>
+              <a:cs typeface="Times New Roman"/>
+              <a:sym typeface="Times New Roman"/>
+            </a:endParaRPr>
           </a:p>
           <a:p>
-            <a:pPr indent="0" lvl="0" marL="0" marR="0" rtl="0" algn="l">
-              <a:lnSpc>
-                <a:spcPct val="100000"/>
-              </a:lnSpc>
-              <a:spcBef>
-                <a:spcPts val="0"/>
-              </a:spcBef>
-              <a:spcAft>
-                <a:spcPts val="0"/>
-              </a:spcAft>
+            <a:pPr indent="0" lvl="0" marL="914400" marR="579474" rtl="0" algn="l">
+              <a:lnSpc>
+                <a:spcPct val="100000"/>
+              </a:lnSpc>
+              <a:spcBef>
+                <a:spcPts val="0"/>
+              </a:spcBef>
+              <a:spcAft>
+                <a:spcPts val="0"/>
+              </a:spcAft>
+              <a:buClr>
+                <a:srgbClr val="000000"/>
+              </a:buClr>
+              <a:buSzPts val="1800"/>
+              <a:buFont typeface="Arial"/>
               <a:buNone/>
             </a:pPr>
             <a:r>
-              <a:rPr b="0" i="0" lang="en-US" sz="1800" u="none" cap="none" strike="noStrike">
+              <a:rPr i="0" lang="en-US" sz="1800" u="none" cap="none" strike="noStrike">
                 <a:solidFill>
                   <a:schemeClr val="lt1"/>
                 </a:solidFill>
-                <a:latin typeface="Arial"/>
-                <a:ea typeface="Arial"/>
-                <a:cs typeface="Arial"/>
-                <a:sym typeface="Arial"/>
+                <a:latin typeface="Times New Roman"/>
+                <a:ea typeface="Times New Roman"/>
+                <a:cs typeface="Times New Roman"/>
+                <a:sym typeface="Times New Roman"/>
               </a:rPr>
               <a:t>Once the input is provided and we click on the submit button, the system will provide the output based on its requirements.</a:t>
             </a:r>
-            <a:endParaRPr/>
+            <a:endParaRPr i="0" sz="1800" u="none" cap="none" strike="noStrike">
+              <a:solidFill>
+                <a:srgbClr val="000000"/>
+              </a:solidFill>
+              <a:latin typeface="Times New Roman"/>
+              <a:ea typeface="Times New Roman"/>
+              <a:cs typeface="Times New Roman"/>
+              <a:sym typeface="Times New Roman"/>
+            </a:endParaRPr>
           </a:p>
           <a:p>
-            <a:pPr indent="0" lvl="0" marL="0" marR="0" rtl="0" algn="l">
-              <a:lnSpc>
-                <a:spcPct val="100000"/>
-              </a:lnSpc>
-              <a:spcBef>
-                <a:spcPts val="0"/>
-              </a:spcBef>
-              <a:spcAft>
-                <a:spcPts val="0"/>
-              </a:spcAft>
+            <a:pPr indent="0" lvl="0" marL="0" marR="579474" rtl="0" algn="l">
+              <a:lnSpc>
+                <a:spcPct val="100000"/>
+              </a:lnSpc>
+              <a:spcBef>
+                <a:spcPts val="0"/>
+              </a:spcBef>
+              <a:spcAft>
+                <a:spcPts val="0"/>
+              </a:spcAft>
+              <a:buClr>
+                <a:srgbClr val="000000"/>
+              </a:buClr>
+              <a:buSzPts val="1800"/>
+              <a:buFont typeface="Arial"/>
               <a:buNone/>
             </a:pPr>
             <a:r>
-              <a:rPr b="0" i="0" lang="en-US" sz="1800" u="none" cap="none" strike="noStrike">
+              <a:rPr i="0" lang="en-US" sz="1800" u="none" cap="none" strike="noStrike">
                 <a:solidFill>
                   <a:schemeClr val="lt1"/>
                 </a:solidFill>
-                <a:latin typeface="Arial"/>
-                <a:ea typeface="Arial"/>
-                <a:cs typeface="Arial"/>
-                <a:sym typeface="Arial"/>
+                <a:latin typeface="Times New Roman"/>
+                <a:ea typeface="Times New Roman"/>
+                <a:cs typeface="Times New Roman"/>
+                <a:sym typeface="Times New Roman"/>
               </a:rPr>
               <a:t> </a:t>
             </a:r>
-            <a:endParaRPr/>
+            <a:endParaRPr i="0" sz="1800" u="none" cap="none" strike="noStrike">
+              <a:solidFill>
+                <a:srgbClr val="000000"/>
+              </a:solidFill>
+              <a:latin typeface="Times New Roman"/>
+              <a:ea typeface="Times New Roman"/>
+              <a:cs typeface="Times New Roman"/>
+              <a:sym typeface="Times New Roman"/>
+            </a:endParaRPr>
           </a:p>
           <a:p>
-            <a:pPr indent="0" lvl="0" marL="0" marR="0" rtl="0" algn="l">
-              <a:lnSpc>
-                <a:spcPct val="100000"/>
-              </a:lnSpc>
-              <a:spcBef>
-                <a:spcPts val="0"/>
-              </a:spcBef>
-              <a:spcAft>
-                <a:spcPts val="0"/>
-              </a:spcAft>
+            <a:pPr indent="0" lvl="0" marL="0" marR="579474" rtl="0" algn="l">
+              <a:lnSpc>
+                <a:spcPct val="100000"/>
+              </a:lnSpc>
+              <a:spcBef>
+                <a:spcPts val="0"/>
+              </a:spcBef>
+              <a:spcAft>
+                <a:spcPts val="0"/>
+              </a:spcAft>
+              <a:buClr>
+                <a:srgbClr val="000000"/>
+              </a:buClr>
+              <a:buSzPts val="1800"/>
+              <a:buFont typeface="Arial"/>
               <a:buNone/>
             </a:pPr>
             <a:r>
-              <a:rPr b="0" i="0" lang="en-US" sz="1800" u="none" cap="none" strike="noStrike">
+              <a:rPr i="0" lang="en-US" sz="1800" u="none" cap="none" strike="noStrike">
                 <a:solidFill>
                   <a:schemeClr val="lt1"/>
                 </a:solidFill>
-                <a:latin typeface="Arial"/>
-                <a:ea typeface="Arial"/>
-                <a:cs typeface="Arial"/>
-                <a:sym typeface="Arial"/>
+                <a:latin typeface="Times New Roman"/>
+                <a:ea typeface="Times New Roman"/>
+                <a:cs typeface="Times New Roman"/>
+                <a:sym typeface="Times New Roman"/>
               </a:rPr>
               <a:t> </a:t>
             </a:r>
-            <a:endParaRPr b="0" i="0" sz="2200" u="none" cap="none" strike="noStrike">
+            <a:endParaRPr i="0" sz="1800" u="none" cap="none" strike="noStrike">
               <a:solidFill>
                 <a:schemeClr val="lt1"/>
               </a:solidFill>
-              <a:latin typeface="Arial"/>
-              <a:ea typeface="Arial"/>
-              <a:cs typeface="Arial"/>
-              <a:sym typeface="Arial"/>
+              <a:latin typeface="Times New Roman"/>
+              <a:ea typeface="Times New Roman"/>
+              <a:cs typeface="Times New Roman"/>
+              <a:sym typeface="Times New Roman"/>
             </a:endParaRPr>
           </a:p>
           <a:p>
-            <a:pPr indent="0" lvl="0" marL="0" marR="0" rtl="0" algn="l">
-              <a:lnSpc>
-                <a:spcPct val="100000"/>
-              </a:lnSpc>
-              <a:spcBef>
-                <a:spcPts val="0"/>
-              </a:spcBef>
-              <a:spcAft>
-                <a:spcPts val="0"/>
-              </a:spcAft>
+            <a:pPr indent="0" lvl="0" marL="457200" marR="579474" rtl="0" algn="l">
+              <a:lnSpc>
+                <a:spcPct val="100000"/>
+              </a:lnSpc>
+              <a:spcBef>
+                <a:spcPts val="0"/>
+              </a:spcBef>
+              <a:spcAft>
+                <a:spcPts val="0"/>
+              </a:spcAft>
+              <a:buClr>
+                <a:srgbClr val="000000"/>
+              </a:buClr>
+              <a:buSzPts val="2200"/>
+              <a:buFont typeface="Arial"/>
               <a:buNone/>
             </a:pPr>
             <a:r>
-              <a:rPr b="0" i="0" lang="en-US" sz="2200" u="none" cap="none" strike="noStrike">
+              <a:rPr b="1" i="0" lang="en-US" sz="1800" u="none" cap="none" strike="noStrike">
                 <a:solidFill>
                   <a:schemeClr val="lt1"/>
                 </a:solidFill>
-                <a:latin typeface="Arial"/>
-                <a:ea typeface="Arial"/>
-                <a:cs typeface="Arial"/>
-                <a:sym typeface="Arial"/>
+                <a:latin typeface="Times New Roman"/>
+                <a:ea typeface="Times New Roman"/>
+                <a:cs typeface="Times New Roman"/>
+                <a:sym typeface="Times New Roman"/>
               </a:rPr>
               <a:t>Result Prediction</a:t>
             </a:r>
-            <a:endParaRPr/>
+            <a:endParaRPr b="1" i="0" sz="1800" u="none" cap="none" strike="noStrike">
+              <a:solidFill>
+                <a:srgbClr val="000000"/>
+              </a:solidFill>
+              <a:latin typeface="Times New Roman"/>
+              <a:ea typeface="Times New Roman"/>
+              <a:cs typeface="Times New Roman"/>
+              <a:sym typeface="Times New Roman"/>
+            </a:endParaRPr>
           </a:p>
           <a:p>
-            <a:pPr indent="0" lvl="0" marL="0" marR="0" rtl="0" algn="l">
-              <a:lnSpc>
-                <a:spcPct val="100000"/>
-              </a:lnSpc>
-              <a:spcBef>
-                <a:spcPts val="0"/>
-              </a:spcBef>
-              <a:spcAft>
-                <a:spcPts val="0"/>
-              </a:spcAft>
+            <a:pPr indent="0" lvl="0" marL="0" marR="579474" rtl="0" algn="l">
+              <a:lnSpc>
+                <a:spcPct val="100000"/>
+              </a:lnSpc>
+              <a:spcBef>
+                <a:spcPts val="0"/>
+              </a:spcBef>
+              <a:spcAft>
+                <a:spcPts val="0"/>
+              </a:spcAft>
+              <a:buClr>
+                <a:srgbClr val="000000"/>
+              </a:buClr>
+              <a:buSzPts val="1800"/>
+              <a:buFont typeface="Arial"/>
               <a:buNone/>
             </a:pPr>
             <a:r>
-              <a:rPr b="0" i="0" lang="en-US" sz="1800" u="none" cap="none" strike="noStrike">
+              <a:rPr i="0" lang="en-US" sz="1800" u="none" cap="none" strike="noStrike">
                 <a:solidFill>
                   <a:schemeClr val="lt1"/>
                 </a:solidFill>
-                <a:latin typeface="Arial"/>
-                <a:ea typeface="Arial"/>
-                <a:cs typeface="Arial"/>
-                <a:sym typeface="Arial"/>
+                <a:latin typeface="Times New Roman"/>
+                <a:ea typeface="Times New Roman"/>
+                <a:cs typeface="Times New Roman"/>
+                <a:sym typeface="Times New Roman"/>
               </a:rPr>
               <a:t> </a:t>
             </a:r>
-            <a:endParaRPr/>
+            <a:endParaRPr i="0" sz="1800" u="none" cap="none" strike="noStrike">
+              <a:solidFill>
+                <a:srgbClr val="000000"/>
+              </a:solidFill>
+              <a:latin typeface="Times New Roman"/>
+              <a:ea typeface="Times New Roman"/>
+              <a:cs typeface="Times New Roman"/>
+              <a:sym typeface="Times New Roman"/>
+            </a:endParaRPr>
           </a:p>
           <a:p>
-            <a:pPr indent="0" lvl="0" marL="0" marR="0" rtl="0" algn="l">
-              <a:lnSpc>
-                <a:spcPct val="100000"/>
-              </a:lnSpc>
-              <a:spcBef>
-                <a:spcPts val="0"/>
-              </a:spcBef>
-              <a:spcAft>
-                <a:spcPts val="0"/>
-              </a:spcAft>
+            <a:pPr indent="0" lvl="0" marL="914400" marR="579474" rtl="0" algn="l">
+              <a:lnSpc>
+                <a:spcPct val="100000"/>
+              </a:lnSpc>
+              <a:spcBef>
+                <a:spcPts val="0"/>
+              </a:spcBef>
+              <a:spcAft>
+                <a:spcPts val="0"/>
+              </a:spcAft>
+              <a:buClr>
+                <a:srgbClr val="000000"/>
+              </a:buClr>
+              <a:buSzPts val="1800"/>
+              <a:buFont typeface="Arial"/>
               <a:buNone/>
             </a:pPr>
             <a:r>
-              <a:rPr b="0" i="0" lang="en-US" sz="1800" u="none" cap="none" strike="noStrike">
+              <a:rPr i="0" lang="en-US" sz="1800" u="none" cap="none" strike="noStrike">
                 <a:solidFill>
                   <a:schemeClr val="lt1"/>
                 </a:solidFill>
-                <a:latin typeface="Arial"/>
-                <a:ea typeface="Arial"/>
-                <a:cs typeface="Arial"/>
-                <a:sym typeface="Arial"/>
+                <a:latin typeface="Times New Roman"/>
+                <a:ea typeface="Times New Roman"/>
+                <a:cs typeface="Times New Roman"/>
+                <a:sym typeface="Times New Roman"/>
               </a:rPr>
               <a:t>Once the data validation is completed the prediction will be done for the type of product in Stores and Big Marts provided in the input.</a:t>
             </a:r>
-            <a:endParaRPr/>
+            <a:endParaRPr i="0" sz="1800" u="none" cap="none" strike="noStrike">
+              <a:solidFill>
+                <a:srgbClr val="000000"/>
+              </a:solidFill>
+              <a:latin typeface="Times New Roman"/>
+              <a:ea typeface="Times New Roman"/>
+              <a:cs typeface="Times New Roman"/>
+              <a:sym typeface="Times New Roman"/>
+            </a:endParaRPr>
           </a:p>
         </p:txBody>
       </p:sp>
@@ -27720,15 +28352,13 @@
       <p:sp>
         <p:nvSpPr>
           <p:cNvPr id="181" name="Google Shape;181;p27"/>
-          <p:cNvSpPr txBox="1"/>
-          <p:nvPr>
-            <p:ph idx="1" type="body"/>
-          </p:nvPr>
+          <p:cNvSpPr/>
+          <p:nvPr/>
         </p:nvSpPr>
         <p:spPr>
           <a:xfrm>
-            <a:off x="334112" y="0"/>
-            <a:ext cx="10520408" cy="5418786"/>
+            <a:off x="75" y="0"/>
+            <a:ext cx="12192000" cy="6858000"/>
           </a:xfrm>
           <a:prstGeom prst="rect">
             <a:avLst/>
@@ -27739,26 +28369,58 @@
           </a:ln>
         </p:spPr>
         <p:txBody>
-          <a:bodyPr anchorCtr="0" anchor="ctr" bIns="45700" lIns="91425" spcFirstLastPara="1" rIns="91425" wrap="square" tIns="45700">
-            <a:normAutofit/>
+          <a:bodyPr anchorCtr="0" anchor="t" bIns="45700" lIns="91425" spcFirstLastPara="1" rIns="91425" wrap="square" tIns="45700">
+            <a:noAutofit/>
           </a:bodyPr>
           <a:lstStyle/>
           <a:p>
-            <a:pPr indent="0" lvl="0" marL="0" rtl="0" algn="l">
-              <a:lnSpc>
-                <a:spcPct val="100000"/>
-              </a:lnSpc>
-              <a:spcBef>
-                <a:spcPts val="0"/>
-              </a:spcBef>
-              <a:spcAft>
-                <a:spcPts val="0"/>
-              </a:spcAft>
-              <a:buSzPts val="1600"/>
+            <a:pPr indent="0" lvl="0" marL="457200" marR="0" rtl="0" algn="l">
+              <a:lnSpc>
+                <a:spcPct val="100000"/>
+              </a:lnSpc>
+              <a:spcBef>
+                <a:spcPts val="0"/>
+              </a:spcBef>
+              <a:spcAft>
+                <a:spcPts val="0"/>
+              </a:spcAft>
+              <a:buClr>
+                <a:srgbClr val="000000"/>
+              </a:buClr>
+              <a:buSzPts val="2200"/>
+              <a:buFont typeface="Arial"/>
               <a:buNone/>
             </a:pPr>
             <a:r>
-              <a:rPr lang="en-US">
+              <a:t/>
+            </a:r>
+            <a:endParaRPr b="1" sz="1800">
+              <a:solidFill>
+                <a:schemeClr val="lt1"/>
+              </a:solidFill>
+              <a:latin typeface="Times New Roman"/>
+              <a:ea typeface="Times New Roman"/>
+              <a:cs typeface="Times New Roman"/>
+              <a:sym typeface="Times New Roman"/>
+            </a:endParaRPr>
+          </a:p>
+          <a:p>
+            <a:pPr indent="0" lvl="0" marL="0" rtl="0" algn="ctr">
+              <a:spcBef>
+                <a:spcPts val="0"/>
+              </a:spcBef>
+              <a:spcAft>
+                <a:spcPts val="0"/>
+              </a:spcAft>
+              <a:buClr>
+                <a:schemeClr val="dk1"/>
+              </a:buClr>
+              <a:buSzPts val="1600"/>
+              <a:buFont typeface="Arial"/>
+              <a:buNone/>
+            </a:pPr>
+            <a:r>
+              <a:rPr b="1" lang="en-US" sz="2200">
                 <a:solidFill>
                   <a:schemeClr val="lt1"/>
                 </a:solidFill>
@@ -27767,34 +28429,115 @@
                 <a:cs typeface="Times New Roman"/>
                 <a:sym typeface="Times New Roman"/>
               </a:rPr>
-              <a:t>									</a:t>
+              <a:t>Q &amp; A</a:t>
             </a:r>
-            <a:r>
-              <a:rPr lang="en-US" sz="2200">
-                <a:solidFill>
-                  <a:schemeClr val="lt1"/>
-                </a:solidFill>
-                <a:latin typeface="Times New Roman"/>
-                <a:ea typeface="Times New Roman"/>
-                <a:cs typeface="Times New Roman"/>
-                <a:sym typeface="Times New Roman"/>
-              </a:rPr>
-              <a:t>Q &amp; A:</a:t>
-            </a:r>
-            <a:endParaRPr/>
+            <a:endParaRPr b="1" sz="2200">
+              <a:solidFill>
+                <a:schemeClr val="lt1"/>
+              </a:solidFill>
+              <a:latin typeface="Times New Roman"/>
+              <a:ea typeface="Times New Roman"/>
+              <a:cs typeface="Times New Roman"/>
+              <a:sym typeface="Times New Roman"/>
+            </a:endParaRPr>
           </a:p>
           <a:p>
             <a:pPr indent="0" lvl="0" marL="0" rtl="0" algn="l">
-              <a:lnSpc>
-                <a:spcPct val="100000"/>
-              </a:lnSpc>
-              <a:spcBef>
-                <a:spcPts val="960"/>
-              </a:spcBef>
-              <a:spcAft>
-                <a:spcPts val="0"/>
-              </a:spcAft>
-              <a:buSzPts val="1440"/>
+              <a:spcBef>
+                <a:spcPts val="0"/>
+              </a:spcBef>
+              <a:spcAft>
+                <a:spcPts val="0"/>
+              </a:spcAft>
+              <a:buClr>
+                <a:schemeClr val="dk1"/>
+              </a:buClr>
+              <a:buSzPts val="1600"/>
+              <a:buFont typeface="Arial"/>
+              <a:buNone/>
+            </a:pPr>
+            <a:r>
+              <a:t/>
+            </a:r>
+            <a:endParaRPr sz="1800">
+              <a:solidFill>
+                <a:schemeClr val="lt1"/>
+              </a:solidFill>
+              <a:latin typeface="Times New Roman"/>
+              <a:ea typeface="Times New Roman"/>
+              <a:cs typeface="Times New Roman"/>
+              <a:sym typeface="Times New Roman"/>
+            </a:endParaRPr>
+          </a:p>
+          <a:p>
+            <a:pPr indent="0" lvl="0" marL="0" rtl="0" algn="l">
+              <a:spcBef>
+                <a:spcPts val="0"/>
+              </a:spcBef>
+              <a:spcAft>
+                <a:spcPts val="0"/>
+              </a:spcAft>
+              <a:buClr>
+                <a:schemeClr val="dk1"/>
+              </a:buClr>
+              <a:buSzPts val="1600"/>
+              <a:buFont typeface="Arial"/>
+              <a:buNone/>
+            </a:pPr>
+            <a:r>
+              <a:t/>
+            </a:r>
+            <a:endParaRPr sz="1800">
+              <a:solidFill>
+                <a:schemeClr val="lt1"/>
+              </a:solidFill>
+              <a:latin typeface="Times New Roman"/>
+              <a:ea typeface="Times New Roman"/>
+              <a:cs typeface="Times New Roman"/>
+              <a:sym typeface="Times New Roman"/>
+            </a:endParaRPr>
+          </a:p>
+          <a:p>
+            <a:pPr indent="0" lvl="0" marL="0" rtl="0" algn="l">
+              <a:spcBef>
+                <a:spcPts val="0"/>
+              </a:spcBef>
+              <a:spcAft>
+                <a:spcPts val="0"/>
+              </a:spcAft>
+              <a:buClr>
+                <a:schemeClr val="dk1"/>
+              </a:buClr>
+              <a:buSzPts val="1600"/>
+              <a:buFont typeface="Arial"/>
+              <a:buNone/>
+            </a:pPr>
+            <a:r>
+              <a:t/>
+            </a:r>
+            <a:endParaRPr sz="1800">
+              <a:solidFill>
+                <a:schemeClr val="lt1"/>
+              </a:solidFill>
+              <a:latin typeface="Times New Roman"/>
+              <a:ea typeface="Times New Roman"/>
+              <a:cs typeface="Times New Roman"/>
+              <a:sym typeface="Times New Roman"/>
+            </a:endParaRPr>
+          </a:p>
+          <a:p>
+            <a:pPr indent="0" lvl="0" marL="457200" marR="579474" rtl="0" algn="l">
+              <a:spcBef>
+                <a:spcPts val="0"/>
+              </a:spcBef>
+              <a:spcAft>
+                <a:spcPts val="0"/>
+              </a:spcAft>
+              <a:buClr>
+                <a:schemeClr val="dk1"/>
+              </a:buClr>
+              <a:buSzPts val="1600"/>
+              <a:buFont typeface="Arial"/>
               <a:buNone/>
             </a:pPr>
             <a:r>
@@ -27809,24 +28552,33 @@
               </a:rPr>
               <a:t>Q1) What’s the source of data?</a:t>
             </a:r>
-            <a:endParaRPr/>
+            <a:endParaRPr sz="1800">
+              <a:solidFill>
+                <a:srgbClr val="0F486F"/>
+              </a:solidFill>
+              <a:latin typeface="Century Gothic"/>
+              <a:ea typeface="Century Gothic"/>
+              <a:cs typeface="Century Gothic"/>
+              <a:sym typeface="Century Gothic"/>
+            </a:endParaRPr>
           </a:p>
           <a:p>
-            <a:pPr indent="0" lvl="1" marL="457200" rtl="0" algn="l">
-              <a:lnSpc>
-                <a:spcPct val="100000"/>
-              </a:lnSpc>
+            <a:pPr indent="0" lvl="1" marL="914400" marR="579474" rtl="0" algn="l">
               <a:spcBef>
                 <a:spcPts val="960"/>
               </a:spcBef>
               <a:spcAft>
                 <a:spcPts val="0"/>
               </a:spcAft>
+              <a:buClr>
+                <a:schemeClr val="dk1"/>
+              </a:buClr>
               <a:buSzPts val="1440"/>
+              <a:buFont typeface="Arial"/>
               <a:buNone/>
             </a:pPr>
             <a:r>
-              <a:rPr lang="en-US">
+              <a:rPr lang="en-US" sz="1800">
                 <a:solidFill>
                   <a:schemeClr val="lt1"/>
                 </a:solidFill>
@@ -27837,24 +28589,61 @@
               </a:rPr>
               <a:t>The data  for training is provided by the client in the form a link which takes us to the site containing the datasets. </a:t>
             </a:r>
-            <a:endParaRPr/>
+            <a:endParaRPr sz="1800">
+              <a:solidFill>
+                <a:schemeClr val="lt1"/>
+              </a:solidFill>
+              <a:latin typeface="Times New Roman"/>
+              <a:ea typeface="Times New Roman"/>
+              <a:cs typeface="Times New Roman"/>
+              <a:sym typeface="Times New Roman"/>
+            </a:endParaRPr>
           </a:p>
           <a:p>
-            <a:pPr indent="0" lvl="1" marL="0" rtl="0" algn="l">
-              <a:lnSpc>
-                <a:spcPct val="100000"/>
-              </a:lnSpc>
+            <a:pPr indent="0" lvl="1" marL="457200" marR="579474" rtl="0" algn="l">
               <a:spcBef>
                 <a:spcPts val="960"/>
               </a:spcBef>
               <a:spcAft>
                 <a:spcPts val="0"/>
               </a:spcAft>
+              <a:buClr>
+                <a:schemeClr val="dk1"/>
+              </a:buClr>
               <a:buSzPts val="1440"/>
+              <a:buFont typeface="Arial"/>
               <a:buNone/>
             </a:pPr>
             <a:r>
-              <a:rPr lang="en-US">
+              <a:t/>
+            </a:r>
+            <a:endParaRPr sz="1800">
+              <a:solidFill>
+                <a:schemeClr val="lt1"/>
+              </a:solidFill>
+              <a:latin typeface="Times New Roman"/>
+              <a:ea typeface="Times New Roman"/>
+              <a:cs typeface="Times New Roman"/>
+              <a:sym typeface="Times New Roman"/>
+            </a:endParaRPr>
+          </a:p>
+          <a:p>
+            <a:pPr indent="0" lvl="1" marL="457200" marR="579474" rtl="0" algn="l">
+              <a:spcBef>
+                <a:spcPts val="960"/>
+              </a:spcBef>
+              <a:spcAft>
+                <a:spcPts val="0"/>
+              </a:spcAft>
+              <a:buClr>
+                <a:schemeClr val="dk1"/>
+              </a:buClr>
+              <a:buSzPts val="1440"/>
+              <a:buFont typeface="Arial"/>
+              <a:buNone/>
+            </a:pPr>
+            <a:r>
+              <a:rPr lang="en-US" sz="1800">
                 <a:solidFill>
                   <a:schemeClr val="lt1"/>
                 </a:solidFill>
@@ -27865,24 +28654,33 @@
               </a:rPr>
               <a:t>Q 2) What was the type of data?</a:t>
             </a:r>
-            <a:endParaRPr/>
+            <a:endParaRPr sz="1800">
+              <a:solidFill>
+                <a:srgbClr val="0F486F"/>
+              </a:solidFill>
+              <a:latin typeface="Century Gothic"/>
+              <a:ea typeface="Century Gothic"/>
+              <a:cs typeface="Century Gothic"/>
+              <a:sym typeface="Century Gothic"/>
+            </a:endParaRPr>
           </a:p>
           <a:p>
-            <a:pPr indent="0" lvl="1" marL="0" rtl="0" algn="l">
-              <a:lnSpc>
-                <a:spcPct val="100000"/>
-              </a:lnSpc>
+            <a:pPr indent="0" lvl="1" marL="457200" marR="579474" rtl="0" algn="l">
               <a:spcBef>
                 <a:spcPts val="960"/>
               </a:spcBef>
               <a:spcAft>
                 <a:spcPts val="0"/>
               </a:spcAft>
+              <a:buClr>
+                <a:schemeClr val="dk1"/>
+              </a:buClr>
               <a:buSzPts val="1440"/>
+              <a:buFont typeface="Arial"/>
               <a:buNone/>
             </a:pPr>
             <a:r>
-              <a:rPr lang="en-US">
+              <a:rPr lang="en-US" sz="1800">
                 <a:solidFill>
                   <a:schemeClr val="lt1"/>
                 </a:solidFill>
@@ -27893,24 +28691,61 @@
               </a:rPr>
               <a:t>	The data was the combination of numerical and Categorical values.</a:t>
             </a:r>
-            <a:endParaRPr/>
+            <a:endParaRPr sz="1800">
+              <a:solidFill>
+                <a:schemeClr val="lt1"/>
+              </a:solidFill>
+              <a:latin typeface="Times New Roman"/>
+              <a:ea typeface="Times New Roman"/>
+              <a:cs typeface="Times New Roman"/>
+              <a:sym typeface="Times New Roman"/>
+            </a:endParaRPr>
           </a:p>
           <a:p>
-            <a:pPr indent="0" lvl="1" marL="0" rtl="0" algn="l">
-              <a:lnSpc>
-                <a:spcPct val="100000"/>
-              </a:lnSpc>
+            <a:pPr indent="0" lvl="1" marL="457200" marR="579474" rtl="0" algn="l">
               <a:spcBef>
                 <a:spcPts val="960"/>
               </a:spcBef>
               <a:spcAft>
                 <a:spcPts val="0"/>
               </a:spcAft>
+              <a:buClr>
+                <a:schemeClr val="dk1"/>
+              </a:buClr>
               <a:buSzPts val="1440"/>
+              <a:buFont typeface="Arial"/>
               <a:buNone/>
             </a:pPr>
             <a:r>
-              <a:rPr lang="en-US">
+              <a:t/>
+            </a:r>
+            <a:endParaRPr sz="1800">
+              <a:solidFill>
+                <a:schemeClr val="lt1"/>
+              </a:solidFill>
+              <a:latin typeface="Times New Roman"/>
+              <a:ea typeface="Times New Roman"/>
+              <a:cs typeface="Times New Roman"/>
+              <a:sym typeface="Times New Roman"/>
+            </a:endParaRPr>
+          </a:p>
+          <a:p>
+            <a:pPr indent="0" lvl="1" marL="457200" marR="579474" rtl="0" algn="l">
+              <a:spcBef>
+                <a:spcPts val="960"/>
+              </a:spcBef>
+              <a:spcAft>
+                <a:spcPts val="0"/>
+              </a:spcAft>
+              <a:buClr>
+                <a:schemeClr val="dk1"/>
+              </a:buClr>
+              <a:buSzPts val="1440"/>
+              <a:buFont typeface="Arial"/>
+              <a:buNone/>
+            </a:pPr>
+            <a:r>
+              <a:rPr lang="en-US" sz="1800">
                 <a:solidFill>
                   <a:schemeClr val="lt1"/>
                 </a:solidFill>
@@ -27921,24 +28756,33 @@
               </a:rPr>
               <a:t>Q 3) What’s the complete flow you followed in this Project?</a:t>
             </a:r>
-            <a:endParaRPr/>
+            <a:endParaRPr sz="1800">
+              <a:solidFill>
+                <a:srgbClr val="0F486F"/>
+              </a:solidFill>
+              <a:latin typeface="Century Gothic"/>
+              <a:ea typeface="Century Gothic"/>
+              <a:cs typeface="Century Gothic"/>
+              <a:sym typeface="Century Gothic"/>
+            </a:endParaRPr>
           </a:p>
           <a:p>
-            <a:pPr indent="0" lvl="1" marL="0" rtl="0" algn="l">
-              <a:lnSpc>
-                <a:spcPct val="100000"/>
-              </a:lnSpc>
+            <a:pPr indent="0" lvl="1" marL="457200" marR="579474" rtl="0" algn="l">
               <a:spcBef>
                 <a:spcPts val="960"/>
               </a:spcBef>
               <a:spcAft>
                 <a:spcPts val="0"/>
               </a:spcAft>
+              <a:buClr>
+                <a:schemeClr val="dk1"/>
+              </a:buClr>
               <a:buSzPts val="1440"/>
+              <a:buFont typeface="Arial"/>
               <a:buNone/>
             </a:pPr>
             <a:r>
-              <a:rPr lang="en-US">
+              <a:rPr lang="en-US" sz="1800">
                 <a:solidFill>
                   <a:schemeClr val="lt1"/>
                 </a:solidFill>
@@ -27949,26 +28793,185 @@
               </a:rPr>
               <a:t>	Refer from slide 6 for better Understanding </a:t>
             </a:r>
-            <a:endParaRPr/>
+            <a:endParaRPr sz="1800">
+              <a:solidFill>
+                <a:schemeClr val="lt1"/>
+              </a:solidFill>
+              <a:latin typeface="Times New Roman"/>
+              <a:ea typeface="Times New Roman"/>
+              <a:cs typeface="Times New Roman"/>
+              <a:sym typeface="Times New Roman"/>
+            </a:endParaRPr>
           </a:p>
           <a:p>
-            <a:pPr indent="0" lvl="1" marL="0" rtl="0" algn="l">
-              <a:lnSpc>
-                <a:spcPct val="100000"/>
-              </a:lnSpc>
+            <a:pPr indent="0" lvl="1" marL="457200" marR="579474" rtl="0" algn="l">
               <a:spcBef>
                 <a:spcPts val="960"/>
               </a:spcBef>
               <a:spcAft>
                 <a:spcPts val="0"/>
               </a:spcAft>
+              <a:buClr>
+                <a:schemeClr val="dk1"/>
+              </a:buClr>
               <a:buSzPts val="1440"/>
+              <a:buFont typeface="Arial"/>
               <a:buNone/>
             </a:pPr>
             <a:r>
               <a:t/>
             </a:r>
-            <a:endParaRPr/>
+            <a:endParaRPr sz="1800">
+              <a:solidFill>
+                <a:schemeClr val="lt1"/>
+              </a:solidFill>
+              <a:latin typeface="Times New Roman"/>
+              <a:ea typeface="Times New Roman"/>
+              <a:cs typeface="Times New Roman"/>
+              <a:sym typeface="Times New Roman"/>
+            </a:endParaRPr>
+          </a:p>
+          <a:p>
+            <a:pPr indent="0" lvl="0" marL="457200" marR="579474" rtl="0" algn="l">
+              <a:spcBef>
+                <a:spcPts val="0"/>
+              </a:spcBef>
+              <a:spcAft>
+                <a:spcPts val="0"/>
+              </a:spcAft>
+              <a:buClr>
+                <a:schemeClr val="dk1"/>
+              </a:buClr>
+              <a:buSzPts val="1600"/>
+              <a:buFont typeface="Arial"/>
+              <a:buNone/>
+            </a:pPr>
+            <a:r>
+              <a:rPr lang="en-US" sz="1800">
+                <a:solidFill>
+                  <a:schemeClr val="lt1"/>
+                </a:solidFill>
+                <a:latin typeface="Times New Roman"/>
+                <a:ea typeface="Times New Roman"/>
+                <a:cs typeface="Times New Roman"/>
+                <a:sym typeface="Times New Roman"/>
+              </a:rPr>
+              <a:t>Q 4) How logs are managed?</a:t>
+            </a:r>
+            <a:endParaRPr sz="1800">
+              <a:solidFill>
+                <a:srgbClr val="0F486F"/>
+              </a:solidFill>
+              <a:latin typeface="Century Gothic"/>
+              <a:ea typeface="Century Gothic"/>
+              <a:cs typeface="Century Gothic"/>
+              <a:sym typeface="Century Gothic"/>
+            </a:endParaRPr>
+          </a:p>
+          <a:p>
+            <a:pPr indent="0" lvl="0" marL="457200" marR="579474" rtl="0" algn="l">
+              <a:spcBef>
+                <a:spcPts val="960"/>
+              </a:spcBef>
+              <a:spcAft>
+                <a:spcPts val="0"/>
+              </a:spcAft>
+              <a:buClr>
+                <a:schemeClr val="dk1"/>
+              </a:buClr>
+              <a:buSzPts val="1440"/>
+              <a:buFont typeface="Arial"/>
+              <a:buNone/>
+            </a:pPr>
+            <a:r>
+              <a:rPr lang="en-US" sz="1800">
+                <a:solidFill>
+                  <a:schemeClr val="lt1"/>
+                </a:solidFill>
+                <a:latin typeface="Times New Roman"/>
+                <a:ea typeface="Times New Roman"/>
+                <a:cs typeface="Times New Roman"/>
+                <a:sym typeface="Times New Roman"/>
+              </a:rPr>
+              <a:t>	We are using different logs as per the steps that we follow in  validation and  </a:t>
+            </a:r>
+            <a:endParaRPr sz="1800">
+              <a:solidFill>
+                <a:srgbClr val="0F486F"/>
+              </a:solidFill>
+              <a:latin typeface="Century Gothic"/>
+              <a:ea typeface="Century Gothic"/>
+              <a:cs typeface="Century Gothic"/>
+              <a:sym typeface="Century Gothic"/>
+            </a:endParaRPr>
+          </a:p>
+          <a:p>
+            <a:pPr indent="0" lvl="0" marL="457200" marR="579474" rtl="0" algn="l">
+              <a:spcBef>
+                <a:spcPts val="960"/>
+              </a:spcBef>
+              <a:spcAft>
+                <a:spcPts val="0"/>
+              </a:spcAft>
+              <a:buClr>
+                <a:schemeClr val="dk1"/>
+              </a:buClr>
+              <a:buSzPts val="1440"/>
+              <a:buFont typeface="Arial"/>
+              <a:buNone/>
+            </a:pPr>
+            <a:r>
+              <a:rPr lang="en-US" sz="1800">
+                <a:solidFill>
+                  <a:schemeClr val="lt1"/>
+                </a:solidFill>
+                <a:latin typeface="Times New Roman"/>
+                <a:ea typeface="Times New Roman"/>
+                <a:cs typeface="Times New Roman"/>
+                <a:sym typeface="Times New Roman"/>
+              </a:rPr>
+              <a:t>       modeling like  Data Validation log ,Info log, Error log , Data Insertion ,Model Training log , prediction log etc.</a:t>
+            </a:r>
+            <a:endParaRPr sz="1800">
+              <a:solidFill>
+                <a:schemeClr val="lt1"/>
+              </a:solidFill>
+              <a:latin typeface="Times New Roman"/>
+              <a:ea typeface="Times New Roman"/>
+              <a:cs typeface="Times New Roman"/>
+              <a:sym typeface="Times New Roman"/>
+            </a:endParaRPr>
+          </a:p>
+          <a:p>
+            <a:pPr indent="0" lvl="0" marL="914400" marR="0" rtl="0" algn="l">
+              <a:lnSpc>
+                <a:spcPct val="100000"/>
+              </a:lnSpc>
+              <a:spcBef>
+                <a:spcPts val="0"/>
+              </a:spcBef>
+              <a:spcAft>
+                <a:spcPts val="0"/>
+              </a:spcAft>
+              <a:buClr>
+                <a:srgbClr val="000000"/>
+              </a:buClr>
+              <a:buSzPts val="1800"/>
+              <a:buFont typeface="Arial"/>
+              <a:buNone/>
+            </a:pPr>
+            <a:r>
+              <a:t/>
+            </a:r>
+            <a:endParaRPr b="1" sz="1800">
+              <a:solidFill>
+                <a:schemeClr val="lt1"/>
+              </a:solidFill>
+              <a:latin typeface="Times New Roman"/>
+              <a:ea typeface="Times New Roman"/>
+              <a:cs typeface="Times New Roman"/>
+              <a:sym typeface="Times New Roman"/>
+            </a:endParaRPr>
           </a:p>
         </p:txBody>
       </p:sp>
